--- a/Presentación.pptx
+++ b/Presentación.pptx
@@ -6,15 +6,17 @@
   </p:sldMasterIdLst>
   <p:sldIdLst>
     <p:sldId id="256" r:id="rId2"/>
-    <p:sldId id="258" r:id="rId3"/>
-    <p:sldId id="259" r:id="rId4"/>
-    <p:sldId id="260" r:id="rId5"/>
-    <p:sldId id="261" r:id="rId6"/>
-    <p:sldId id="262" r:id="rId7"/>
-    <p:sldId id="263" r:id="rId8"/>
-    <p:sldId id="264" r:id="rId9"/>
-    <p:sldId id="265" r:id="rId10"/>
-    <p:sldId id="266" r:id="rId11"/>
+    <p:sldId id="267" r:id="rId3"/>
+    <p:sldId id="258" r:id="rId4"/>
+    <p:sldId id="259" r:id="rId5"/>
+    <p:sldId id="269" r:id="rId6"/>
+    <p:sldId id="268" r:id="rId7"/>
+    <p:sldId id="261" r:id="rId8"/>
+    <p:sldId id="262" r:id="rId9"/>
+    <p:sldId id="263" r:id="rId10"/>
+    <p:sldId id="264" r:id="rId11"/>
+    <p:sldId id="265" r:id="rId12"/>
+    <p:sldId id="266" r:id="rId13"/>
   </p:sldIdLst>
   <p:sldSz cx="12192000" cy="6858000"/>
   <p:notesSz cx="6858000" cy="9144000"/>
@@ -127,6 +129,7 @@
     <p1510:client id="{29B85977-4DB2-4FED-832E-4CF290E66AA4}" v="3" dt="2019-10-01T04:08:27.290"/>
     <p1510:client id="{E34616CC-725A-49A8-81B8-6C75C3EDA691}" v="1099" dt="2019-10-01T17:50:56.852"/>
     <p1510:client id="{E3EC0743-45F3-4219-80E7-1B7B6930BF92}" v="15" dt="2019-09-30T20:57:13.973"/>
+    <p1510:client id="{E6211841-B3E7-4C0F-A95B-59CBCEC9777F}" v="353" dt="2019-10-01T18:29:20.547"/>
   </p1510:revLst>
 </p1510:revInfo>
 </file>
@@ -2745,11 +2748,16 @@
         <a:bodyPr/>
         <a:lstStyle/>
         <a:p>
+          <a:pPr>
+            <a:lnSpc>
+              <a:spcPct val="100000"/>
+            </a:lnSpc>
+          </a:pPr>
           <a:r>
-            <a:rPr lang="es-MX"/>
+            <a:rPr lang="es-MX" dirty="0"/>
             <a:t>"La cantidad a invertir debe de ser menor o igual al 20% del total invertido para diversificar el riesgo"</a:t>
           </a:r>
-          <a:endParaRPr lang="en-US"/>
+          <a:endParaRPr lang="en-US" dirty="0"/>
         </a:p>
       </dgm:t>
     </dgm:pt>
@@ -2782,11 +2790,16 @@
         <a:bodyPr/>
         <a:lstStyle/>
         <a:p>
+          <a:pPr>
+            <a:lnSpc>
+              <a:spcPct val="100000"/>
+            </a:lnSpc>
+          </a:pPr>
           <a:r>
-            <a:rPr lang="es-MX"/>
+            <a:rPr lang="es-MX" dirty="0"/>
             <a:t>X1 ≤ 0.20(1,000,000)</a:t>
           </a:r>
-          <a:endParaRPr lang="en-US"/>
+          <a:endParaRPr lang="en-US" dirty="0"/>
         </a:p>
       </dgm:t>
     </dgm:pt>
@@ -2812,43 +2825,6 @@
         </a:p>
       </dgm:t>
     </dgm:pt>
-    <dgm:pt modelId="{4CE9D7FD-E46F-4FB6-B173-0260173989D0}">
-      <dgm:prSet/>
-      <dgm:spPr/>
-      <dgm:t>
-        <a:bodyPr/>
-        <a:lstStyle/>
-        <a:p>
-          <a:r>
-            <a:rPr lang="es-MX"/>
-            <a:t>"La cantidad a invertir de los instrumentos a corto plazo tiene que ser mayor o igual a 30%"</a:t>
-          </a:r>
-          <a:endParaRPr lang="en-US"/>
-        </a:p>
-      </dgm:t>
-    </dgm:pt>
-    <dgm:pt modelId="{DDE9F4CE-9EEF-4FD7-B765-352B7E122F43}" type="parTrans" cxnId="{18320740-5C7C-48CA-AFB9-D8A731B86B3E}">
-      <dgm:prSet/>
-      <dgm:spPr/>
-      <dgm:t>
-        <a:bodyPr/>
-        <a:lstStyle/>
-        <a:p>
-          <a:endParaRPr lang="en-US"/>
-        </a:p>
-      </dgm:t>
-    </dgm:pt>
-    <dgm:pt modelId="{A1DB99D7-CECB-4724-8130-9182624A5F51}" type="sibTrans" cxnId="{18320740-5C7C-48CA-AFB9-D8A731B86B3E}">
-      <dgm:prSet/>
-      <dgm:spPr/>
-      <dgm:t>
-        <a:bodyPr/>
-        <a:lstStyle/>
-        <a:p>
-          <a:endParaRPr lang="en-US"/>
-        </a:p>
-      </dgm:t>
-    </dgm:pt>
     <dgm:pt modelId="{E943B9BC-6216-45E4-81A5-3E75A2CD36ED}">
       <dgm:prSet/>
       <dgm:spPr/>
@@ -2856,11 +2832,18 @@
         <a:bodyPr/>
         <a:lstStyle/>
         <a:p>
+          <a:pPr>
+            <a:lnSpc>
+              <a:spcPct val="100000"/>
+            </a:lnSpc>
+          </a:pPr>
           <a:r>
-            <a:rPr lang="es-MX"/>
-            <a:t>X1 + X5 ≥ 0.30(1,000,000)</a:t>
+            <a:rPr lang="es-MX" dirty="0"/>
+            <a:t>"La cantidad a invertir de los instrumentos a corto plazo tiene que ser mayor o igual a 30%"</a:t>
           </a:r>
-          <a:endParaRPr lang="en-US"/>
+          <a:endParaRPr lang="en-US" dirty="0">
+            <a:latin typeface="Gill Sans MT" panose="020B0502020104020203"/>
+          </a:endParaRPr>
         </a:p>
       </dgm:t>
     </dgm:pt>
@@ -2886,43 +2869,6 @@
         </a:p>
       </dgm:t>
     </dgm:pt>
-    <dgm:pt modelId="{44D837D5-226B-4F40-B978-5C5B228EF75B}">
-      <dgm:prSet/>
-      <dgm:spPr/>
-      <dgm:t>
-        <a:bodyPr/>
-        <a:lstStyle/>
-        <a:p>
-          <a:r>
-            <a:rPr lang="es-MX"/>
-            <a:t>Pero para poder utilizarse, se tendrá que convertir el ≥ a ≤ por lo tanto...</a:t>
-          </a:r>
-          <a:endParaRPr lang="en-US"/>
-        </a:p>
-      </dgm:t>
-    </dgm:pt>
-    <dgm:pt modelId="{0C1A3ED9-C1B2-424C-96E8-9D876EE4909D}" type="parTrans" cxnId="{3B4B6FAC-151E-4BCD-9788-14D07EC25DB9}">
-      <dgm:prSet/>
-      <dgm:spPr/>
-      <dgm:t>
-        <a:bodyPr/>
-        <a:lstStyle/>
-        <a:p>
-          <a:endParaRPr lang="en-US"/>
-        </a:p>
-      </dgm:t>
-    </dgm:pt>
-    <dgm:pt modelId="{9A01E97E-E5DB-4241-BD02-79C15FD997D6}" type="sibTrans" cxnId="{3B4B6FAC-151E-4BCD-9788-14D07EC25DB9}">
-      <dgm:prSet/>
-      <dgm:spPr/>
-      <dgm:t>
-        <a:bodyPr/>
-        <a:lstStyle/>
-        <a:p>
-          <a:endParaRPr lang="en-US"/>
-        </a:p>
-      </dgm:t>
-    </dgm:pt>
     <dgm:pt modelId="{0ED6E872-9262-41AA-A7BE-C24CDE916312}">
       <dgm:prSet/>
       <dgm:spPr/>
@@ -2930,11 +2876,24 @@
         <a:bodyPr/>
         <a:lstStyle/>
         <a:p>
+          <a:pPr>
+            <a:lnSpc>
+              <a:spcPct val="100000"/>
+            </a:lnSpc>
+          </a:pPr>
           <a:r>
-            <a:rPr lang="es-MX"/>
-            <a:t>-X1 - X5 ≤ -0.30(1,000,000)</a:t>
+            <a:rPr lang="es-MX" dirty="0"/>
+            <a:t>Pero para poder utilizarse, se tendrá que convertir el ≥ a ≤ por lo tanto</a:t>
           </a:r>
-          <a:endParaRPr lang="en-US"/>
+          <a:r>
+            <a:rPr lang="es-MX" dirty="0">
+              <a:latin typeface="Gill Sans MT" panose="020B0502020104020203"/>
+            </a:rPr>
+            <a:t>...</a:t>
+          </a:r>
+          <a:endParaRPr lang="en-US" dirty="0">
+            <a:latin typeface="Gill Sans MT" panose="020B0502020104020203"/>
+          </a:endParaRPr>
         </a:p>
       </dgm:t>
     </dgm:pt>
@@ -2960,6 +2919,73 @@
         </a:p>
       </dgm:t>
     </dgm:pt>
+    <dgm:pt modelId="{D055EF6D-07A8-46E7-81B4-0324AC6C62F2}">
+      <dgm:prSet phldr="0"/>
+      <dgm:spPr/>
+      <dgm:t>
+        <a:bodyPr/>
+        <a:lstStyle/>
+        <a:p>
+          <a:pPr>
+            <a:lnSpc>
+              <a:spcPct val="100000"/>
+            </a:lnSpc>
+          </a:pPr>
+          <a:r>
+            <a:rPr lang="es-MX" dirty="0">
+              <a:latin typeface="Gill Sans MT" panose="020B0502020104020203"/>
+            </a:rPr>
+            <a:t>-</a:t>
+          </a:r>
+          <a:r>
+            <a:rPr lang="es-MX" dirty="0"/>
+            <a:t>X1 - X5 ≤ -0.30(1,000,000)</a:t>
+          </a:r>
+        </a:p>
+      </dgm:t>
+    </dgm:pt>
+    <dgm:pt modelId="{9179382D-304C-49C9-8F99-7AF73D6C983B}" type="parTrans" cxnId="{6D5EB75A-E588-4577-88A7-A208DEDDC7D9}">
+      <dgm:prSet/>
+      <dgm:spPr/>
+    </dgm:pt>
+    <dgm:pt modelId="{27ED4807-776D-4667-BDCE-B8516AFB9DFE}" type="sibTrans" cxnId="{6D5EB75A-E588-4577-88A7-A208DEDDC7D9}">
+      <dgm:prSet/>
+      <dgm:spPr/>
+    </dgm:pt>
+    <dgm:pt modelId="{7ACE1B91-2768-44A4-B558-32EDA8492F7F}">
+      <dgm:prSet phldr="0"/>
+      <dgm:spPr/>
+      <dgm:t>
+        <a:bodyPr/>
+        <a:lstStyle/>
+        <a:p>
+          <a:pPr>
+            <a:lnSpc>
+              <a:spcPct val="100000"/>
+            </a:lnSpc>
+          </a:pPr>
+          <a:r>
+            <a:rPr lang="es-MX" dirty="0"/>
+            <a:t>X1 + X5 ≥ </a:t>
+          </a:r>
+          <a:r>
+            <a:rPr lang="es-MX" dirty="0">
+              <a:latin typeface="Gill Sans MT" panose="020B0502020104020203"/>
+            </a:rPr>
+            <a:t>0.30(1,000,000)</a:t>
+          </a:r>
+          <a:endParaRPr lang="es-MX" dirty="0"/>
+        </a:p>
+      </dgm:t>
+    </dgm:pt>
+    <dgm:pt modelId="{05CA60D9-1138-4E15-9D5C-05D50918F51D}" type="parTrans" cxnId="{27C15BC0-C447-4350-88AD-9D2E4A591738}">
+      <dgm:prSet/>
+      <dgm:spPr/>
+    </dgm:pt>
+    <dgm:pt modelId="{A8773CAC-A833-40EE-B3E6-524304CD2BCF}" type="sibTrans" cxnId="{27C15BC0-C447-4350-88AD-9D2E4A591738}">
+      <dgm:prSet/>
+      <dgm:spPr/>
+    </dgm:pt>
     <dgm:pt modelId="{8C9E4003-6327-4AB2-86F1-BC4CF88D58CD}" type="pres">
       <dgm:prSet presAssocID="{CD6A6420-14F5-4755-89E0-6BAF4545257C}" presName="root" presStyleCnt="0">
         <dgm:presLayoutVars>
@@ -2974,11 +3000,11 @@
       <dgm:spPr/>
     </dgm:pt>
     <dgm:pt modelId="{A2DB9580-3F12-433D-9FDA-4EA7AE18F602}" type="pres">
-      <dgm:prSet presAssocID="{B10E0ECC-ED97-4D15-916A-894E1754E0A8}" presName="bgRect" presStyleLbl="bgShp" presStyleIdx="0" presStyleCnt="4"/>
+      <dgm:prSet presAssocID="{B10E0ECC-ED97-4D15-916A-894E1754E0A8}" presName="bgRect" presStyleLbl="bgShp" presStyleIdx="0" presStyleCnt="3"/>
       <dgm:spPr/>
     </dgm:pt>
     <dgm:pt modelId="{04B4BE0F-B2C0-4945-BFB9-C3AA722DB21D}" type="pres">
-      <dgm:prSet presAssocID="{B10E0ECC-ED97-4D15-916A-894E1754E0A8}" presName="iconRect" presStyleLbl="node1" presStyleIdx="0" presStyleCnt="4"/>
+      <dgm:prSet presAssocID="{B10E0ECC-ED97-4D15-916A-894E1754E0A8}" presName="iconRect" presStyleLbl="node1" presStyleIdx="0" presStyleCnt="3"/>
       <dgm:spPr>
         <a:blipFill>
           <a:blip xmlns:r="http://schemas.openxmlformats.org/officeDocument/2006/relationships" r:embed="rId1">
@@ -3018,20 +3044,26 @@
       </dgm:prSet>
       <dgm:spPr/>
     </dgm:pt>
+    <dgm:pt modelId="{75004D7D-1B66-4137-B0BB-2072F368181E}" type="pres">
+      <dgm:prSet presAssocID="{B10E0ECC-ED97-4D15-916A-894E1754E0A8}" presName="desTx" presStyleLbl="revTx" presStyleIdx="1" presStyleCnt="6">
+        <dgm:presLayoutVars/>
+      </dgm:prSet>
+      <dgm:spPr/>
+    </dgm:pt>
     <dgm:pt modelId="{9E8DA057-AA98-4580-81B2-277A8586F96C}" type="pres">
       <dgm:prSet presAssocID="{E9217E84-FB49-4B09-A8C1-607EA9063A66}" presName="sibTrans" presStyleCnt="0"/>
       <dgm:spPr/>
     </dgm:pt>
-    <dgm:pt modelId="{0A49A1A2-7DA9-4A03-A02B-7DCFCEF529EC}" type="pres">
-      <dgm:prSet presAssocID="{DD21B560-7753-4B58-BFB7-2C3CC03C9786}" presName="compNode" presStyleCnt="0"/>
+    <dgm:pt modelId="{02EA626D-D1CF-481F-AF8E-7247274B7626}" type="pres">
+      <dgm:prSet presAssocID="{E943B9BC-6216-45E4-81A5-3E75A2CD36ED}" presName="compNode" presStyleCnt="0"/>
       <dgm:spPr/>
     </dgm:pt>
-    <dgm:pt modelId="{9A2D87CE-0F74-4D82-8FCF-E2FB8D5776DB}" type="pres">
-      <dgm:prSet presAssocID="{DD21B560-7753-4B58-BFB7-2C3CC03C9786}" presName="bgRect" presStyleLbl="bgShp" presStyleIdx="1" presStyleCnt="4"/>
+    <dgm:pt modelId="{5579F460-F32E-44D4-8DD7-47C4F13732A8}" type="pres">
+      <dgm:prSet presAssocID="{E943B9BC-6216-45E4-81A5-3E75A2CD36ED}" presName="bgRect" presStyleLbl="bgShp" presStyleIdx="1" presStyleCnt="3"/>
       <dgm:spPr/>
     </dgm:pt>
-    <dgm:pt modelId="{AFF928CF-B8F3-42FD-910A-E8B106964481}" type="pres">
-      <dgm:prSet presAssocID="{DD21B560-7753-4B58-BFB7-2C3CC03C9786}" presName="iconRect" presStyleLbl="node1" presStyleIdx="1" presStyleCnt="4"/>
+    <dgm:pt modelId="{26D4F425-A879-4839-BDC4-CCC01B0CF607}" type="pres">
+      <dgm:prSet presAssocID="{E943B9BC-6216-45E4-81A5-3E75A2CD36ED}" presName="iconRect" presStyleLbl="node1" presStyleIdx="1" presStyleCnt="3"/>
       <dgm:spPr>
         <a:blipFill>
           <a:blip xmlns:r="http://schemas.openxmlformats.org/officeDocument/2006/relationships" r:embed="rId3">
@@ -3054,16 +3086,16 @@
       </dgm:spPr>
       <dgm:extLst>
         <a:ext uri="{E40237B7-FDA0-4F09-8148-C483321AD2D9}">
-          <dgm14:cNvPr xmlns:dgm14="http://schemas.microsoft.com/office/drawing/2010/diagram" id="0" name="" descr="Bitcoin"/>
+          <dgm14:cNvPr xmlns:dgm14="http://schemas.microsoft.com/office/drawing/2010/diagram" id="0" name="" descr="Rupee"/>
         </a:ext>
       </dgm:extLst>
     </dgm:pt>
-    <dgm:pt modelId="{36EF09A8-654E-4FC6-8730-9EBA510B005F}" type="pres">
-      <dgm:prSet presAssocID="{DD21B560-7753-4B58-BFB7-2C3CC03C9786}" presName="spaceRect" presStyleCnt="0"/>
+    <dgm:pt modelId="{B5B1FD61-B596-46E5-86C3-918F73AA6325}" type="pres">
+      <dgm:prSet presAssocID="{E943B9BC-6216-45E4-81A5-3E75A2CD36ED}" presName="spaceRect" presStyleCnt="0"/>
       <dgm:spPr/>
     </dgm:pt>
-    <dgm:pt modelId="{E8195A41-D1C8-438E-8A71-FA5698CF14D0}" type="pres">
-      <dgm:prSet presAssocID="{DD21B560-7753-4B58-BFB7-2C3CC03C9786}" presName="parTx" presStyleLbl="revTx" presStyleIdx="1" presStyleCnt="6">
+    <dgm:pt modelId="{7052F513-999A-4435-A4FE-039A56752DA9}" type="pres">
+      <dgm:prSet presAssocID="{E943B9BC-6216-45E4-81A5-3E75A2CD36ED}" presName="parTx" presStyleLbl="revTx" presStyleIdx="2" presStyleCnt="6">
         <dgm:presLayoutVars>
           <dgm:chMax val="0"/>
           <dgm:chPref val="0"/>
@@ -3071,26 +3103,26 @@
       </dgm:prSet>
       <dgm:spPr/>
     </dgm:pt>
-    <dgm:pt modelId="{E0E73856-274B-4A7A-9174-3C766A9B0FC5}" type="pres">
-      <dgm:prSet presAssocID="{DD21B560-7753-4B58-BFB7-2C3CC03C9786}" presName="desTx" presStyleLbl="revTx" presStyleIdx="2" presStyleCnt="6">
+    <dgm:pt modelId="{CD4DFE13-6949-42FE-ABA2-79434DC2B4A0}" type="pres">
+      <dgm:prSet presAssocID="{E943B9BC-6216-45E4-81A5-3E75A2CD36ED}" presName="desTx" presStyleLbl="revTx" presStyleIdx="3" presStyleCnt="6">
         <dgm:presLayoutVars/>
       </dgm:prSet>
       <dgm:spPr/>
     </dgm:pt>
-    <dgm:pt modelId="{424B8505-C854-42A4-B41B-1E78D610A81A}" type="pres">
-      <dgm:prSet presAssocID="{8446A31D-EC9D-4351-AE79-F90DBD388869}" presName="sibTrans" presStyleCnt="0"/>
+    <dgm:pt modelId="{8E5C446B-1C67-42CC-9496-2CC2E7632420}" type="pres">
+      <dgm:prSet presAssocID="{31BD644E-96DE-4DAE-8361-9526314BE1B3}" presName="sibTrans" presStyleCnt="0"/>
       <dgm:spPr/>
     </dgm:pt>
-    <dgm:pt modelId="{02EA626D-D1CF-481F-AF8E-7247274B7626}" type="pres">
-      <dgm:prSet presAssocID="{E943B9BC-6216-45E4-81A5-3E75A2CD36ED}" presName="compNode" presStyleCnt="0"/>
+    <dgm:pt modelId="{FB6A4AD2-5E68-45B3-83EA-78E995487C45}" type="pres">
+      <dgm:prSet presAssocID="{0ED6E872-9262-41AA-A7BE-C24CDE916312}" presName="compNode" presStyleCnt="0"/>
       <dgm:spPr/>
     </dgm:pt>
-    <dgm:pt modelId="{5579F460-F32E-44D4-8DD7-47C4F13732A8}" type="pres">
-      <dgm:prSet presAssocID="{E943B9BC-6216-45E4-81A5-3E75A2CD36ED}" presName="bgRect" presStyleLbl="bgShp" presStyleIdx="2" presStyleCnt="4"/>
+    <dgm:pt modelId="{11BCA5FD-B5B6-454E-A50B-F4BB4D112781}" type="pres">
+      <dgm:prSet presAssocID="{0ED6E872-9262-41AA-A7BE-C24CDE916312}" presName="bgRect" presStyleLbl="bgShp" presStyleIdx="2" presStyleCnt="3"/>
       <dgm:spPr/>
     </dgm:pt>
-    <dgm:pt modelId="{26D4F425-A879-4839-BDC4-CCC01B0CF607}" type="pres">
-      <dgm:prSet presAssocID="{E943B9BC-6216-45E4-81A5-3E75A2CD36ED}" presName="iconRect" presStyleLbl="node1" presStyleIdx="2" presStyleCnt="4"/>
+    <dgm:pt modelId="{88615691-BD20-4190-8DE4-12ED55DC0B98}" type="pres">
+      <dgm:prSet presAssocID="{0ED6E872-9262-41AA-A7BE-C24CDE916312}" presName="iconRect" presStyleLbl="node1" presStyleIdx="2" presStyleCnt="3"/>
       <dgm:spPr>
         <a:blipFill>
           <a:blip xmlns:r="http://schemas.openxmlformats.org/officeDocument/2006/relationships" r:embed="rId5">
@@ -3113,65 +3145,6 @@
       </dgm:spPr>
       <dgm:extLst>
         <a:ext uri="{E40237B7-FDA0-4F09-8148-C483321AD2D9}">
-          <dgm14:cNvPr xmlns:dgm14="http://schemas.microsoft.com/office/drawing/2010/diagram" id="0" name="" descr="Rupee"/>
-        </a:ext>
-      </dgm:extLst>
-    </dgm:pt>
-    <dgm:pt modelId="{B5B1FD61-B596-46E5-86C3-918F73AA6325}" type="pres">
-      <dgm:prSet presAssocID="{E943B9BC-6216-45E4-81A5-3E75A2CD36ED}" presName="spaceRect" presStyleCnt="0"/>
-      <dgm:spPr/>
-    </dgm:pt>
-    <dgm:pt modelId="{7052F513-999A-4435-A4FE-039A56752DA9}" type="pres">
-      <dgm:prSet presAssocID="{E943B9BC-6216-45E4-81A5-3E75A2CD36ED}" presName="parTx" presStyleLbl="revTx" presStyleIdx="3" presStyleCnt="6">
-        <dgm:presLayoutVars>
-          <dgm:chMax val="0"/>
-          <dgm:chPref val="0"/>
-        </dgm:presLayoutVars>
-      </dgm:prSet>
-      <dgm:spPr/>
-    </dgm:pt>
-    <dgm:pt modelId="{F5A85BBC-DAEA-4C9B-8FB2-98DAE4093EB0}" type="pres">
-      <dgm:prSet presAssocID="{E943B9BC-6216-45E4-81A5-3E75A2CD36ED}" presName="desTx" presStyleLbl="revTx" presStyleIdx="4" presStyleCnt="6">
-        <dgm:presLayoutVars/>
-      </dgm:prSet>
-      <dgm:spPr/>
-    </dgm:pt>
-    <dgm:pt modelId="{8E5C446B-1C67-42CC-9496-2CC2E7632420}" type="pres">
-      <dgm:prSet presAssocID="{31BD644E-96DE-4DAE-8361-9526314BE1B3}" presName="sibTrans" presStyleCnt="0"/>
-      <dgm:spPr/>
-    </dgm:pt>
-    <dgm:pt modelId="{FB6A4AD2-5E68-45B3-83EA-78E995487C45}" type="pres">
-      <dgm:prSet presAssocID="{0ED6E872-9262-41AA-A7BE-C24CDE916312}" presName="compNode" presStyleCnt="0"/>
-      <dgm:spPr/>
-    </dgm:pt>
-    <dgm:pt modelId="{11BCA5FD-B5B6-454E-A50B-F4BB4D112781}" type="pres">
-      <dgm:prSet presAssocID="{0ED6E872-9262-41AA-A7BE-C24CDE916312}" presName="bgRect" presStyleLbl="bgShp" presStyleIdx="3" presStyleCnt="4"/>
-      <dgm:spPr/>
-    </dgm:pt>
-    <dgm:pt modelId="{88615691-BD20-4190-8DE4-12ED55DC0B98}" type="pres">
-      <dgm:prSet presAssocID="{0ED6E872-9262-41AA-A7BE-C24CDE916312}" presName="iconRect" presStyleLbl="node1" presStyleIdx="3" presStyleCnt="4"/>
-      <dgm:spPr>
-        <a:blipFill>
-          <a:blip xmlns:r="http://schemas.openxmlformats.org/officeDocument/2006/relationships" r:embed="rId7">
-            <a:extLst>
-              <a:ext uri="{28A0092B-C50C-407E-A947-70E740481C1C}">
-                <a14:useLocalDpi xmlns:a14="http://schemas.microsoft.com/office/drawing/2010/main" val="0"/>
-              </a:ext>
-              <a:ext uri="{96DAC541-7B7A-43D3-8B79-37D633B846F1}">
-                <asvg:svgBlip xmlns:asvg="http://schemas.microsoft.com/office/drawing/2016/SVG/main" r:embed="rId8"/>
-              </a:ext>
-            </a:extLst>
-          </a:blip>
-          <a:stretch>
-            <a:fillRect/>
-          </a:stretch>
-        </a:blipFill>
-        <a:ln>
-          <a:noFill/>
-        </a:ln>
-      </dgm:spPr>
-      <dgm:extLst>
-        <a:ext uri="{E40237B7-FDA0-4F09-8148-C483321AD2D9}">
           <dgm14:cNvPr xmlns:dgm14="http://schemas.microsoft.com/office/drawing/2010/diagram" id="0" name="" descr="Checkmark"/>
         </a:ext>
       </dgm:extLst>
@@ -3181,7 +3154,7 @@
       <dgm:spPr/>
     </dgm:pt>
     <dgm:pt modelId="{CED6B109-8CF3-475A-A328-9053C5A7A175}" type="pres">
-      <dgm:prSet presAssocID="{0ED6E872-9262-41AA-A7BE-C24CDE916312}" presName="parTx" presStyleLbl="revTx" presStyleIdx="5" presStyleCnt="6">
+      <dgm:prSet presAssocID="{0ED6E872-9262-41AA-A7BE-C24CDE916312}" presName="parTx" presStyleLbl="revTx" presStyleIdx="4" presStyleCnt="6">
         <dgm:presLayoutVars>
           <dgm:chMax val="0"/>
           <dgm:chPref val="0"/>
@@ -3189,46 +3162,47 @@
       </dgm:prSet>
       <dgm:spPr/>
     </dgm:pt>
+    <dgm:pt modelId="{E0AA037D-808B-4C78-9C39-F5D3973D9BDB}" type="pres">
+      <dgm:prSet presAssocID="{0ED6E872-9262-41AA-A7BE-C24CDE916312}" presName="desTx" presStyleLbl="revTx" presStyleIdx="5" presStyleCnt="6">
+        <dgm:presLayoutVars/>
+      </dgm:prSet>
+      <dgm:spPr/>
+    </dgm:pt>
   </dgm:ptLst>
   <dgm:cxnLst>
     <dgm:cxn modelId="{D1E5B404-6020-472D-B284-600053754172}" type="presOf" srcId="{CD6A6420-14F5-4755-89E0-6BAF4545257C}" destId="{8C9E4003-6327-4AB2-86F1-BC4CF88D58CD}" srcOrd="0" destOrd="0" presId="urn:microsoft.com/office/officeart/2018/2/layout/IconVerticalSolidList"/>
-    <dgm:cxn modelId="{84585120-0506-4143-B208-1CEF6B2F6145}" srcId="{CD6A6420-14F5-4755-89E0-6BAF4545257C}" destId="{DD21B560-7753-4B58-BFB7-2C3CC03C9786}" srcOrd="1" destOrd="0" parTransId="{BD4BF872-AB4E-459C-B73D-8634AA960F0D}" sibTransId="{8446A31D-EC9D-4351-AE79-F90DBD388869}"/>
+    <dgm:cxn modelId="{1F7CCF18-14EA-40B1-BCE3-4A69AE707A5F}" type="presOf" srcId="{7ACE1B91-2768-44A4-B558-32EDA8492F7F}" destId="{CD4DFE13-6949-42FE-ABA2-79434DC2B4A0}" srcOrd="0" destOrd="0" presId="urn:microsoft.com/office/officeart/2018/2/layout/IconVerticalSolidList"/>
+    <dgm:cxn modelId="{84585120-0506-4143-B208-1CEF6B2F6145}" srcId="{B10E0ECC-ED97-4D15-916A-894E1754E0A8}" destId="{DD21B560-7753-4B58-BFB7-2C3CC03C9786}" srcOrd="0" destOrd="0" parTransId="{BD4BF872-AB4E-459C-B73D-8634AA960F0D}" sibTransId="{8446A31D-EC9D-4351-AE79-F90DBD388869}"/>
     <dgm:cxn modelId="{7818F52A-6D61-42EB-BC9F-E29092DA5B10}" srcId="{CD6A6420-14F5-4755-89E0-6BAF4545257C}" destId="{B10E0ECC-ED97-4D15-916A-894E1754E0A8}" srcOrd="0" destOrd="0" parTransId="{AABDAFF4-9C96-487D-AD5E-6EE91515F953}" sibTransId="{E9217E84-FB49-4B09-A8C1-607EA9063A66}"/>
-    <dgm:cxn modelId="{2AA31A3D-50F2-4053-BFFD-54F18804DA7E}" type="presOf" srcId="{0ED6E872-9262-41AA-A7BE-C24CDE916312}" destId="{CED6B109-8CF3-475A-A328-9053C5A7A175}" srcOrd="0" destOrd="0" presId="urn:microsoft.com/office/officeart/2018/2/layout/IconVerticalSolidList"/>
-    <dgm:cxn modelId="{18320740-5C7C-48CA-AFB9-D8A731B86B3E}" srcId="{DD21B560-7753-4B58-BFB7-2C3CC03C9786}" destId="{4CE9D7FD-E46F-4FB6-B173-0260173989D0}" srcOrd="0" destOrd="0" parTransId="{DDE9F4CE-9EEF-4FD7-B765-352B7E122F43}" sibTransId="{A1DB99D7-CECB-4724-8130-9182624A5F51}"/>
-    <dgm:cxn modelId="{E2BFC946-F18C-4049-B6A9-155EB35079E4}" type="presOf" srcId="{E943B9BC-6216-45E4-81A5-3E75A2CD36ED}" destId="{7052F513-999A-4435-A4FE-039A56752DA9}" srcOrd="0" destOrd="0" presId="urn:microsoft.com/office/officeart/2018/2/layout/IconVerticalSolidList"/>
-    <dgm:cxn modelId="{F2D7E447-9EFA-4701-8BD8-797787155D14}" type="presOf" srcId="{DD21B560-7753-4B58-BFB7-2C3CC03C9786}" destId="{E8195A41-D1C8-438E-8A71-FA5698CF14D0}" srcOrd="0" destOrd="0" presId="urn:microsoft.com/office/officeart/2018/2/layout/IconVerticalSolidList"/>
-    <dgm:cxn modelId="{0D2E4157-E734-4391-B3BB-69A9023D759C}" srcId="{CD6A6420-14F5-4755-89E0-6BAF4545257C}" destId="{0ED6E872-9262-41AA-A7BE-C24CDE916312}" srcOrd="3" destOrd="0" parTransId="{1B3AC5A4-6549-40A1-909A-EF2166BF977A}" sibTransId="{EA94F24C-0B61-445F-A177-207ABD73585D}"/>
-    <dgm:cxn modelId="{5191588F-7463-4139-9A01-1FFDD2AA99A2}" type="presOf" srcId="{B10E0ECC-ED97-4D15-916A-894E1754E0A8}" destId="{DC9A2C83-42C2-43C1-BBEE-BE82ED7100DE}" srcOrd="0" destOrd="0" presId="urn:microsoft.com/office/officeart/2018/2/layout/IconVerticalSolidList"/>
-    <dgm:cxn modelId="{9C5FD1A9-DDFA-4199-B061-F7F08CAAE4E2}" type="presOf" srcId="{44D837D5-226B-4F40-B978-5C5B228EF75B}" destId="{F5A85BBC-DAEA-4C9B-8FB2-98DAE4093EB0}" srcOrd="0" destOrd="0" presId="urn:microsoft.com/office/officeart/2018/2/layout/IconVerticalSolidList"/>
-    <dgm:cxn modelId="{3B4B6FAC-151E-4BCD-9788-14D07EC25DB9}" srcId="{E943B9BC-6216-45E4-81A5-3E75A2CD36ED}" destId="{44D837D5-226B-4F40-B978-5C5B228EF75B}" srcOrd="0" destOrd="0" parTransId="{0C1A3ED9-C1B2-424C-96E8-9D876EE4909D}" sibTransId="{9A01E97E-E5DB-4241-BD02-79C15FD997D6}"/>
-    <dgm:cxn modelId="{86FE5CC1-8EDF-4A8D-AA59-4BFCA69A1750}" srcId="{CD6A6420-14F5-4755-89E0-6BAF4545257C}" destId="{E943B9BC-6216-45E4-81A5-3E75A2CD36ED}" srcOrd="2" destOrd="0" parTransId="{E60F031C-B541-4754-9825-71D3C1D7DA62}" sibTransId="{31BD644E-96DE-4DAE-8361-9526314BE1B3}"/>
-    <dgm:cxn modelId="{ECD911C8-DA64-415D-9814-FF177C895518}" type="presOf" srcId="{4CE9D7FD-E46F-4FB6-B173-0260173989D0}" destId="{E0E73856-274B-4A7A-9174-3C766A9B0FC5}" srcOrd="0" destOrd="0" presId="urn:microsoft.com/office/officeart/2018/2/layout/IconVerticalSolidList"/>
-    <dgm:cxn modelId="{50F92F76-8719-4D4B-A141-B0489E9AF5AD}" type="presParOf" srcId="{8C9E4003-6327-4AB2-86F1-BC4CF88D58CD}" destId="{A0AC045F-2967-4393-8D43-0DBED034FFCB}" srcOrd="0" destOrd="0" presId="urn:microsoft.com/office/officeart/2018/2/layout/IconVerticalSolidList"/>
-    <dgm:cxn modelId="{9FB5F957-A992-43F2-81BA-18187BAAF3AC}" type="presParOf" srcId="{A0AC045F-2967-4393-8D43-0DBED034FFCB}" destId="{A2DB9580-3F12-433D-9FDA-4EA7AE18F602}" srcOrd="0" destOrd="0" presId="urn:microsoft.com/office/officeart/2018/2/layout/IconVerticalSolidList"/>
-    <dgm:cxn modelId="{D6C9D93C-30F0-4417-AF70-CDA36CBEA70C}" type="presParOf" srcId="{A0AC045F-2967-4393-8D43-0DBED034FFCB}" destId="{04B4BE0F-B2C0-4945-BFB9-C3AA722DB21D}" srcOrd="1" destOrd="0" presId="urn:microsoft.com/office/officeart/2018/2/layout/IconVerticalSolidList"/>
-    <dgm:cxn modelId="{E030101A-056C-41E8-B84D-7D135D999BF0}" type="presParOf" srcId="{A0AC045F-2967-4393-8D43-0DBED034FFCB}" destId="{8A3C5EF6-F431-4356-8BB4-1F7EC696EE47}" srcOrd="2" destOrd="0" presId="urn:microsoft.com/office/officeart/2018/2/layout/IconVerticalSolidList"/>
-    <dgm:cxn modelId="{E522FBCD-309E-43EF-A200-CF95E6F86CDB}" type="presParOf" srcId="{A0AC045F-2967-4393-8D43-0DBED034FFCB}" destId="{DC9A2C83-42C2-43C1-BBEE-BE82ED7100DE}" srcOrd="3" destOrd="0" presId="urn:microsoft.com/office/officeart/2018/2/layout/IconVerticalSolidList"/>
-    <dgm:cxn modelId="{C9FF1BED-45B4-4736-A8F1-2896CF024F0F}" type="presParOf" srcId="{8C9E4003-6327-4AB2-86F1-BC4CF88D58CD}" destId="{9E8DA057-AA98-4580-81B2-277A8586F96C}" srcOrd="1" destOrd="0" presId="urn:microsoft.com/office/officeart/2018/2/layout/IconVerticalSolidList"/>
-    <dgm:cxn modelId="{E3FF3E45-48B9-41DB-8BD4-5A7A6CDDA925}" type="presParOf" srcId="{8C9E4003-6327-4AB2-86F1-BC4CF88D58CD}" destId="{0A49A1A2-7DA9-4A03-A02B-7DCFCEF529EC}" srcOrd="2" destOrd="0" presId="urn:microsoft.com/office/officeart/2018/2/layout/IconVerticalSolidList"/>
-    <dgm:cxn modelId="{DEFAE301-80AD-404A-ADFB-796909DACCAB}" type="presParOf" srcId="{0A49A1A2-7DA9-4A03-A02B-7DCFCEF529EC}" destId="{9A2D87CE-0F74-4D82-8FCF-E2FB8D5776DB}" srcOrd="0" destOrd="0" presId="urn:microsoft.com/office/officeart/2018/2/layout/IconVerticalSolidList"/>
-    <dgm:cxn modelId="{A812F606-A548-4A87-B78A-BF9DC6959B15}" type="presParOf" srcId="{0A49A1A2-7DA9-4A03-A02B-7DCFCEF529EC}" destId="{AFF928CF-B8F3-42FD-910A-E8B106964481}" srcOrd="1" destOrd="0" presId="urn:microsoft.com/office/officeart/2018/2/layout/IconVerticalSolidList"/>
-    <dgm:cxn modelId="{6DE0C9E9-9BAB-46BD-872C-A3849D80471A}" type="presParOf" srcId="{0A49A1A2-7DA9-4A03-A02B-7DCFCEF529EC}" destId="{36EF09A8-654E-4FC6-8730-9EBA510B005F}" srcOrd="2" destOrd="0" presId="urn:microsoft.com/office/officeart/2018/2/layout/IconVerticalSolidList"/>
-    <dgm:cxn modelId="{B8903C16-304E-4048-A967-9A619CAF5584}" type="presParOf" srcId="{0A49A1A2-7DA9-4A03-A02B-7DCFCEF529EC}" destId="{E8195A41-D1C8-438E-8A71-FA5698CF14D0}" srcOrd="3" destOrd="0" presId="urn:microsoft.com/office/officeart/2018/2/layout/IconVerticalSolidList"/>
-    <dgm:cxn modelId="{375FC91A-B545-4715-9349-59FBD95B56D9}" type="presParOf" srcId="{0A49A1A2-7DA9-4A03-A02B-7DCFCEF529EC}" destId="{E0E73856-274B-4A7A-9174-3C766A9B0FC5}" srcOrd="4" destOrd="0" presId="urn:microsoft.com/office/officeart/2018/2/layout/IconVerticalSolidList"/>
-    <dgm:cxn modelId="{348A3079-7F33-4320-B090-84455F18CD12}" type="presParOf" srcId="{8C9E4003-6327-4AB2-86F1-BC4CF88D58CD}" destId="{424B8505-C854-42A4-B41B-1E78D610A81A}" srcOrd="3" destOrd="0" presId="urn:microsoft.com/office/officeart/2018/2/layout/IconVerticalSolidList"/>
-    <dgm:cxn modelId="{B55BEBFF-68FC-47B5-89C1-50E661CDF07F}" type="presParOf" srcId="{8C9E4003-6327-4AB2-86F1-BC4CF88D58CD}" destId="{02EA626D-D1CF-481F-AF8E-7247274B7626}" srcOrd="4" destOrd="0" presId="urn:microsoft.com/office/officeart/2018/2/layout/IconVerticalSolidList"/>
-    <dgm:cxn modelId="{6DEC57DA-87A2-447E-AE20-F23E7FB8A4C9}" type="presParOf" srcId="{02EA626D-D1CF-481F-AF8E-7247274B7626}" destId="{5579F460-F32E-44D4-8DD7-47C4F13732A8}" srcOrd="0" destOrd="0" presId="urn:microsoft.com/office/officeart/2018/2/layout/IconVerticalSolidList"/>
-    <dgm:cxn modelId="{43F6B3C4-1CE3-4530-8FAB-67D700B43F1D}" type="presParOf" srcId="{02EA626D-D1CF-481F-AF8E-7247274B7626}" destId="{26D4F425-A879-4839-BDC4-CCC01B0CF607}" srcOrd="1" destOrd="0" presId="urn:microsoft.com/office/officeart/2018/2/layout/IconVerticalSolidList"/>
-    <dgm:cxn modelId="{BDC34B00-D7A2-44BF-8971-DAEE5C75B396}" type="presParOf" srcId="{02EA626D-D1CF-481F-AF8E-7247274B7626}" destId="{B5B1FD61-B596-46E5-86C3-918F73AA6325}" srcOrd="2" destOrd="0" presId="urn:microsoft.com/office/officeart/2018/2/layout/IconVerticalSolidList"/>
-    <dgm:cxn modelId="{AA515F14-BBDD-4A58-8DBB-C23A3976FE24}" type="presParOf" srcId="{02EA626D-D1CF-481F-AF8E-7247274B7626}" destId="{7052F513-999A-4435-A4FE-039A56752DA9}" srcOrd="3" destOrd="0" presId="urn:microsoft.com/office/officeart/2018/2/layout/IconVerticalSolidList"/>
-    <dgm:cxn modelId="{DB3B0E5D-8B4C-44AD-9F64-7496BD283003}" type="presParOf" srcId="{02EA626D-D1CF-481F-AF8E-7247274B7626}" destId="{F5A85BBC-DAEA-4C9B-8FB2-98DAE4093EB0}" srcOrd="4" destOrd="0" presId="urn:microsoft.com/office/officeart/2018/2/layout/IconVerticalSolidList"/>
-    <dgm:cxn modelId="{CDE14178-2E99-401D-8984-C0BCBA7CE170}" type="presParOf" srcId="{8C9E4003-6327-4AB2-86F1-BC4CF88D58CD}" destId="{8E5C446B-1C67-42CC-9496-2CC2E7632420}" srcOrd="5" destOrd="0" presId="urn:microsoft.com/office/officeart/2018/2/layout/IconVerticalSolidList"/>
-    <dgm:cxn modelId="{E6858A3B-41C7-40C8-BCCF-2B480347552F}" type="presParOf" srcId="{8C9E4003-6327-4AB2-86F1-BC4CF88D58CD}" destId="{FB6A4AD2-5E68-45B3-83EA-78E995487C45}" srcOrd="6" destOrd="0" presId="urn:microsoft.com/office/officeart/2018/2/layout/IconVerticalSolidList"/>
-    <dgm:cxn modelId="{042CD138-FF2E-40E5-BF23-339A2E4B5C00}" type="presParOf" srcId="{FB6A4AD2-5E68-45B3-83EA-78E995487C45}" destId="{11BCA5FD-B5B6-454E-A50B-F4BB4D112781}" srcOrd="0" destOrd="0" presId="urn:microsoft.com/office/officeart/2018/2/layout/IconVerticalSolidList"/>
-    <dgm:cxn modelId="{9165BA24-6C00-438C-A773-40C392EBE3CE}" type="presParOf" srcId="{FB6A4AD2-5E68-45B3-83EA-78E995487C45}" destId="{88615691-BD20-4190-8DE4-12ED55DC0B98}" srcOrd="1" destOrd="0" presId="urn:microsoft.com/office/officeart/2018/2/layout/IconVerticalSolidList"/>
-    <dgm:cxn modelId="{0A0E6895-94ED-4F76-A5C9-371965F1CEEF}" type="presParOf" srcId="{FB6A4AD2-5E68-45B3-83EA-78E995487C45}" destId="{4AA9F53C-8606-4F99-AB27-FAB353E60C23}" srcOrd="2" destOrd="0" presId="urn:microsoft.com/office/officeart/2018/2/layout/IconVerticalSolidList"/>
-    <dgm:cxn modelId="{6914E7D4-3D25-4ED9-98DD-C8961E4AF776}" type="presParOf" srcId="{FB6A4AD2-5E68-45B3-83EA-78E995487C45}" destId="{CED6B109-8CF3-475A-A328-9053C5A7A175}" srcOrd="3" destOrd="0" presId="urn:microsoft.com/office/officeart/2018/2/layout/IconVerticalSolidList"/>
+    <dgm:cxn modelId="{6E68994C-1C2A-4A8F-B21C-CE0942FF6D26}" type="presOf" srcId="{D055EF6D-07A8-46E7-81B4-0324AC6C62F2}" destId="{E0AA037D-808B-4C78-9C39-F5D3973D9BDB}" srcOrd="0" destOrd="0" presId="urn:microsoft.com/office/officeart/2018/2/layout/IconVerticalSolidList"/>
+    <dgm:cxn modelId="{0D2E4157-E734-4391-B3BB-69A9023D759C}" srcId="{CD6A6420-14F5-4755-89E0-6BAF4545257C}" destId="{0ED6E872-9262-41AA-A7BE-C24CDE916312}" srcOrd="2" destOrd="0" parTransId="{1B3AC5A4-6549-40A1-909A-EF2166BF977A}" sibTransId="{EA94F24C-0B61-445F-A177-207ABD73585D}"/>
+    <dgm:cxn modelId="{6D5EB75A-E588-4577-88A7-A208DEDDC7D9}" srcId="{0ED6E872-9262-41AA-A7BE-C24CDE916312}" destId="{D055EF6D-07A8-46E7-81B4-0324AC6C62F2}" srcOrd="0" destOrd="0" parTransId="{9179382D-304C-49C9-8F99-7AF73D6C983B}" sibTransId="{27ED4807-776D-4667-BDCE-B8516AFB9DFE}"/>
+    <dgm:cxn modelId="{5CB9BB8A-9FE2-415D-A78D-A67109710149}" type="presOf" srcId="{DD21B560-7753-4B58-BFB7-2C3CC03C9786}" destId="{75004D7D-1B66-4137-B0BB-2072F368181E}" srcOrd="0" destOrd="0" presId="urn:microsoft.com/office/officeart/2018/2/layout/IconVerticalSolidList"/>
+    <dgm:cxn modelId="{816C29AC-F214-4A6A-A6D0-61E70B46926E}" type="presOf" srcId="{B10E0ECC-ED97-4D15-916A-894E1754E0A8}" destId="{DC9A2C83-42C2-43C1-BBEE-BE82ED7100DE}" srcOrd="0" destOrd="0" presId="urn:microsoft.com/office/officeart/2018/2/layout/IconVerticalSolidList"/>
+    <dgm:cxn modelId="{27C15BC0-C447-4350-88AD-9D2E4A591738}" srcId="{E943B9BC-6216-45E4-81A5-3E75A2CD36ED}" destId="{7ACE1B91-2768-44A4-B558-32EDA8492F7F}" srcOrd="0" destOrd="0" parTransId="{05CA60D9-1138-4E15-9D5C-05D50918F51D}" sibTransId="{A8773CAC-A833-40EE-B3E6-524304CD2BCF}"/>
+    <dgm:cxn modelId="{86FE5CC1-8EDF-4A8D-AA59-4BFCA69A1750}" srcId="{CD6A6420-14F5-4755-89E0-6BAF4545257C}" destId="{E943B9BC-6216-45E4-81A5-3E75A2CD36ED}" srcOrd="1" destOrd="0" parTransId="{E60F031C-B541-4754-9825-71D3C1D7DA62}" sibTransId="{31BD644E-96DE-4DAE-8361-9526314BE1B3}"/>
+    <dgm:cxn modelId="{BDE869E5-36C3-438D-8CB3-BA6E12A4E10E}" type="presOf" srcId="{E943B9BC-6216-45E4-81A5-3E75A2CD36ED}" destId="{7052F513-999A-4435-A4FE-039A56752DA9}" srcOrd="0" destOrd="0" presId="urn:microsoft.com/office/officeart/2018/2/layout/IconVerticalSolidList"/>
+    <dgm:cxn modelId="{5AE948EE-4A42-4691-86A7-34B8EF261749}" type="presOf" srcId="{0ED6E872-9262-41AA-A7BE-C24CDE916312}" destId="{CED6B109-8CF3-475A-A328-9053C5A7A175}" srcOrd="0" destOrd="0" presId="urn:microsoft.com/office/officeart/2018/2/layout/IconVerticalSolidList"/>
+    <dgm:cxn modelId="{5A0BC8DF-0F27-4FB0-8D67-E0E01F8EAA5C}" type="presParOf" srcId="{8C9E4003-6327-4AB2-86F1-BC4CF88D58CD}" destId="{A0AC045F-2967-4393-8D43-0DBED034FFCB}" srcOrd="0" destOrd="0" presId="urn:microsoft.com/office/officeart/2018/2/layout/IconVerticalSolidList"/>
+    <dgm:cxn modelId="{8023AA40-867F-4044-97CF-730276AAEED2}" type="presParOf" srcId="{A0AC045F-2967-4393-8D43-0DBED034FFCB}" destId="{A2DB9580-3F12-433D-9FDA-4EA7AE18F602}" srcOrd="0" destOrd="0" presId="urn:microsoft.com/office/officeart/2018/2/layout/IconVerticalSolidList"/>
+    <dgm:cxn modelId="{D3338DB8-D7B2-4BCB-9334-50F78CF9FD70}" type="presParOf" srcId="{A0AC045F-2967-4393-8D43-0DBED034FFCB}" destId="{04B4BE0F-B2C0-4945-BFB9-C3AA722DB21D}" srcOrd="1" destOrd="0" presId="urn:microsoft.com/office/officeart/2018/2/layout/IconVerticalSolidList"/>
+    <dgm:cxn modelId="{95E0BB98-E3EE-47B2-9308-DEE621C147F1}" type="presParOf" srcId="{A0AC045F-2967-4393-8D43-0DBED034FFCB}" destId="{8A3C5EF6-F431-4356-8BB4-1F7EC696EE47}" srcOrd="2" destOrd="0" presId="urn:microsoft.com/office/officeart/2018/2/layout/IconVerticalSolidList"/>
+    <dgm:cxn modelId="{21F1F83B-4FCC-448C-A43A-A4C20C90E34F}" type="presParOf" srcId="{A0AC045F-2967-4393-8D43-0DBED034FFCB}" destId="{DC9A2C83-42C2-43C1-BBEE-BE82ED7100DE}" srcOrd="3" destOrd="0" presId="urn:microsoft.com/office/officeart/2018/2/layout/IconVerticalSolidList"/>
+    <dgm:cxn modelId="{F7D20CB6-7D96-47C1-A690-5E8370118A2D}" type="presParOf" srcId="{A0AC045F-2967-4393-8D43-0DBED034FFCB}" destId="{75004D7D-1B66-4137-B0BB-2072F368181E}" srcOrd="4" destOrd="0" presId="urn:microsoft.com/office/officeart/2018/2/layout/IconVerticalSolidList"/>
+    <dgm:cxn modelId="{DAAA922D-CC9B-4D1C-99FD-3028C6DF78D7}" type="presParOf" srcId="{8C9E4003-6327-4AB2-86F1-BC4CF88D58CD}" destId="{9E8DA057-AA98-4580-81B2-277A8586F96C}" srcOrd="1" destOrd="0" presId="urn:microsoft.com/office/officeart/2018/2/layout/IconVerticalSolidList"/>
+    <dgm:cxn modelId="{7CBD5DB2-23E4-48B8-8EDD-D0213BD8C066}" type="presParOf" srcId="{8C9E4003-6327-4AB2-86F1-BC4CF88D58CD}" destId="{02EA626D-D1CF-481F-AF8E-7247274B7626}" srcOrd="2" destOrd="0" presId="urn:microsoft.com/office/officeart/2018/2/layout/IconVerticalSolidList"/>
+    <dgm:cxn modelId="{AA2453CB-19EC-4EFE-B2C5-572266CDA8AF}" type="presParOf" srcId="{02EA626D-D1CF-481F-AF8E-7247274B7626}" destId="{5579F460-F32E-44D4-8DD7-47C4F13732A8}" srcOrd="0" destOrd="0" presId="urn:microsoft.com/office/officeart/2018/2/layout/IconVerticalSolidList"/>
+    <dgm:cxn modelId="{9DA58A61-A4C3-4DF0-A9F3-CE063EA2095E}" type="presParOf" srcId="{02EA626D-D1CF-481F-AF8E-7247274B7626}" destId="{26D4F425-A879-4839-BDC4-CCC01B0CF607}" srcOrd="1" destOrd="0" presId="urn:microsoft.com/office/officeart/2018/2/layout/IconVerticalSolidList"/>
+    <dgm:cxn modelId="{1DC8F120-B4F8-4E76-9131-0501FC55A331}" type="presParOf" srcId="{02EA626D-D1CF-481F-AF8E-7247274B7626}" destId="{B5B1FD61-B596-46E5-86C3-918F73AA6325}" srcOrd="2" destOrd="0" presId="urn:microsoft.com/office/officeart/2018/2/layout/IconVerticalSolidList"/>
+    <dgm:cxn modelId="{017BB296-1E4F-4770-92F5-6CD77AE0F17F}" type="presParOf" srcId="{02EA626D-D1CF-481F-AF8E-7247274B7626}" destId="{7052F513-999A-4435-A4FE-039A56752DA9}" srcOrd="3" destOrd="0" presId="urn:microsoft.com/office/officeart/2018/2/layout/IconVerticalSolidList"/>
+    <dgm:cxn modelId="{99323E30-9CAB-4D9E-B4B1-918AC47F3C82}" type="presParOf" srcId="{02EA626D-D1CF-481F-AF8E-7247274B7626}" destId="{CD4DFE13-6949-42FE-ABA2-79434DC2B4A0}" srcOrd="4" destOrd="0" presId="urn:microsoft.com/office/officeart/2018/2/layout/IconVerticalSolidList"/>
+    <dgm:cxn modelId="{325E2677-EA63-4917-A51E-6DD2D891C4A2}" type="presParOf" srcId="{8C9E4003-6327-4AB2-86F1-BC4CF88D58CD}" destId="{8E5C446B-1C67-42CC-9496-2CC2E7632420}" srcOrd="3" destOrd="0" presId="urn:microsoft.com/office/officeart/2018/2/layout/IconVerticalSolidList"/>
+    <dgm:cxn modelId="{8531B7CF-7226-4206-8A9B-EB7F2703D433}" type="presParOf" srcId="{8C9E4003-6327-4AB2-86F1-BC4CF88D58CD}" destId="{FB6A4AD2-5E68-45B3-83EA-78E995487C45}" srcOrd="4" destOrd="0" presId="urn:microsoft.com/office/officeart/2018/2/layout/IconVerticalSolidList"/>
+    <dgm:cxn modelId="{67F65ED7-7815-4F21-944A-FCA0795586AE}" type="presParOf" srcId="{FB6A4AD2-5E68-45B3-83EA-78E995487C45}" destId="{11BCA5FD-B5B6-454E-A50B-F4BB4D112781}" srcOrd="0" destOrd="0" presId="urn:microsoft.com/office/officeart/2018/2/layout/IconVerticalSolidList"/>
+    <dgm:cxn modelId="{5662F0E0-E7B0-4937-A0E1-2876DB1B1F04}" type="presParOf" srcId="{FB6A4AD2-5E68-45B3-83EA-78E995487C45}" destId="{88615691-BD20-4190-8DE4-12ED55DC0B98}" srcOrd="1" destOrd="0" presId="urn:microsoft.com/office/officeart/2018/2/layout/IconVerticalSolidList"/>
+    <dgm:cxn modelId="{E49FBE06-9DEA-4D75-BA5E-616865F2CD33}" type="presParOf" srcId="{FB6A4AD2-5E68-45B3-83EA-78E995487C45}" destId="{4AA9F53C-8606-4F99-AB27-FAB353E60C23}" srcOrd="2" destOrd="0" presId="urn:microsoft.com/office/officeart/2018/2/layout/IconVerticalSolidList"/>
+    <dgm:cxn modelId="{DC79F2D0-5A32-4086-AA3C-E9215D0EC1A8}" type="presParOf" srcId="{FB6A4AD2-5E68-45B3-83EA-78E995487C45}" destId="{CED6B109-8CF3-475A-A328-9053C5A7A175}" srcOrd="3" destOrd="0" presId="urn:microsoft.com/office/officeart/2018/2/layout/IconVerticalSolidList"/>
+    <dgm:cxn modelId="{54711D9D-F951-48A3-A2C3-321C2C1194AF}" type="presParOf" srcId="{FB6A4AD2-5E68-45B3-83EA-78E995487C45}" destId="{E0AA037D-808B-4C78-9C39-F5D3973D9BDB}" srcOrd="4" destOrd="0" presId="urn:microsoft.com/office/officeart/2018/2/layout/IconVerticalSolidList"/>
   </dgm:cxnLst>
   <dgm:bg/>
   <dgm:whole/>
@@ -4307,8 +4281,8 @@
       </dsp:nvSpPr>
       <dsp:spPr>
         <a:xfrm>
-          <a:off x="0" y="1954"/>
-          <a:ext cx="7012370" cy="990573"/>
+          <a:off x="0" y="574"/>
+          <a:ext cx="7012370" cy="1345137"/>
         </a:xfrm>
         <a:prstGeom prst="roundRect">
           <a:avLst>
@@ -4349,8 +4323,8 @@
       </dsp:nvSpPr>
       <dsp:spPr>
         <a:xfrm>
-          <a:off x="299648" y="224833"/>
-          <a:ext cx="544815" cy="544815"/>
+          <a:off x="406904" y="303230"/>
+          <a:ext cx="739825" cy="739825"/>
         </a:xfrm>
         <a:prstGeom prst="rect">
           <a:avLst/>
@@ -4398,8 +4372,8 @@
       </dsp:nvSpPr>
       <dsp:spPr>
         <a:xfrm>
-          <a:off x="1144111" y="1954"/>
-          <a:ext cx="5868258" cy="990573"/>
+          <a:off x="1553633" y="574"/>
+          <a:ext cx="3155566" cy="1345137"/>
         </a:xfrm>
         <a:prstGeom prst="rect">
           <a:avLst/>
@@ -4423,14 +4397,14 @@
         <a:fontRef idx="minor"/>
       </dsp:style>
       <dsp:txBody>
-        <a:bodyPr spcFirstLastPara="0" vert="horz" wrap="square" lIns="104836" tIns="104836" rIns="104836" bIns="104836" numCol="1" spcCol="1270" anchor="ctr" anchorCtr="0">
+        <a:bodyPr spcFirstLastPara="0" vert="horz" wrap="square" lIns="142360" tIns="142360" rIns="142360" bIns="142360" numCol="1" spcCol="1270" anchor="ctr" anchorCtr="0">
           <a:noAutofit/>
         </a:bodyPr>
         <a:lstStyle/>
         <a:p>
-          <a:pPr marL="0" lvl="0" indent="0" algn="l" defTabSz="933450">
+          <a:pPr marL="0" lvl="0" indent="0" algn="l" defTabSz="755650">
             <a:lnSpc>
-              <a:spcPct val="90000"/>
+              <a:spcPct val="100000"/>
             </a:lnSpc>
             <a:spcBef>
               <a:spcPct val="0"/>
@@ -4441,26 +4415,87 @@
             <a:buNone/>
           </a:pPr>
           <a:r>
-            <a:rPr lang="es-MX" sz="2100" kern="1200"/>
+            <a:rPr lang="es-MX" sz="1700" kern="1200" dirty="0"/>
             <a:t>"La cantidad a invertir debe de ser menor o igual al 20% del total invertido para diversificar el riesgo"</a:t>
           </a:r>
-          <a:endParaRPr lang="en-US" sz="2100" kern="1200"/>
+          <a:endParaRPr lang="en-US" sz="1700" kern="1200" dirty="0"/>
         </a:p>
       </dsp:txBody>
       <dsp:txXfrm>
-        <a:off x="1144111" y="1954"/>
-        <a:ext cx="5868258" cy="990573"/>
+        <a:off x="1553633" y="574"/>
+        <a:ext cx="3155566" cy="1345137"/>
       </dsp:txXfrm>
     </dsp:sp>
-    <dsp:sp modelId="{9A2D87CE-0F74-4D82-8FCF-E2FB8D5776DB}">
+    <dsp:sp modelId="{75004D7D-1B66-4137-B0BB-2072F368181E}">
       <dsp:nvSpPr>
         <dsp:cNvPr id="0" name=""/>
         <dsp:cNvSpPr/>
       </dsp:nvSpPr>
       <dsp:spPr>
         <a:xfrm>
-          <a:off x="0" y="1240170"/>
-          <a:ext cx="7012370" cy="990573"/>
+          <a:off x="4709200" y="574"/>
+          <a:ext cx="2303169" cy="1345137"/>
+        </a:xfrm>
+        <a:prstGeom prst="rect">
+          <a:avLst/>
+        </a:prstGeom>
+        <a:noFill/>
+        <a:ln>
+          <a:noFill/>
+        </a:ln>
+        <a:effectLst/>
+      </dsp:spPr>
+      <dsp:style>
+        <a:lnRef idx="0">
+          <a:scrgbClr r="0" g="0" b="0"/>
+        </a:lnRef>
+        <a:fillRef idx="0">
+          <a:scrgbClr r="0" g="0" b="0"/>
+        </a:fillRef>
+        <a:effectRef idx="0">
+          <a:scrgbClr r="0" g="0" b="0"/>
+        </a:effectRef>
+        <a:fontRef idx="minor"/>
+      </dsp:style>
+      <dsp:txBody>
+        <a:bodyPr spcFirstLastPara="0" vert="horz" wrap="square" lIns="142360" tIns="142360" rIns="142360" bIns="142360" numCol="1" spcCol="1270" anchor="ctr" anchorCtr="0">
+          <a:noAutofit/>
+        </a:bodyPr>
+        <a:lstStyle/>
+        <a:p>
+          <a:pPr marL="0" lvl="0" indent="0" algn="l" defTabSz="577850">
+            <a:lnSpc>
+              <a:spcPct val="100000"/>
+            </a:lnSpc>
+            <a:spcBef>
+              <a:spcPct val="0"/>
+            </a:spcBef>
+            <a:spcAft>
+              <a:spcPct val="35000"/>
+            </a:spcAft>
+            <a:buNone/>
+          </a:pPr>
+          <a:r>
+            <a:rPr lang="es-MX" sz="1300" kern="1200" dirty="0"/>
+            <a:t>X1 ≤ 0.20(1,000,000)</a:t>
+          </a:r>
+          <a:endParaRPr lang="en-US" sz="1300" kern="1200" dirty="0"/>
+        </a:p>
+      </dsp:txBody>
+      <dsp:txXfrm>
+        <a:off x="4709200" y="574"/>
+        <a:ext cx="2303169" cy="1345137"/>
+      </dsp:txXfrm>
+    </dsp:sp>
+    <dsp:sp modelId="{5579F460-F32E-44D4-8DD7-47C4F13732A8}">
+      <dsp:nvSpPr>
+        <dsp:cNvPr id="0" name=""/>
+        <dsp:cNvSpPr/>
+      </dsp:nvSpPr>
+      <dsp:spPr>
+        <a:xfrm>
+          <a:off x="0" y="1681996"/>
+          <a:ext cx="7012370" cy="1345137"/>
         </a:xfrm>
         <a:prstGeom prst="roundRect">
           <a:avLst>
@@ -4494,15 +4529,15 @@
         <a:fontRef idx="minor"/>
       </dsp:style>
     </dsp:sp>
-    <dsp:sp modelId="{AFF928CF-B8F3-42FD-910A-E8B106964481}">
+    <dsp:sp modelId="{26D4F425-A879-4839-BDC4-CCC01B0CF607}">
       <dsp:nvSpPr>
         <dsp:cNvPr id="0" name=""/>
         <dsp:cNvSpPr/>
       </dsp:nvSpPr>
       <dsp:spPr>
         <a:xfrm>
-          <a:off x="299648" y="1463049"/>
-          <a:ext cx="544815" cy="544815"/>
+          <a:off x="406904" y="1984652"/>
+          <a:ext cx="739825" cy="739825"/>
         </a:xfrm>
         <a:prstGeom prst="rect">
           <a:avLst/>
@@ -4543,15 +4578,15 @@
         </a:fontRef>
       </dsp:style>
     </dsp:sp>
-    <dsp:sp modelId="{E8195A41-D1C8-438E-8A71-FA5698CF14D0}">
+    <dsp:sp modelId="{7052F513-999A-4435-A4FE-039A56752DA9}">
       <dsp:nvSpPr>
         <dsp:cNvPr id="0" name=""/>
         <dsp:cNvSpPr/>
       </dsp:nvSpPr>
       <dsp:spPr>
         <a:xfrm>
-          <a:off x="1144111" y="1240170"/>
-          <a:ext cx="3155566" cy="990573"/>
+          <a:off x="1553633" y="1681996"/>
+          <a:ext cx="3155566" cy="1345137"/>
         </a:xfrm>
         <a:prstGeom prst="rect">
           <a:avLst/>
@@ -4575,14 +4610,14 @@
         <a:fontRef idx="minor"/>
       </dsp:style>
       <dsp:txBody>
-        <a:bodyPr spcFirstLastPara="0" vert="horz" wrap="square" lIns="104836" tIns="104836" rIns="104836" bIns="104836" numCol="1" spcCol="1270" anchor="ctr" anchorCtr="0">
+        <a:bodyPr spcFirstLastPara="0" vert="horz" wrap="square" lIns="142360" tIns="142360" rIns="142360" bIns="142360" numCol="1" spcCol="1270" anchor="ctr" anchorCtr="0">
           <a:noAutofit/>
         </a:bodyPr>
         <a:lstStyle/>
         <a:p>
-          <a:pPr marL="0" lvl="0" indent="0" algn="l" defTabSz="933450">
+          <a:pPr marL="0" lvl="0" indent="0" algn="l" defTabSz="755650">
             <a:lnSpc>
-              <a:spcPct val="90000"/>
+              <a:spcPct val="100000"/>
             </a:lnSpc>
             <a:spcBef>
               <a:spcPct val="0"/>
@@ -4593,26 +4628,28 @@
             <a:buNone/>
           </a:pPr>
           <a:r>
-            <a:rPr lang="es-MX" sz="2100" kern="1200"/>
-            <a:t>X1 ≤ 0.20(1,000,000)</a:t>
+            <a:rPr lang="es-MX" sz="1700" kern="1200" dirty="0"/>
+            <a:t>"La cantidad a invertir de los instrumentos a corto plazo tiene que ser mayor o igual a 30%"</a:t>
           </a:r>
-          <a:endParaRPr lang="en-US" sz="2100" kern="1200"/>
+          <a:endParaRPr lang="en-US" sz="1700" kern="1200" dirty="0">
+            <a:latin typeface="Gill Sans MT" panose="020B0502020104020203"/>
+          </a:endParaRPr>
         </a:p>
       </dsp:txBody>
       <dsp:txXfrm>
-        <a:off x="1144111" y="1240170"/>
-        <a:ext cx="3155566" cy="990573"/>
+        <a:off x="1553633" y="1681996"/>
+        <a:ext cx="3155566" cy="1345137"/>
       </dsp:txXfrm>
     </dsp:sp>
-    <dsp:sp modelId="{E0E73856-274B-4A7A-9174-3C766A9B0FC5}">
+    <dsp:sp modelId="{CD4DFE13-6949-42FE-ABA2-79434DC2B4A0}">
       <dsp:nvSpPr>
         <dsp:cNvPr id="0" name=""/>
         <dsp:cNvSpPr/>
       </dsp:nvSpPr>
       <dsp:spPr>
         <a:xfrm>
-          <a:off x="4299678" y="1240170"/>
-          <a:ext cx="2712691" cy="990573"/>
+          <a:off x="4709200" y="1681996"/>
+          <a:ext cx="2303169" cy="1345137"/>
         </a:xfrm>
         <a:prstGeom prst="rect">
           <a:avLst/>
@@ -4636,14 +4673,14 @@
         <a:fontRef idx="minor"/>
       </dsp:style>
       <dsp:txBody>
-        <a:bodyPr spcFirstLastPara="0" vert="horz" wrap="square" lIns="104836" tIns="104836" rIns="104836" bIns="104836" numCol="1" spcCol="1270" anchor="ctr" anchorCtr="0">
+        <a:bodyPr spcFirstLastPara="0" vert="horz" wrap="square" lIns="142360" tIns="142360" rIns="142360" bIns="142360" numCol="1" spcCol="1270" anchor="ctr" anchorCtr="0">
           <a:noAutofit/>
         </a:bodyPr>
         <a:lstStyle/>
         <a:p>
-          <a:pPr marL="0" lvl="0" indent="0" algn="l" defTabSz="622300">
+          <a:pPr marL="0" lvl="0" indent="0" algn="l" defTabSz="577850">
             <a:lnSpc>
-              <a:spcPct val="90000"/>
+              <a:spcPct val="100000"/>
             </a:lnSpc>
             <a:spcBef>
               <a:spcPct val="0"/>
@@ -4654,26 +4691,32 @@
             <a:buNone/>
           </a:pPr>
           <a:r>
-            <a:rPr lang="es-MX" sz="1400" kern="1200"/>
-            <a:t>"La cantidad a invertir de los instrumentos a corto plazo tiene que ser mayor o igual a 30%"</a:t>
+            <a:rPr lang="es-MX" sz="1300" kern="1200" dirty="0"/>
+            <a:t>X1 + X5 ≥ </a:t>
           </a:r>
-          <a:endParaRPr lang="en-US" sz="1400" kern="1200"/>
+          <a:r>
+            <a:rPr lang="es-MX" sz="1300" kern="1200" dirty="0">
+              <a:latin typeface="Gill Sans MT" panose="020B0502020104020203"/>
+            </a:rPr>
+            <a:t>0.30(1,000,000)</a:t>
+          </a:r>
+          <a:endParaRPr lang="es-MX" sz="1300" kern="1200" dirty="0"/>
         </a:p>
       </dsp:txBody>
       <dsp:txXfrm>
-        <a:off x="4299678" y="1240170"/>
-        <a:ext cx="2712691" cy="990573"/>
+        <a:off x="4709200" y="1681996"/>
+        <a:ext cx="2303169" cy="1345137"/>
       </dsp:txXfrm>
     </dsp:sp>
-    <dsp:sp modelId="{5579F460-F32E-44D4-8DD7-47C4F13732A8}">
+    <dsp:sp modelId="{11BCA5FD-B5B6-454E-A50B-F4BB4D112781}">
       <dsp:nvSpPr>
         <dsp:cNvPr id="0" name=""/>
         <dsp:cNvSpPr/>
       </dsp:nvSpPr>
       <dsp:spPr>
         <a:xfrm>
-          <a:off x="0" y="2478387"/>
-          <a:ext cx="7012370" cy="990573"/>
+          <a:off x="0" y="3363418"/>
+          <a:ext cx="7012370" cy="1345137"/>
         </a:xfrm>
         <a:prstGeom prst="roundRect">
           <a:avLst>
@@ -4707,15 +4750,15 @@
         <a:fontRef idx="minor"/>
       </dsp:style>
     </dsp:sp>
-    <dsp:sp modelId="{26D4F425-A879-4839-BDC4-CCC01B0CF607}">
+    <dsp:sp modelId="{88615691-BD20-4190-8DE4-12ED55DC0B98}">
       <dsp:nvSpPr>
         <dsp:cNvPr id="0" name=""/>
         <dsp:cNvSpPr/>
       </dsp:nvSpPr>
       <dsp:spPr>
         <a:xfrm>
-          <a:off x="299648" y="2701266"/>
-          <a:ext cx="544815" cy="544815"/>
+          <a:off x="406904" y="3666074"/>
+          <a:ext cx="739825" cy="739825"/>
         </a:xfrm>
         <a:prstGeom prst="rect">
           <a:avLst/>
@@ -4756,15 +4799,15 @@
         </a:fontRef>
       </dsp:style>
     </dsp:sp>
-    <dsp:sp modelId="{7052F513-999A-4435-A4FE-039A56752DA9}">
+    <dsp:sp modelId="{CED6B109-8CF3-475A-A328-9053C5A7A175}">
       <dsp:nvSpPr>
         <dsp:cNvPr id="0" name=""/>
         <dsp:cNvSpPr/>
       </dsp:nvSpPr>
       <dsp:spPr>
         <a:xfrm>
-          <a:off x="1144111" y="2478387"/>
-          <a:ext cx="3155566" cy="990573"/>
+          <a:off x="1553633" y="3363418"/>
+          <a:ext cx="3155566" cy="1345137"/>
         </a:xfrm>
         <a:prstGeom prst="rect">
           <a:avLst/>
@@ -4788,14 +4831,14 @@
         <a:fontRef idx="minor"/>
       </dsp:style>
       <dsp:txBody>
-        <a:bodyPr spcFirstLastPara="0" vert="horz" wrap="square" lIns="104836" tIns="104836" rIns="104836" bIns="104836" numCol="1" spcCol="1270" anchor="ctr" anchorCtr="0">
+        <a:bodyPr spcFirstLastPara="0" vert="horz" wrap="square" lIns="142360" tIns="142360" rIns="142360" bIns="142360" numCol="1" spcCol="1270" anchor="ctr" anchorCtr="0">
           <a:noAutofit/>
         </a:bodyPr>
         <a:lstStyle/>
         <a:p>
-          <a:pPr marL="0" lvl="0" indent="0" algn="l" defTabSz="933450">
+          <a:pPr marL="0" lvl="0" indent="0" algn="l" defTabSz="755650">
             <a:lnSpc>
-              <a:spcPct val="90000"/>
+              <a:spcPct val="100000"/>
             </a:lnSpc>
             <a:spcBef>
               <a:spcPct val="0"/>
@@ -4806,26 +4849,34 @@
             <a:buNone/>
           </a:pPr>
           <a:r>
-            <a:rPr lang="es-MX" sz="2100" kern="1200"/>
-            <a:t>X1 + X5 ≥ 0.30(1,000,000)</a:t>
+            <a:rPr lang="es-MX" sz="1700" kern="1200" dirty="0"/>
+            <a:t>Pero para poder utilizarse, se tendrá que convertir el ≥ a ≤ por lo tanto</a:t>
           </a:r>
-          <a:endParaRPr lang="en-US" sz="2100" kern="1200"/>
+          <a:r>
+            <a:rPr lang="es-MX" sz="1700" kern="1200" dirty="0">
+              <a:latin typeface="Gill Sans MT" panose="020B0502020104020203"/>
+            </a:rPr>
+            <a:t>...</a:t>
+          </a:r>
+          <a:endParaRPr lang="en-US" sz="1700" kern="1200" dirty="0">
+            <a:latin typeface="Gill Sans MT" panose="020B0502020104020203"/>
+          </a:endParaRPr>
         </a:p>
       </dsp:txBody>
       <dsp:txXfrm>
-        <a:off x="1144111" y="2478387"/>
-        <a:ext cx="3155566" cy="990573"/>
+        <a:off x="1553633" y="3363418"/>
+        <a:ext cx="3155566" cy="1345137"/>
       </dsp:txXfrm>
     </dsp:sp>
-    <dsp:sp modelId="{F5A85BBC-DAEA-4C9B-8FB2-98DAE4093EB0}">
+    <dsp:sp modelId="{E0AA037D-808B-4C78-9C39-F5D3973D9BDB}">
       <dsp:nvSpPr>
         <dsp:cNvPr id="0" name=""/>
         <dsp:cNvSpPr/>
       </dsp:nvSpPr>
       <dsp:spPr>
         <a:xfrm>
-          <a:off x="4299678" y="2478387"/>
-          <a:ext cx="2712691" cy="990573"/>
+          <a:off x="4709200" y="3363418"/>
+          <a:ext cx="2303169" cy="1345137"/>
         </a:xfrm>
         <a:prstGeom prst="rect">
           <a:avLst/>
@@ -4849,14 +4900,14 @@
         <a:fontRef idx="minor"/>
       </dsp:style>
       <dsp:txBody>
-        <a:bodyPr spcFirstLastPara="0" vert="horz" wrap="square" lIns="104836" tIns="104836" rIns="104836" bIns="104836" numCol="1" spcCol="1270" anchor="ctr" anchorCtr="0">
+        <a:bodyPr spcFirstLastPara="0" vert="horz" wrap="square" lIns="142360" tIns="142360" rIns="142360" bIns="142360" numCol="1" spcCol="1270" anchor="ctr" anchorCtr="0">
           <a:noAutofit/>
         </a:bodyPr>
         <a:lstStyle/>
         <a:p>
-          <a:pPr marL="0" lvl="0" indent="0" algn="l" defTabSz="622300">
+          <a:pPr marL="0" lvl="0" indent="0" algn="l" defTabSz="577850">
             <a:lnSpc>
-              <a:spcPct val="90000"/>
+              <a:spcPct val="100000"/>
             </a:lnSpc>
             <a:spcBef>
               <a:spcPct val="0"/>
@@ -4867,167 +4918,20 @@
             <a:buNone/>
           </a:pPr>
           <a:r>
-            <a:rPr lang="es-MX" sz="1400" kern="1200"/>
-            <a:t>Pero para poder utilizarse, se tendrá que convertir el ≥ a ≤ por lo tanto...</a:t>
+            <a:rPr lang="es-MX" sz="1300" kern="1200" dirty="0">
+              <a:latin typeface="Gill Sans MT" panose="020B0502020104020203"/>
+            </a:rPr>
+            <a:t>-</a:t>
           </a:r>
-          <a:endParaRPr lang="en-US" sz="1400" kern="1200"/>
+          <a:r>
+            <a:rPr lang="es-MX" sz="1300" kern="1200" dirty="0"/>
+            <a:t>X1 - X5 ≤ -0.30(1,000,000)</a:t>
+          </a:r>
         </a:p>
       </dsp:txBody>
       <dsp:txXfrm>
-        <a:off x="4299678" y="2478387"/>
-        <a:ext cx="2712691" cy="990573"/>
-      </dsp:txXfrm>
-    </dsp:sp>
-    <dsp:sp modelId="{11BCA5FD-B5B6-454E-A50B-F4BB4D112781}">
-      <dsp:nvSpPr>
-        <dsp:cNvPr id="0" name=""/>
-        <dsp:cNvSpPr/>
-      </dsp:nvSpPr>
-      <dsp:spPr>
-        <a:xfrm>
-          <a:off x="0" y="3716603"/>
-          <a:ext cx="7012370" cy="990573"/>
-        </a:xfrm>
-        <a:prstGeom prst="roundRect">
-          <a:avLst>
-            <a:gd name="adj" fmla="val 10000"/>
-          </a:avLst>
-        </a:prstGeom>
-        <a:solidFill>
-          <a:schemeClr val="bg1">
-            <a:lumMod val="95000"/>
-            <a:hueOff val="0"/>
-            <a:satOff val="0"/>
-            <a:lumOff val="0"/>
-            <a:alphaOff val="0"/>
-          </a:schemeClr>
-        </a:solidFill>
-        <a:ln>
-          <a:noFill/>
-        </a:ln>
-        <a:effectLst/>
-      </dsp:spPr>
-      <dsp:style>
-        <a:lnRef idx="0">
-          <a:scrgbClr r="0" g="0" b="0"/>
-        </a:lnRef>
-        <a:fillRef idx="1">
-          <a:scrgbClr r="0" g="0" b="0"/>
-        </a:fillRef>
-        <a:effectRef idx="0">
-          <a:scrgbClr r="0" g="0" b="0"/>
-        </a:effectRef>
-        <a:fontRef idx="minor"/>
-      </dsp:style>
-    </dsp:sp>
-    <dsp:sp modelId="{88615691-BD20-4190-8DE4-12ED55DC0B98}">
-      <dsp:nvSpPr>
-        <dsp:cNvPr id="0" name=""/>
-        <dsp:cNvSpPr/>
-      </dsp:nvSpPr>
-      <dsp:spPr>
-        <a:xfrm>
-          <a:off x="299648" y="3939482"/>
-          <a:ext cx="544815" cy="544815"/>
-        </a:xfrm>
-        <a:prstGeom prst="rect">
-          <a:avLst/>
-        </a:prstGeom>
-        <a:blipFill>
-          <a:blip xmlns:r="http://schemas.openxmlformats.org/officeDocument/2006/relationships" r:embed="rId7">
-            <a:extLst>
-              <a:ext uri="{28A0092B-C50C-407E-A947-70E740481C1C}">
-                <a14:useLocalDpi xmlns:a14="http://schemas.microsoft.com/office/drawing/2010/main" val="0"/>
-              </a:ext>
-              <a:ext uri="{96DAC541-7B7A-43D3-8B79-37D633B846F1}">
-                <asvg:svgBlip xmlns:asvg="http://schemas.microsoft.com/office/drawing/2016/SVG/main" r:embed="rId8"/>
-              </a:ext>
-            </a:extLst>
-          </a:blip>
-          <a:stretch>
-            <a:fillRect/>
-          </a:stretch>
-        </a:blipFill>
-        <a:ln w="22225" cap="rnd" cmpd="sng" algn="ctr">
-          <a:noFill/>
-          <a:prstDash val="solid"/>
-        </a:ln>
-        <a:effectLst/>
-      </dsp:spPr>
-      <dsp:style>
-        <a:lnRef idx="2">
-          <a:scrgbClr r="0" g="0" b="0"/>
-        </a:lnRef>
-        <a:fillRef idx="1">
-          <a:scrgbClr r="0" g="0" b="0"/>
-        </a:fillRef>
-        <a:effectRef idx="0">
-          <a:scrgbClr r="0" g="0" b="0"/>
-        </a:effectRef>
-        <a:fontRef idx="minor">
-          <a:schemeClr val="lt1"/>
-        </a:fontRef>
-      </dsp:style>
-    </dsp:sp>
-    <dsp:sp modelId="{CED6B109-8CF3-475A-A328-9053C5A7A175}">
-      <dsp:nvSpPr>
-        <dsp:cNvPr id="0" name=""/>
-        <dsp:cNvSpPr/>
-      </dsp:nvSpPr>
-      <dsp:spPr>
-        <a:xfrm>
-          <a:off x="1144111" y="3716603"/>
-          <a:ext cx="5868258" cy="990573"/>
-        </a:xfrm>
-        <a:prstGeom prst="rect">
-          <a:avLst/>
-        </a:prstGeom>
-        <a:noFill/>
-        <a:ln>
-          <a:noFill/>
-        </a:ln>
-        <a:effectLst/>
-      </dsp:spPr>
-      <dsp:style>
-        <a:lnRef idx="0">
-          <a:scrgbClr r="0" g="0" b="0"/>
-        </a:lnRef>
-        <a:fillRef idx="0">
-          <a:scrgbClr r="0" g="0" b="0"/>
-        </a:fillRef>
-        <a:effectRef idx="0">
-          <a:scrgbClr r="0" g="0" b="0"/>
-        </a:effectRef>
-        <a:fontRef idx="minor"/>
-      </dsp:style>
-      <dsp:txBody>
-        <a:bodyPr spcFirstLastPara="0" vert="horz" wrap="square" lIns="104836" tIns="104836" rIns="104836" bIns="104836" numCol="1" spcCol="1270" anchor="ctr" anchorCtr="0">
-          <a:noAutofit/>
-        </a:bodyPr>
-        <a:lstStyle/>
-        <a:p>
-          <a:pPr marL="0" lvl="0" indent="0" algn="l" defTabSz="933450">
-            <a:lnSpc>
-              <a:spcPct val="90000"/>
-            </a:lnSpc>
-            <a:spcBef>
-              <a:spcPct val="0"/>
-            </a:spcBef>
-            <a:spcAft>
-              <a:spcPct val="35000"/>
-            </a:spcAft>
-            <a:buNone/>
-          </a:pPr>
-          <a:r>
-            <a:rPr lang="es-MX" sz="2100" kern="1200"/>
-            <a:t>-X1 - X5 ≤ -0.30(1,000,000)</a:t>
-          </a:r>
-          <a:endParaRPr lang="en-US" sz="2100" kern="1200"/>
-        </a:p>
-      </dsp:txBody>
-      <dsp:txXfrm>
-        <a:off x="1144111" y="3716603"/>
-        <a:ext cx="5868258" cy="990573"/>
+        <a:off x="4709200" y="3363418"/>
+        <a:ext cx="2303169" cy="1345137"/>
       </dsp:txXfrm>
     </dsp:sp>
   </dsp:spTree>
@@ -15175,6 +15079,791 @@
   <p:cSld>
     <p:bg>
       <p:bgPr>
+        <a:solidFill>
+          <a:schemeClr val="bg2"/>
+        </a:solidFill>
+        <a:effectLst/>
+      </p:bgPr>
+    </p:bg>
+    <p:spTree>
+      <p:nvGrpSpPr>
+        <p:cNvPr id="1" name=""/>
+        <p:cNvGrpSpPr/>
+        <p:nvPr/>
+      </p:nvGrpSpPr>
+      <p:grpSpPr>
+        <a:xfrm>
+          <a:off x="0" y="0"/>
+          <a:ext cx="0" cy="0"/>
+          <a:chOff x="0" y="0"/>
+          <a:chExt cx="0" cy="0"/>
+        </a:xfrm>
+      </p:grpSpPr>
+      <p:sp>
+        <p:nvSpPr>
+          <p:cNvPr id="8" name="Rectangle 7">
+            <a:extLst>
+              <a:ext uri="{FF2B5EF4-FFF2-40B4-BE49-F238E27FC236}">
+                <a16:creationId xmlns:a16="http://schemas.microsoft.com/office/drawing/2014/main" id="{F92989FB-1024-49B7-BDF1-B3CE27D48623}"/>
+              </a:ext>
+              <a:ext uri="{C183D7F6-B498-43B3-948B-1728B52AA6E4}">
+                <adec:decorative xmlns:adec="http://schemas.microsoft.com/office/drawing/2017/decorative" val="1"/>
+              </a:ext>
+            </a:extLst>
+          </p:cNvPr>
+          <p:cNvSpPr>
+            <a:spLocks noGrp="1" noRot="1" noChangeAspect="1" noMove="1" noResize="1" noEditPoints="1" noAdjustHandles="1" noChangeArrowheads="1" noChangeShapeType="1" noTextEdit="1"/>
+          </p:cNvSpPr>
+          <p:nvPr>
+            <p:extLst>
+              <p:ext uri="{386F3935-93C4-4BCD-93E2-E3B085C9AB24}">
+                <p16:designElem xmlns:p16="http://schemas.microsoft.com/office/powerpoint/2015/main" val="1"/>
+              </p:ext>
+            </p:extLst>
+          </p:nvPr>
+        </p:nvSpPr>
+        <p:spPr>
+          <a:xfrm>
+            <a:off x="0" y="0"/>
+            <a:ext cx="12191999" cy="6858001"/>
+          </a:xfrm>
+          <a:prstGeom prst="rect">
+            <a:avLst/>
+          </a:prstGeom>
+          <a:solidFill>
+            <a:schemeClr val="tx1"/>
+          </a:solidFill>
+          <a:ln>
+            <a:noFill/>
+          </a:ln>
+        </p:spPr>
+        <p:style>
+          <a:lnRef idx="2">
+            <a:schemeClr val="accent1">
+              <a:shade val="50000"/>
+            </a:schemeClr>
+          </a:lnRef>
+          <a:fillRef idx="1">
+            <a:schemeClr val="accent1"/>
+          </a:fillRef>
+          <a:effectRef idx="0">
+            <a:schemeClr val="accent1"/>
+          </a:effectRef>
+          <a:fontRef idx="minor">
+            <a:schemeClr val="lt1"/>
+          </a:fontRef>
+        </p:style>
+        <p:txBody>
+          <a:bodyPr rtlCol="0" anchor="ctr"/>
+          <a:lstStyle/>
+          <a:p>
+            <a:pPr algn="ctr"/>
+            <a:endParaRPr lang="en-US"/>
+          </a:p>
+        </p:txBody>
+      </p:sp>
+      <p:sp>
+        <p:nvSpPr>
+          <p:cNvPr id="2" name="Título 1">
+            <a:extLst>
+              <a:ext uri="{FF2B5EF4-FFF2-40B4-BE49-F238E27FC236}">
+                <a16:creationId xmlns:a16="http://schemas.microsoft.com/office/drawing/2014/main" id="{46988E0A-FFDB-4B35-BF35-1813CB3832EB}"/>
+              </a:ext>
+            </a:extLst>
+          </p:cNvPr>
+          <p:cNvSpPr>
+            <a:spLocks noGrp="1"/>
+          </p:cNvSpPr>
+          <p:nvPr>
+            <p:ph type="title"/>
+          </p:nvPr>
+        </p:nvSpPr>
+        <p:spPr>
+          <a:xfrm>
+            <a:off x="746228" y="1073231"/>
+            <a:ext cx="3054091" cy="4711539"/>
+          </a:xfrm>
+        </p:spPr>
+        <p:txBody>
+          <a:bodyPr anchor="ctr">
+            <a:normAutofit/>
+          </a:bodyPr>
+          <a:lstStyle/>
+          <a:p>
+            <a:r>
+              <a:rPr lang="es-MX" sz="3200">
+                <a:solidFill>
+                  <a:schemeClr val="bg1">
+                    <a:lumMod val="85000"/>
+                    <a:lumOff val="15000"/>
+                  </a:schemeClr>
+                </a:solidFill>
+              </a:rPr>
+              <a:t>Función objetivo</a:t>
+            </a:r>
+          </a:p>
+        </p:txBody>
+      </p:sp>
+      <p:sp>
+        <p:nvSpPr>
+          <p:cNvPr id="10" name="Rectangle 9">
+            <a:extLst>
+              <a:ext uri="{FF2B5EF4-FFF2-40B4-BE49-F238E27FC236}">
+                <a16:creationId xmlns:a16="http://schemas.microsoft.com/office/drawing/2014/main" id="{DFEE959E-BF10-4204-9556-D1707088D445}"/>
+              </a:ext>
+              <a:ext uri="{C183D7F6-B498-43B3-948B-1728B52AA6E4}">
+                <adec:decorative xmlns:adec="http://schemas.microsoft.com/office/drawing/2017/decorative" val="1"/>
+              </a:ext>
+            </a:extLst>
+          </p:cNvPr>
+          <p:cNvSpPr>
+            <a:spLocks noGrp="1" noRot="1" noChangeAspect="1" noMove="1" noResize="1" noEditPoints="1" noAdjustHandles="1" noChangeArrowheads="1" noChangeShapeType="1" noTextEdit="1"/>
+          </p:cNvSpPr>
+          <p:nvPr>
+            <p:extLst>
+              <p:ext uri="{386F3935-93C4-4BCD-93E2-E3B085C9AB24}">
+                <p16:designElem xmlns:p16="http://schemas.microsoft.com/office/powerpoint/2015/main" val="1"/>
+              </p:ext>
+            </p:extLst>
+          </p:nvPr>
+        </p:nvSpPr>
+        <p:spPr>
+          <a:xfrm>
+            <a:off x="446534" y="457200"/>
+            <a:ext cx="3703320" cy="94997"/>
+          </a:xfrm>
+          <a:prstGeom prst="rect">
+            <a:avLst/>
+          </a:prstGeom>
+          <a:solidFill>
+            <a:srgbClr val="465359"/>
+          </a:solidFill>
+          <a:ln>
+            <a:noFill/>
+          </a:ln>
+          <a:effectLst/>
+        </p:spPr>
+        <p:style>
+          <a:lnRef idx="1">
+            <a:schemeClr val="accent1"/>
+          </a:lnRef>
+          <a:fillRef idx="3">
+            <a:schemeClr val="accent1"/>
+          </a:fillRef>
+          <a:effectRef idx="2">
+            <a:schemeClr val="accent1"/>
+          </a:effectRef>
+          <a:fontRef idx="minor">
+            <a:schemeClr val="lt1"/>
+          </a:fontRef>
+        </p:style>
+      </p:sp>
+      <p:sp>
+        <p:nvSpPr>
+          <p:cNvPr id="12" name="Rectangle 11">
+            <a:extLst>
+              <a:ext uri="{FF2B5EF4-FFF2-40B4-BE49-F238E27FC236}">
+                <a16:creationId xmlns:a16="http://schemas.microsoft.com/office/drawing/2014/main" id="{DDD17B6A-CB37-4005-9681-A20AFCDC7822}"/>
+              </a:ext>
+              <a:ext uri="{C183D7F6-B498-43B3-948B-1728B52AA6E4}">
+                <adec:decorative xmlns:adec="http://schemas.microsoft.com/office/drawing/2017/decorative" val="1"/>
+              </a:ext>
+            </a:extLst>
+          </p:cNvPr>
+          <p:cNvSpPr>
+            <a:spLocks noGrp="1" noRot="1" noChangeAspect="1" noMove="1" noResize="1" noEditPoints="1" noAdjustHandles="1" noChangeArrowheads="1" noChangeShapeType="1" noTextEdit="1"/>
+          </p:cNvSpPr>
+          <p:nvPr>
+            <p:extLst>
+              <p:ext uri="{386F3935-93C4-4BCD-93E2-E3B085C9AB24}">
+                <p16:designElem xmlns:p16="http://schemas.microsoft.com/office/powerpoint/2015/main" val="1"/>
+              </p:ext>
+            </p:extLst>
+          </p:nvPr>
+        </p:nvSpPr>
+        <p:spPr>
+          <a:xfrm>
+            <a:off x="4241830" y="457200"/>
+            <a:ext cx="3703320" cy="91440"/>
+          </a:xfrm>
+          <a:prstGeom prst="rect">
+            <a:avLst/>
+          </a:prstGeom>
+          <a:solidFill>
+            <a:schemeClr val="accent1"/>
+          </a:solidFill>
+          <a:ln>
+            <a:noFill/>
+          </a:ln>
+          <a:effectLst/>
+        </p:spPr>
+        <p:style>
+          <a:lnRef idx="1">
+            <a:schemeClr val="accent1"/>
+          </a:lnRef>
+          <a:fillRef idx="3">
+            <a:schemeClr val="accent1"/>
+          </a:fillRef>
+          <a:effectRef idx="2">
+            <a:schemeClr val="accent1"/>
+          </a:effectRef>
+          <a:fontRef idx="minor">
+            <a:schemeClr val="lt1"/>
+          </a:fontRef>
+        </p:style>
+      </p:sp>
+      <p:sp>
+        <p:nvSpPr>
+          <p:cNvPr id="14" name="Rectangle 13">
+            <a:extLst>
+              <a:ext uri="{FF2B5EF4-FFF2-40B4-BE49-F238E27FC236}">
+                <a16:creationId xmlns:a16="http://schemas.microsoft.com/office/drawing/2014/main" id="{3B7BBDE9-DAED-40B0-A640-503C918D1CE3}"/>
+              </a:ext>
+              <a:ext uri="{C183D7F6-B498-43B3-948B-1728B52AA6E4}">
+                <adec:decorative xmlns:adec="http://schemas.microsoft.com/office/drawing/2017/decorative" val="1"/>
+              </a:ext>
+            </a:extLst>
+          </p:cNvPr>
+          <p:cNvSpPr>
+            <a:spLocks noGrp="1" noRot="1" noChangeAspect="1" noMove="1" noResize="1" noEditPoints="1" noAdjustHandles="1" noChangeArrowheads="1" noChangeShapeType="1" noTextEdit="1"/>
+          </p:cNvSpPr>
+          <p:nvPr>
+            <p:extLst>
+              <p:ext uri="{386F3935-93C4-4BCD-93E2-E3B085C9AB24}">
+                <p16:designElem xmlns:p16="http://schemas.microsoft.com/office/powerpoint/2015/main" val="1"/>
+              </p:ext>
+            </p:extLst>
+          </p:nvPr>
+        </p:nvSpPr>
+        <p:spPr>
+          <a:xfrm>
+            <a:off x="8042147" y="453643"/>
+            <a:ext cx="3703320" cy="98554"/>
+          </a:xfrm>
+          <a:prstGeom prst="rect">
+            <a:avLst/>
+          </a:prstGeom>
+          <a:solidFill>
+            <a:srgbClr val="969FA7"/>
+          </a:solidFill>
+          <a:ln>
+            <a:noFill/>
+          </a:ln>
+          <a:effectLst/>
+        </p:spPr>
+        <p:style>
+          <a:lnRef idx="1">
+            <a:schemeClr val="accent1"/>
+          </a:lnRef>
+          <a:fillRef idx="3">
+            <a:schemeClr val="accent1"/>
+          </a:fillRef>
+          <a:effectRef idx="2">
+            <a:schemeClr val="accent1"/>
+          </a:effectRef>
+          <a:fontRef idx="minor">
+            <a:schemeClr val="lt1"/>
+          </a:fontRef>
+        </p:style>
+      </p:sp>
+      <p:sp>
+        <p:nvSpPr>
+          <p:cNvPr id="16" name="Rectangle 15">
+            <a:extLst>
+              <a:ext uri="{FF2B5EF4-FFF2-40B4-BE49-F238E27FC236}">
+                <a16:creationId xmlns:a16="http://schemas.microsoft.com/office/drawing/2014/main" id="{7BC7EA7B-802E-41F4-8926-C4475287AA31}"/>
+              </a:ext>
+              <a:ext uri="{C183D7F6-B498-43B3-948B-1728B52AA6E4}">
+                <adec:decorative xmlns:adec="http://schemas.microsoft.com/office/drawing/2017/decorative" val="1"/>
+              </a:ext>
+            </a:extLst>
+          </p:cNvPr>
+          <p:cNvSpPr>
+            <a:spLocks noGrp="1" noRot="1" noChangeAspect="1" noMove="1" noResize="1" noEditPoints="1" noAdjustHandles="1" noChangeArrowheads="1" noChangeShapeType="1" noTextEdit="1"/>
+          </p:cNvSpPr>
+          <p:nvPr>
+            <p:extLst>
+              <p:ext uri="{386F3935-93C4-4BCD-93E2-E3B085C9AB24}">
+                <p16:designElem xmlns:p16="http://schemas.microsoft.com/office/powerpoint/2015/main" val="1"/>
+              </p:ext>
+            </p:extLst>
+          </p:nvPr>
+        </p:nvSpPr>
+        <p:spPr>
+          <a:xfrm>
+            <a:off x="4246851" y="601200"/>
+            <a:ext cx="7498616" cy="5799599"/>
+          </a:xfrm>
+          <a:prstGeom prst="rect">
+            <a:avLst/>
+          </a:prstGeom>
+          <a:solidFill>
+            <a:srgbClr val="465359"/>
+          </a:solidFill>
+          <a:ln>
+            <a:noFill/>
+          </a:ln>
+          <a:effectLst/>
+        </p:spPr>
+        <p:style>
+          <a:lnRef idx="1">
+            <a:schemeClr val="accent1"/>
+          </a:lnRef>
+          <a:fillRef idx="3">
+            <a:schemeClr val="accent1"/>
+          </a:fillRef>
+          <a:effectRef idx="2">
+            <a:schemeClr val="accent1"/>
+          </a:effectRef>
+          <a:fontRef idx="minor">
+            <a:schemeClr val="lt1"/>
+          </a:fontRef>
+        </p:style>
+      </p:sp>
+      <p:sp>
+        <p:nvSpPr>
+          <p:cNvPr id="3" name="Marcador de contenido 2">
+            <a:extLst>
+              <a:ext uri="{FF2B5EF4-FFF2-40B4-BE49-F238E27FC236}">
+                <a16:creationId xmlns:a16="http://schemas.microsoft.com/office/drawing/2014/main" id="{992482C4-4CE8-4631-9C93-CA3C83D9905E}"/>
+              </a:ext>
+            </a:extLst>
+          </p:cNvPr>
+          <p:cNvSpPr>
+            <a:spLocks noGrp="1"/>
+          </p:cNvSpPr>
+          <p:nvPr>
+            <p:ph idx="1"/>
+          </p:nvPr>
+        </p:nvSpPr>
+        <p:spPr>
+          <a:xfrm>
+            <a:off x="4702629" y="1073231"/>
+            <a:ext cx="6599582" cy="4711539"/>
+          </a:xfrm>
+        </p:spPr>
+        <p:txBody>
+          <a:bodyPr>
+            <a:normAutofit/>
+          </a:bodyPr>
+          <a:lstStyle/>
+          <a:p>
+            <a:pPr marL="305435" indent="-305435"/>
+            <a:r>
+              <a:rPr lang="es-MX" sz="2000" dirty="0">
+                <a:solidFill>
+                  <a:srgbClr val="FFFFFF"/>
+                </a:solidFill>
+                <a:ea typeface="+mn-lt"/>
+                <a:cs typeface="+mn-lt"/>
+              </a:rPr>
+              <a:t>La función objetivo, definida por los datos dados, será:</a:t>
+            </a:r>
+            <a:endParaRPr lang="es-MX" sz="2000" dirty="0">
+              <a:solidFill>
+                <a:srgbClr val="FFFFFF"/>
+              </a:solidFill>
+            </a:endParaRPr>
+          </a:p>
+          <a:p>
+            <a:pPr marL="305435" indent="-305435"/>
+            <a:endParaRPr lang="es-MX" sz="2000">
+              <a:solidFill>
+                <a:srgbClr val="FFFFFF"/>
+              </a:solidFill>
+            </a:endParaRPr>
+          </a:p>
+          <a:p>
+            <a:pPr marL="305435" indent="-305435"/>
+            <a:r>
+              <a:rPr lang="es-MX" sz="2000" dirty="0">
+                <a:solidFill>
+                  <a:srgbClr val="FFFFFF"/>
+                </a:solidFill>
+                <a:ea typeface="+mn-lt"/>
+                <a:cs typeface="+mn-lt"/>
+              </a:rPr>
+              <a:t>0.071X1 + 0.0665X2 + 0.0743X3 + 0.152X4 + 0.233X5</a:t>
+            </a:r>
+            <a:endParaRPr lang="es-MX" sz="2000" dirty="0">
+              <a:solidFill>
+                <a:srgbClr val="FFFFFF"/>
+              </a:solidFill>
+            </a:endParaRPr>
+          </a:p>
+        </p:txBody>
+      </p:sp>
+    </p:spTree>
+    <p:extLst>
+      <p:ext uri="{BB962C8B-B14F-4D97-AF65-F5344CB8AC3E}">
+        <p14:creationId xmlns:p14="http://schemas.microsoft.com/office/powerpoint/2010/main" val="2146254879"/>
+      </p:ext>
+    </p:extLst>
+  </p:cSld>
+  <p:clrMapOvr>
+    <a:overrideClrMapping bg1="dk1" tx1="lt1" bg2="dk2" tx2="lt2" accent1="accent1" accent2="accent2" accent3="accent3" accent4="accent4" accent5="accent5" accent6="accent6" hlink="hlink" folHlink="folHlink"/>
+  </p:clrMapOvr>
+</p:sld>
+</file>
+
+<file path=ppt/slides/slide11.xml><?xml version="1.0" encoding="utf-8"?>
+<p:sld xmlns:a="http://schemas.openxmlformats.org/drawingml/2006/main" xmlns:r="http://schemas.openxmlformats.org/officeDocument/2006/relationships" xmlns:p="http://schemas.openxmlformats.org/presentationml/2006/main">
+  <p:cSld>
+    <p:bg>
+      <p:bgPr>
+        <a:gradFill rotWithShape="1">
+          <a:gsLst>
+            <a:gs pos="0">
+              <a:schemeClr val="bg2">
+                <a:tint val="90000"/>
+                <a:lumMod val="110000"/>
+              </a:schemeClr>
+            </a:gs>
+            <a:gs pos="100000">
+              <a:schemeClr val="bg2">
+                <a:shade val="98000"/>
+                <a:satMod val="110000"/>
+                <a:lumMod val="86000"/>
+              </a:schemeClr>
+            </a:gs>
+          </a:gsLst>
+          <a:path path="circle">
+            <a:fillToRect l="50000" t="50000" r="100000" b="100000"/>
+          </a:path>
+        </a:gradFill>
+        <a:effectLst/>
+      </p:bgPr>
+    </p:bg>
+    <p:spTree>
+      <p:nvGrpSpPr>
+        <p:cNvPr id="1" name=""/>
+        <p:cNvGrpSpPr/>
+        <p:nvPr/>
+      </p:nvGrpSpPr>
+      <p:grpSpPr>
+        <a:xfrm>
+          <a:off x="0" y="0"/>
+          <a:ext cx="0" cy="0"/>
+          <a:chOff x="0" y="0"/>
+          <a:chExt cx="0" cy="0"/>
+        </a:xfrm>
+      </p:grpSpPr>
+      <p:sp>
+        <p:nvSpPr>
+          <p:cNvPr id="10" name="Rectangle 9">
+            <a:extLst>
+              <a:ext uri="{FF2B5EF4-FFF2-40B4-BE49-F238E27FC236}">
+                <a16:creationId xmlns:a16="http://schemas.microsoft.com/office/drawing/2014/main" id="{F92989FB-1024-49B7-BDF1-B3CE27D48623}"/>
+              </a:ext>
+              <a:ext uri="{C183D7F6-B498-43B3-948B-1728B52AA6E4}">
+                <adec:decorative xmlns:adec="http://schemas.microsoft.com/office/drawing/2017/decorative" val="1"/>
+              </a:ext>
+            </a:extLst>
+          </p:cNvPr>
+          <p:cNvSpPr>
+            <a:spLocks noGrp="1" noRot="1" noChangeAspect="1" noMove="1" noResize="1" noEditPoints="1" noAdjustHandles="1" noChangeArrowheads="1" noChangeShapeType="1" noTextEdit="1"/>
+          </p:cNvSpPr>
+          <p:nvPr>
+            <p:extLst>
+              <p:ext uri="{386F3935-93C4-4BCD-93E2-E3B085C9AB24}">
+                <p16:designElem xmlns:p16="http://schemas.microsoft.com/office/powerpoint/2015/main" val="1"/>
+              </p:ext>
+            </p:extLst>
+          </p:nvPr>
+        </p:nvSpPr>
+        <p:spPr>
+          <a:xfrm>
+            <a:off x="0" y="0"/>
+            <a:ext cx="12191999" cy="6858001"/>
+          </a:xfrm>
+          <a:prstGeom prst="rect">
+            <a:avLst/>
+          </a:prstGeom>
+          <a:solidFill>
+            <a:schemeClr val="tx1"/>
+          </a:solidFill>
+          <a:ln>
+            <a:noFill/>
+          </a:ln>
+        </p:spPr>
+        <p:style>
+          <a:lnRef idx="2">
+            <a:schemeClr val="accent1">
+              <a:shade val="50000"/>
+            </a:schemeClr>
+          </a:lnRef>
+          <a:fillRef idx="1">
+            <a:schemeClr val="accent1"/>
+          </a:fillRef>
+          <a:effectRef idx="0">
+            <a:schemeClr val="accent1"/>
+          </a:effectRef>
+          <a:fontRef idx="minor">
+            <a:schemeClr val="lt1"/>
+          </a:fontRef>
+        </p:style>
+        <p:txBody>
+          <a:bodyPr rtlCol="0" anchor="ctr"/>
+          <a:lstStyle/>
+          <a:p>
+            <a:pPr algn="ctr"/>
+            <a:endParaRPr lang="en-US"/>
+          </a:p>
+        </p:txBody>
+      </p:sp>
+      <p:sp>
+        <p:nvSpPr>
+          <p:cNvPr id="2" name="Título 1">
+            <a:extLst>
+              <a:ext uri="{FF2B5EF4-FFF2-40B4-BE49-F238E27FC236}">
+                <a16:creationId xmlns:a16="http://schemas.microsoft.com/office/drawing/2014/main" id="{289CF6DA-C35C-4FA3-99BF-341D66076BE0}"/>
+              </a:ext>
+            </a:extLst>
+          </p:cNvPr>
+          <p:cNvSpPr>
+            <a:spLocks noGrp="1"/>
+          </p:cNvSpPr>
+          <p:nvPr>
+            <p:ph type="title"/>
+          </p:nvPr>
+        </p:nvSpPr>
+        <p:spPr>
+          <a:xfrm>
+            <a:off x="746228" y="1037967"/>
+            <a:ext cx="3054091" cy="4709131"/>
+          </a:xfrm>
+        </p:spPr>
+        <p:txBody>
+          <a:bodyPr anchor="ctr">
+            <a:normAutofit/>
+          </a:bodyPr>
+          <a:lstStyle/>
+          <a:p>
+            <a:r>
+              <a:rPr lang="es-MX">
+                <a:solidFill>
+                  <a:schemeClr val="bg1">
+                    <a:lumMod val="85000"/>
+                    <a:lumOff val="15000"/>
+                  </a:schemeClr>
+                </a:solidFill>
+              </a:rPr>
+              <a:t>Optimizando</a:t>
+            </a:r>
+          </a:p>
+        </p:txBody>
+      </p:sp>
+      <p:sp>
+        <p:nvSpPr>
+          <p:cNvPr id="12" name="Rectangle 11">
+            <a:extLst>
+              <a:ext uri="{FF2B5EF4-FFF2-40B4-BE49-F238E27FC236}">
+                <a16:creationId xmlns:a16="http://schemas.microsoft.com/office/drawing/2014/main" id="{2987D6F4-EC95-4EF1-A8AD-4B70386CEEC7}"/>
+              </a:ext>
+              <a:ext uri="{C183D7F6-B498-43B3-948B-1728B52AA6E4}">
+                <adec:decorative xmlns:adec="http://schemas.microsoft.com/office/drawing/2017/decorative" val="1"/>
+              </a:ext>
+            </a:extLst>
+          </p:cNvPr>
+          <p:cNvSpPr>
+            <a:spLocks noGrp="1" noRot="1" noChangeAspect="1" noMove="1" noResize="1" noEditPoints="1" noAdjustHandles="1" noChangeArrowheads="1" noChangeShapeType="1" noTextEdit="1"/>
+          </p:cNvSpPr>
+          <p:nvPr>
+            <p:extLst>
+              <p:ext uri="{386F3935-93C4-4BCD-93E2-E3B085C9AB24}">
+                <p16:designElem xmlns:p16="http://schemas.microsoft.com/office/powerpoint/2015/main" val="1"/>
+              </p:ext>
+            </p:extLst>
+          </p:nvPr>
+        </p:nvSpPr>
+        <p:spPr>
+          <a:xfrm>
+            <a:off x="446534" y="457200"/>
+            <a:ext cx="3703320" cy="94997"/>
+          </a:xfrm>
+          <a:prstGeom prst="rect">
+            <a:avLst/>
+          </a:prstGeom>
+          <a:solidFill>
+            <a:schemeClr val="accent1"/>
+          </a:solidFill>
+          <a:ln>
+            <a:noFill/>
+          </a:ln>
+          <a:effectLst/>
+        </p:spPr>
+        <p:style>
+          <a:lnRef idx="1">
+            <a:schemeClr val="accent1"/>
+          </a:lnRef>
+          <a:fillRef idx="3">
+            <a:schemeClr val="accent1"/>
+          </a:fillRef>
+          <a:effectRef idx="2">
+            <a:schemeClr val="accent1"/>
+          </a:effectRef>
+          <a:fontRef idx="minor">
+            <a:schemeClr val="lt1"/>
+          </a:fontRef>
+        </p:style>
+      </p:sp>
+      <p:sp>
+        <p:nvSpPr>
+          <p:cNvPr id="14" name="Rectangle 13">
+            <a:extLst>
+              <a:ext uri="{FF2B5EF4-FFF2-40B4-BE49-F238E27FC236}">
+                <a16:creationId xmlns:a16="http://schemas.microsoft.com/office/drawing/2014/main" id="{F5F792DF-9D0A-4DB6-9A9E-7312F5A7E87D}"/>
+              </a:ext>
+              <a:ext uri="{C183D7F6-B498-43B3-948B-1728B52AA6E4}">
+                <adec:decorative xmlns:adec="http://schemas.microsoft.com/office/drawing/2017/decorative" val="1"/>
+              </a:ext>
+            </a:extLst>
+          </p:cNvPr>
+          <p:cNvSpPr>
+            <a:spLocks noGrp="1" noRot="1" noChangeAspect="1" noMove="1" noResize="1" noEditPoints="1" noAdjustHandles="1" noChangeArrowheads="1" noChangeShapeType="1" noTextEdit="1"/>
+          </p:cNvSpPr>
+          <p:nvPr>
+            <p:extLst>
+              <p:ext uri="{386F3935-93C4-4BCD-93E2-E3B085C9AB24}">
+                <p16:designElem xmlns:p16="http://schemas.microsoft.com/office/powerpoint/2015/main" val="1"/>
+              </p:ext>
+            </p:extLst>
+          </p:nvPr>
+        </p:nvSpPr>
+        <p:spPr>
+          <a:xfrm>
+            <a:off x="4241830" y="457200"/>
+            <a:ext cx="7498080" cy="91440"/>
+          </a:xfrm>
+          <a:prstGeom prst="rect">
+            <a:avLst/>
+          </a:prstGeom>
+          <a:solidFill>
+            <a:srgbClr val="465359"/>
+          </a:solidFill>
+          <a:ln>
+            <a:noFill/>
+          </a:ln>
+          <a:effectLst/>
+        </p:spPr>
+        <p:style>
+          <a:lnRef idx="1">
+            <a:schemeClr val="accent1"/>
+          </a:lnRef>
+          <a:fillRef idx="3">
+            <a:schemeClr val="accent1"/>
+          </a:fillRef>
+          <a:effectRef idx="2">
+            <a:schemeClr val="accent1"/>
+          </a:effectRef>
+          <a:fontRef idx="minor">
+            <a:schemeClr val="lt1"/>
+          </a:fontRef>
+        </p:style>
+      </p:sp>
+      <p:sp>
+        <p:nvSpPr>
+          <p:cNvPr id="16" name="Rectangle 15">
+            <a:extLst>
+              <a:ext uri="{FF2B5EF4-FFF2-40B4-BE49-F238E27FC236}">
+                <a16:creationId xmlns:a16="http://schemas.microsoft.com/office/drawing/2014/main" id="{7BC7EA7B-802E-41F4-8926-C4475287AA31}"/>
+              </a:ext>
+              <a:ext uri="{C183D7F6-B498-43B3-948B-1728B52AA6E4}">
+                <adec:decorative xmlns:adec="http://schemas.microsoft.com/office/drawing/2017/decorative" val="1"/>
+              </a:ext>
+            </a:extLst>
+          </p:cNvPr>
+          <p:cNvSpPr>
+            <a:spLocks noGrp="1" noRot="1" noChangeAspect="1" noMove="1" noResize="1" noEditPoints="1" noAdjustHandles="1" noChangeArrowheads="1" noChangeShapeType="1" noTextEdit="1"/>
+          </p:cNvSpPr>
+          <p:nvPr>
+            <p:extLst>
+              <p:ext uri="{386F3935-93C4-4BCD-93E2-E3B085C9AB24}">
+                <p16:designElem xmlns:p16="http://schemas.microsoft.com/office/powerpoint/2015/main" val="1"/>
+              </p:ext>
+            </p:extLst>
+          </p:nvPr>
+        </p:nvSpPr>
+        <p:spPr>
+          <a:xfrm>
+            <a:off x="4246851" y="723898"/>
+            <a:ext cx="7498616" cy="5676901"/>
+          </a:xfrm>
+          <a:prstGeom prst="rect">
+            <a:avLst/>
+          </a:prstGeom>
+          <a:solidFill>
+            <a:srgbClr val="465359"/>
+          </a:solidFill>
+          <a:ln>
+            <a:noFill/>
+          </a:ln>
+          <a:effectLst/>
+        </p:spPr>
+        <p:style>
+          <a:lnRef idx="1">
+            <a:schemeClr val="accent1"/>
+          </a:lnRef>
+          <a:fillRef idx="3">
+            <a:schemeClr val="accent1"/>
+          </a:fillRef>
+          <a:effectRef idx="2">
+            <a:schemeClr val="accent1"/>
+          </a:effectRef>
+          <a:fontRef idx="minor">
+            <a:schemeClr val="lt1"/>
+          </a:fontRef>
+        </p:style>
+      </p:sp>
+      <p:graphicFrame>
+        <p:nvGraphicFramePr>
+          <p:cNvPr id="5" name="Marcador de contenido 2">
+            <a:extLst>
+              <a:ext uri="{FF2B5EF4-FFF2-40B4-BE49-F238E27FC236}">
+                <a16:creationId xmlns:a16="http://schemas.microsoft.com/office/drawing/2014/main" id="{E1001D25-552C-4EED-846C-F4716E3D90F0}"/>
+              </a:ext>
+            </a:extLst>
+          </p:cNvPr>
+          <p:cNvGraphicFramePr>
+            <a:graphicFrameLocks noGrp="1"/>
+          </p:cNvGraphicFramePr>
+          <p:nvPr>
+            <p:ph idx="1"/>
+            <p:extLst>
+              <p:ext uri="{D42A27DB-BD31-4B8C-83A1-F6EECF244321}">
+                <p14:modId xmlns:p14="http://schemas.microsoft.com/office/powerpoint/2010/main" val="4114344623"/>
+              </p:ext>
+            </p:extLst>
+          </p:nvPr>
+        </p:nvGraphicFramePr>
+        <p:xfrm>
+          <a:off x="4598438" y="1207783"/>
+          <a:ext cx="7012370" cy="4709131"/>
+        </p:xfrm>
+        <a:graphic>
+          <a:graphicData uri="http://schemas.openxmlformats.org/drawingml/2006/diagram">
+            <dgm:relIds xmlns:dgm="http://schemas.openxmlformats.org/drawingml/2006/diagram" xmlns:r="http://schemas.openxmlformats.org/officeDocument/2006/relationships" r:dm="rId2" r:lo="rId3" r:qs="rId4" r:cs="rId5"/>
+          </a:graphicData>
+        </a:graphic>
+      </p:graphicFrame>
+    </p:spTree>
+    <p:extLst>
+      <p:ext uri="{BB962C8B-B14F-4D97-AF65-F5344CB8AC3E}">
+        <p14:creationId xmlns:p14="http://schemas.microsoft.com/office/powerpoint/2010/main" val="4164287995"/>
+      </p:ext>
+    </p:extLst>
+  </p:cSld>
+  <p:clrMapOvr>
+    <a:overrideClrMapping bg1="dk1" tx1="lt1" bg2="dk2" tx2="lt2" accent1="accent1" accent2="accent2" accent3="accent3" accent4="accent4" accent5="accent5" accent6="accent6" hlink="hlink" folHlink="folHlink"/>
+  </p:clrMapOvr>
+</p:sld>
+</file>
+
+<file path=ppt/slides/slide12.xml><?xml version="1.0" encoding="utf-8"?>
+<p:sld xmlns:a="http://schemas.openxmlformats.org/drawingml/2006/main" xmlns:r="http://schemas.openxmlformats.org/officeDocument/2006/relationships" xmlns:p="http://schemas.openxmlformats.org/presentationml/2006/main">
+  <p:cSld>
+    <p:bg>
+      <p:bgPr>
         <a:gradFill rotWithShape="1">
           <a:gsLst>
             <a:gs pos="0">
@@ -15402,9 +16091,9 @@
           </a:bodyPr>
           <a:lstStyle/>
           <a:p>
-            <a:pPr marL="305435" indent="-305435"/>
+            <a:pPr marL="305435" indent="-305435" algn="just"/>
             <a:r>
-              <a:rPr lang="es-MX">
+              <a:rPr lang="es-MX" dirty="0">
                 <a:ea typeface="+mn-lt"/>
                 <a:cs typeface="+mn-lt"/>
               </a:rPr>
@@ -15413,13 +16102,13 @@
             <a:endParaRPr lang="es-MX"/>
           </a:p>
           <a:p>
-            <a:pPr marL="305435" indent="-305435"/>
+            <a:pPr marL="305435" indent="-305435" algn="just"/>
             <a:endParaRPr lang="es-MX"/>
           </a:p>
           <a:p>
-            <a:pPr marL="305435" indent="-305435"/>
+            <a:pPr marL="305435" indent="-305435" algn="just"/>
             <a:r>
-              <a:rPr lang="es-MX">
+              <a:rPr lang="es-MX" dirty="0">
                 <a:ea typeface="+mn-lt"/>
                 <a:cs typeface="+mn-lt"/>
               </a:rPr>
@@ -15428,9 +16117,9 @@
             <a:endParaRPr lang="es-MX"/>
           </a:p>
           <a:p>
-            <a:pPr marL="305435" indent="-305435"/>
+            <a:pPr marL="305435" indent="-305435" algn="just"/>
             <a:r>
-              <a:rPr lang="es-MX">
+              <a:rPr lang="es-MX" dirty="0">
                 <a:ea typeface="+mn-lt"/>
                 <a:cs typeface="+mn-lt"/>
               </a:rPr>
@@ -15439,9 +16128,9 @@
             <a:endParaRPr lang="es-MX"/>
           </a:p>
           <a:p>
-            <a:pPr marL="305435" indent="-305435"/>
+            <a:pPr marL="305435" indent="-305435" algn="just"/>
             <a:r>
-              <a:rPr lang="es-MX">
+              <a:rPr lang="es-MX" dirty="0">
                 <a:ea typeface="+mn-lt"/>
                 <a:cs typeface="+mn-lt"/>
               </a:rPr>
@@ -15450,9 +16139,9 @@
             <a:endParaRPr lang="es-MX"/>
           </a:p>
           <a:p>
-            <a:pPr marL="305435" indent="-305435"/>
+            <a:pPr marL="305435" indent="-305435" algn="just"/>
             <a:r>
-              <a:rPr lang="es-MX">
+              <a:rPr lang="es-MX" dirty="0">
                 <a:ea typeface="+mn-lt"/>
                 <a:cs typeface="+mn-lt"/>
               </a:rPr>
@@ -15461,9 +16150,9 @@
             <a:endParaRPr lang="es-MX"/>
           </a:p>
           <a:p>
-            <a:pPr marL="305435" indent="-305435"/>
+            <a:pPr marL="305435" indent="-305435" algn="just"/>
             <a:r>
-              <a:rPr lang="es-MX">
+              <a:rPr lang="es-MX" dirty="0">
                 <a:ea typeface="+mn-lt"/>
                 <a:cs typeface="+mn-lt"/>
               </a:rPr>
@@ -15472,19 +16161,19 @@
             <a:endParaRPr lang="es-MX"/>
           </a:p>
           <a:p>
-            <a:pPr marL="305435" indent="-305435"/>
+            <a:pPr marL="305435" indent="-305435" algn="just"/>
             <a:endParaRPr lang="es-MX"/>
           </a:p>
           <a:p>
-            <a:pPr marL="305435" indent="-305435"/>
+            <a:pPr marL="305435" indent="-305435" algn="just"/>
             <a:r>
-              <a:rPr lang="es-MX">
+              <a:rPr lang="es-MX" dirty="0">
                 <a:ea typeface="+mn-lt"/>
                 <a:cs typeface="+mn-lt"/>
               </a:rPr>
-              <a:t>Y el mayor rendimiento anual que se obtendrá será de $ 96,560 </a:t>
+              <a:t>Y el mayor rendimiento anual que se obtendrá será de $96,560 </a:t>
             </a:r>
-            <a:endParaRPr lang="es-MX"/>
+            <a:endParaRPr lang="es-MX" dirty="0"/>
           </a:p>
         </p:txBody>
       </p:sp>
@@ -15502,6 +16191,142 @@
 </file>
 
 <file path=ppt/slides/slide2.xml><?xml version="1.0" encoding="utf-8"?>
+<p:sld xmlns:a="http://schemas.openxmlformats.org/drawingml/2006/main" xmlns:r="http://schemas.openxmlformats.org/officeDocument/2006/relationships" xmlns:p="http://schemas.openxmlformats.org/presentationml/2006/main">
+  <p:cSld>
+    <p:spTree>
+      <p:nvGrpSpPr>
+        <p:cNvPr id="1" name=""/>
+        <p:cNvGrpSpPr/>
+        <p:nvPr/>
+      </p:nvGrpSpPr>
+      <p:grpSpPr>
+        <a:xfrm>
+          <a:off x="0" y="0"/>
+          <a:ext cx="0" cy="0"/>
+          <a:chOff x="0" y="0"/>
+          <a:chExt cx="0" cy="0"/>
+        </a:xfrm>
+      </p:grpSpPr>
+      <p:sp>
+        <p:nvSpPr>
+          <p:cNvPr id="2" name="Título 1">
+            <a:extLst>
+              <a:ext uri="{FF2B5EF4-FFF2-40B4-BE49-F238E27FC236}">
+                <a16:creationId xmlns:a16="http://schemas.microsoft.com/office/drawing/2014/main" id="{78B88B50-5553-4F30-8EF9-667572E7C652}"/>
+              </a:ext>
+            </a:extLst>
+          </p:cNvPr>
+          <p:cNvSpPr>
+            <a:spLocks noGrp="1"/>
+          </p:cNvSpPr>
+          <p:nvPr>
+            <p:ph type="title"/>
+          </p:nvPr>
+        </p:nvSpPr>
+        <p:spPr/>
+        <p:txBody>
+          <a:bodyPr/>
+          <a:lstStyle/>
+          <a:p>
+            <a:r>
+              <a:rPr lang="es-MX" dirty="0"/>
+              <a:t>ÍNDICE</a:t>
+            </a:r>
+          </a:p>
+        </p:txBody>
+      </p:sp>
+      <p:sp>
+        <p:nvSpPr>
+          <p:cNvPr id="3" name="Marcador de contenido 2">
+            <a:extLst>
+              <a:ext uri="{FF2B5EF4-FFF2-40B4-BE49-F238E27FC236}">
+                <a16:creationId xmlns:a16="http://schemas.microsoft.com/office/drawing/2014/main" id="{61707B8C-3445-44D2-B71D-32DEB89AD142}"/>
+              </a:ext>
+            </a:extLst>
+          </p:cNvPr>
+          <p:cNvSpPr>
+            <a:spLocks noGrp="1"/>
+          </p:cNvSpPr>
+          <p:nvPr>
+            <p:ph idx="1"/>
+          </p:nvPr>
+        </p:nvSpPr>
+        <p:spPr/>
+        <p:txBody>
+          <a:bodyPr/>
+          <a:lstStyle/>
+          <a:p>
+            <a:pPr marL="305435" indent="-305435"/>
+            <a:r>
+              <a:rPr lang="es-MX" dirty="0"/>
+              <a:t>Objetivo</a:t>
+            </a:r>
+          </a:p>
+          <a:p>
+            <a:pPr marL="305435" indent="-305435"/>
+            <a:r>
+              <a:rPr lang="es-MX" dirty="0"/>
+              <a:t>Objetivos específicos</a:t>
+            </a:r>
+          </a:p>
+          <a:p>
+            <a:pPr marL="305435" indent="-305435"/>
+            <a:r>
+              <a:rPr lang="es-MX" dirty="0"/>
+              <a:t>Planteamiento</a:t>
+            </a:r>
+          </a:p>
+          <a:p>
+            <a:pPr marL="305435" indent="-305435"/>
+            <a:r>
+              <a:rPr lang="es-MX" dirty="0"/>
+              <a:t>Instrumentos financieros</a:t>
+            </a:r>
+          </a:p>
+          <a:p>
+            <a:pPr marL="305435" indent="-305435"/>
+            <a:r>
+              <a:rPr lang="es-MX" dirty="0"/>
+              <a:t>Restricciones</a:t>
+            </a:r>
+          </a:p>
+          <a:p>
+            <a:pPr marL="305435" indent="-305435"/>
+            <a:r>
+              <a:rPr lang="es-MX" dirty="0"/>
+              <a:t>Función objetivo</a:t>
+            </a:r>
+          </a:p>
+          <a:p>
+            <a:pPr marL="305435" indent="-305435"/>
+            <a:r>
+              <a:rPr lang="es-MX" dirty="0"/>
+              <a:t>Optimización</a:t>
+            </a:r>
+          </a:p>
+          <a:p>
+            <a:pPr marL="305435" indent="-305435"/>
+            <a:r>
+              <a:rPr lang="es-MX" dirty="0"/>
+              <a:t>Solución</a:t>
+            </a:r>
+          </a:p>
+        </p:txBody>
+      </p:sp>
+    </p:spTree>
+    <p:extLst>
+      <p:ext uri="{BB962C8B-B14F-4D97-AF65-F5344CB8AC3E}">
+        <p14:creationId xmlns:p14="http://schemas.microsoft.com/office/powerpoint/2010/main" val="520642511"/>
+      </p:ext>
+    </p:extLst>
+  </p:cSld>
+  <p:clrMapOvr>
+    <a:masterClrMapping/>
+  </p:clrMapOvr>
+</p:sld>
+</file>
+
+<file path=ppt/slides/slide3.xml><?xml version="1.0" encoding="utf-8"?>
 <p:sld xmlns:a="http://schemas.openxmlformats.org/drawingml/2006/main" xmlns:r="http://schemas.openxmlformats.org/officeDocument/2006/relationships" xmlns:p="http://schemas.openxmlformats.org/presentationml/2006/main">
   <p:cSld>
     <p:bg>
@@ -15707,20 +16532,20 @@
           </a:bodyPr>
           <a:lstStyle/>
           <a:p>
-            <a:pPr marL="305435" indent="-305435">
+            <a:pPr marL="305435" indent="-305435" algn="just">
               <a:lnSpc>
                 <a:spcPct val="90000"/>
               </a:lnSpc>
             </a:pPr>
             <a:r>
-              <a:rPr lang="es-ES">
+              <a:rPr lang="es-ES" dirty="0">
                 <a:solidFill>
                   <a:schemeClr val="tx2"/>
                 </a:solidFill>
                 <a:ea typeface="+mn-lt"/>
                 <a:cs typeface="+mn-lt"/>
               </a:rPr>
-              <a:t>Un banco en desarrollo possee un capital de $1,000,000 que desea invertir en distintos instrumentos financieros para poder generar un rendimiento de las inversiones de sus contribuyentes. Para esto, investiga distintos tipos de instrumentos, en este caso, los siguientes:</a:t>
+              <a:t>Se cuenta con un capital de $1,000,000 que desea invertir en distintos instrumentos financieros para poder generar un rendimiento de las inversiones de sus contribuyentes. Para esto, investiga distintos tipos de instrumentos, en este caso, los siguientes:</a:t>
             </a:r>
             <a:endParaRPr lang="es-ES">
               <a:solidFill>
@@ -15729,7 +16554,7 @@
             </a:endParaRPr>
           </a:p>
           <a:p>
-            <a:pPr marL="305435" indent="-305435">
+            <a:pPr marL="305435" indent="-305435" algn="just">
               <a:lnSpc>
                 <a:spcPct val="90000"/>
               </a:lnSpc>
@@ -15741,13 +16566,13 @@
             </a:endParaRPr>
           </a:p>
           <a:p>
-            <a:pPr marL="305435" indent="-305435">
+            <a:pPr marL="305435" indent="-305435" algn="just">
               <a:lnSpc>
                 <a:spcPct val="90000"/>
               </a:lnSpc>
             </a:pPr>
             <a:r>
-              <a:rPr lang="es-ES">
+              <a:rPr lang="es-ES" dirty="0">
                 <a:solidFill>
                   <a:schemeClr val="tx2"/>
                 </a:solidFill>
@@ -15763,13 +16588,13 @@
             </a:endParaRPr>
           </a:p>
           <a:p>
-            <a:pPr marL="305435" indent="-305435">
+            <a:pPr marL="305435" indent="-305435" algn="just">
               <a:lnSpc>
                 <a:spcPct val="90000"/>
               </a:lnSpc>
             </a:pPr>
             <a:r>
-              <a:rPr lang="es-ES">
+              <a:rPr lang="es-ES" dirty="0">
                 <a:solidFill>
                   <a:schemeClr val="tx2"/>
                 </a:solidFill>
@@ -15785,35 +16610,35 @@
             </a:endParaRPr>
           </a:p>
           <a:p>
-            <a:pPr marL="305435" indent="-305435">
+            <a:pPr marL="305435" indent="-305435" algn="just">
               <a:lnSpc>
                 <a:spcPct val="90000"/>
               </a:lnSpc>
             </a:pPr>
             <a:r>
-              <a:rPr lang="es-ES">
+              <a:rPr lang="es-ES" dirty="0">
                 <a:solidFill>
                   <a:schemeClr val="tx2"/>
                 </a:solidFill>
                 <a:ea typeface="+mn-lt"/>
                 <a:cs typeface="+mn-lt"/>
               </a:rPr>
-              <a:t>- Bancario con el BM con un rendimiento anual del 7.43%</a:t>
+              <a:t>- Bancario con un rendimiento anual del 7.43%</a:t>
             </a:r>
-            <a:endParaRPr lang="es-ES">
+            <a:endParaRPr lang="es-ES" dirty="0">
               <a:solidFill>
                 <a:schemeClr val="tx2"/>
               </a:solidFill>
             </a:endParaRPr>
           </a:p>
           <a:p>
-            <a:pPr marL="305435" indent="-305435">
+            <a:pPr marL="305435" indent="-305435" algn="just">
               <a:lnSpc>
                 <a:spcPct val="90000"/>
               </a:lnSpc>
             </a:pPr>
             <a:r>
-              <a:rPr lang="es-ES">
+              <a:rPr lang="es-ES" dirty="0">
                 <a:solidFill>
                   <a:schemeClr val="tx2"/>
                 </a:solidFill>
@@ -15822,20 +16647,20 @@
               </a:rPr>
               <a:t>- Fondo privado con un rendimiento anual del 15.2%</a:t>
             </a:r>
-            <a:endParaRPr lang="es-ES">
+            <a:endParaRPr lang="es-ES" dirty="0">
               <a:solidFill>
                 <a:schemeClr val="tx2"/>
               </a:solidFill>
             </a:endParaRPr>
           </a:p>
           <a:p>
-            <a:pPr marL="305435" indent="-305435">
+            <a:pPr marL="305435" indent="-305435" algn="just">
               <a:lnSpc>
                 <a:spcPct val="90000"/>
               </a:lnSpc>
             </a:pPr>
             <a:r>
-              <a:rPr lang="es-ES">
+              <a:rPr lang="es-ES" dirty="0">
                 <a:solidFill>
                   <a:schemeClr val="tx2"/>
                 </a:solidFill>
@@ -15844,7 +16669,7 @@
               </a:rPr>
               <a:t>- Bono Argentino con un rendimiento anual del 23.3%</a:t>
             </a:r>
-            <a:endParaRPr lang="es-ES">
+            <a:endParaRPr lang="es-ES" dirty="0">
               <a:solidFill>
                 <a:schemeClr val="tx2"/>
               </a:solidFill>
@@ -15931,7 +16756,7 @@
 </p:sld>
 </file>
 
-<file path=ppt/slides/slide3.xml><?xml version="1.0" encoding="utf-8"?>
+<file path=ppt/slides/slide4.xml><?xml version="1.0" encoding="utf-8"?>
 <p:sld xmlns:a="http://schemas.openxmlformats.org/drawingml/2006/main" xmlns:r="http://schemas.openxmlformats.org/officeDocument/2006/relationships" xmlns:p="http://schemas.openxmlformats.org/presentationml/2006/main">
   <p:cSld>
     <p:bg>
@@ -16241,15 +17066,15 @@
           </a:bodyPr>
           <a:lstStyle/>
           <a:p>
-            <a:pPr marL="305435" indent="-305435"/>
+            <a:pPr marL="305435" indent="-305435" algn="just"/>
             <a:r>
-              <a:rPr lang="es-ES">
+              <a:rPr lang="es-ES" dirty="0">
                 <a:ea typeface="+mn-lt"/>
                 <a:cs typeface="+mn-lt"/>
               </a:rPr>
-              <a:t>Se desea encontrar la cantidad de dinero que se destinará a cada uno de los intrumentos financieros, tomando en cuenta que, debido a que es un banco en desarrollo, se proponen algunas restricciones para que, en caso de riesgo, se minimicen las pérdidas. A su vez, según los plazos de cada instrumento, la cantidad destinada.</a:t>
+              <a:t>Se desea encontrar la cantidad de dinero que se destinará a cada uno de los instrumentos financieros, tomando en cuenta que, debido a que es un capital propio, se proponen algunas restricciones para que, en caso de riesgo, se minimicen las pérdidas. A su vez, según los plazos de cada instrumento, la cantidad destinada.</a:t>
             </a:r>
-            <a:endParaRPr lang="es-ES"/>
+            <a:endParaRPr lang="es-ES" dirty="0"/>
           </a:p>
         </p:txBody>
       </p:sp>
@@ -16333,7 +17158,7 @@
 </p:sld>
 </file>
 
-<file path=ppt/slides/slide4.xml><?xml version="1.0" encoding="utf-8"?>
+<file path=ppt/slides/slide5.xml><?xml version="1.0" encoding="utf-8"?>
 <p:sld xmlns:a="http://schemas.openxmlformats.org/drawingml/2006/main" xmlns:r="http://schemas.openxmlformats.org/officeDocument/2006/relationships" xmlns:p="http://schemas.openxmlformats.org/presentationml/2006/main">
   <p:cSld>
     <p:spTree>
@@ -16355,7 +17180,7 @@
           <p:cNvPr id="2" name="Título 1">
             <a:extLst>
               <a:ext uri="{FF2B5EF4-FFF2-40B4-BE49-F238E27FC236}">
-                <a16:creationId xmlns:a16="http://schemas.microsoft.com/office/drawing/2014/main" id="{5B046F1B-C13E-46E5-9893-4D6649FF2AD9}"/>
+                <a16:creationId xmlns:a16="http://schemas.microsoft.com/office/drawing/2014/main" id="{F01E647D-B211-4DBA-989F-9F0AEC22960A}"/>
               </a:ext>
             </a:extLst>
           </p:cNvPr>
@@ -16372,18 +17197,488 @@
           <a:lstStyle/>
           <a:p>
             <a:r>
-              <a:rPr lang="es-MX"/>
+              <a:rPr lang="es-MX" dirty="0"/>
+              <a:t>Planteamiento</a:t>
+            </a:r>
+          </a:p>
+        </p:txBody>
+      </p:sp>
+      <p:sp>
+        <p:nvSpPr>
+          <p:cNvPr id="3" name="Marcador de contenido 2">
+            <a:extLst>
+              <a:ext uri="{FF2B5EF4-FFF2-40B4-BE49-F238E27FC236}">
+                <a16:creationId xmlns:a16="http://schemas.microsoft.com/office/drawing/2014/main" id="{2B7D936B-4B0B-4D61-B77B-B5847B569073}"/>
+              </a:ext>
+            </a:extLst>
+          </p:cNvPr>
+          <p:cNvSpPr>
+            <a:spLocks noGrp="1"/>
+          </p:cNvSpPr>
+          <p:nvPr>
+            <p:ph idx="1"/>
+          </p:nvPr>
+        </p:nvSpPr>
+        <p:spPr/>
+        <p:txBody>
+          <a:bodyPr/>
+          <a:lstStyle/>
+          <a:p>
+            <a:pPr marL="305435" indent="-305435" algn="just"/>
+            <a:r>
+              <a:rPr lang="es-MX" dirty="0">
+                <a:ea typeface="+mn-lt"/>
+                <a:cs typeface="+mn-lt"/>
+              </a:rPr>
+              <a:t>La cantidad a invertir de cada instrumento debe de ser menor o igual al 20% del total invertido para diversificar el riesgo.</a:t>
+            </a:r>
+            <a:endParaRPr lang="es-MX" dirty="0"/>
+          </a:p>
+          <a:p>
+            <a:pPr marL="305435" indent="-305435" algn="just"/>
+            <a:r>
+              <a:rPr lang="es-MX" dirty="0">
+                <a:ea typeface="+mn-lt"/>
+                <a:cs typeface="+mn-lt"/>
+              </a:rPr>
+              <a:t>La cantidad a invertir de los instrumentos que pagan arriba del 10% anual, debe de ser menor o igual al 50% del total invertido para evitar pagar más del 10.88% de ISR (Impuesto Sobre la Renta).</a:t>
+            </a:r>
+            <a:endParaRPr lang="es-MX" dirty="0"/>
+          </a:p>
+          <a:p>
+            <a:pPr marL="305435" indent="-305435" algn="just"/>
+            <a:r>
+              <a:rPr lang="es-MX" dirty="0">
+                <a:ea typeface="+mn-lt"/>
+                <a:cs typeface="+mn-lt"/>
+              </a:rPr>
+              <a:t>La cantidad a invertir de los instrumentos a corto plazo tiene que ser mayor o igual a 30% y la cantidad a invertir de los instrumentos largo plazo tiene que ser igual al 25%</a:t>
+            </a:r>
+            <a:endParaRPr lang="es-MX" dirty="0"/>
+          </a:p>
+          <a:p>
+            <a:pPr marL="305435" indent="-305435" algn="just"/>
+            <a:endParaRPr lang="es-MX" dirty="0"/>
+          </a:p>
+        </p:txBody>
+      </p:sp>
+    </p:spTree>
+    <p:extLst>
+      <p:ext uri="{BB962C8B-B14F-4D97-AF65-F5344CB8AC3E}">
+        <p14:creationId xmlns:p14="http://schemas.microsoft.com/office/powerpoint/2010/main" val="3826649070"/>
+      </p:ext>
+    </p:extLst>
+  </p:cSld>
+  <p:clrMapOvr>
+    <a:masterClrMapping/>
+  </p:clrMapOvr>
+</p:sld>
+</file>
+
+<file path=ppt/slides/slide6.xml><?xml version="1.0" encoding="utf-8"?>
+<p:sld xmlns:a="http://schemas.openxmlformats.org/drawingml/2006/main" xmlns:r="http://schemas.openxmlformats.org/officeDocument/2006/relationships" xmlns:p="http://schemas.openxmlformats.org/presentationml/2006/main">
+  <p:cSld>
+    <p:bg>
+      <p:bgPr>
+        <a:gradFill rotWithShape="1">
+          <a:gsLst>
+            <a:gs pos="0">
+              <a:schemeClr val="bg2">
+                <a:tint val="90000"/>
+                <a:lumMod val="110000"/>
+              </a:schemeClr>
+            </a:gs>
+            <a:gs pos="100000">
+              <a:schemeClr val="bg2">
+                <a:shade val="98000"/>
+                <a:satMod val="110000"/>
+                <a:lumMod val="86000"/>
+              </a:schemeClr>
+            </a:gs>
+          </a:gsLst>
+          <a:path path="circle">
+            <a:fillToRect l="50000" t="50000" r="100000" b="100000"/>
+          </a:path>
+        </a:gradFill>
+        <a:effectLst/>
+      </p:bgPr>
+    </p:bg>
+    <p:spTree>
+      <p:nvGrpSpPr>
+        <p:cNvPr id="1" name=""/>
+        <p:cNvGrpSpPr/>
+        <p:nvPr/>
+      </p:nvGrpSpPr>
+      <p:grpSpPr>
+        <a:xfrm>
+          <a:off x="0" y="0"/>
+          <a:ext cx="0" cy="0"/>
+          <a:chOff x="0" y="0"/>
+          <a:chExt cx="0" cy="0"/>
+        </a:xfrm>
+      </p:grpSpPr>
+      <p:sp>
+        <p:nvSpPr>
+          <p:cNvPr id="15" name="Rectangle 14">
+            <a:extLst>
+              <a:ext uri="{FF2B5EF4-FFF2-40B4-BE49-F238E27FC236}">
+                <a16:creationId xmlns:a16="http://schemas.microsoft.com/office/drawing/2014/main" id="{A3B89715-0C08-460F-B428-54CD79978851}"/>
+              </a:ext>
+              <a:ext uri="{C183D7F6-B498-43B3-948B-1728B52AA6E4}">
+                <adec:decorative xmlns:adec="http://schemas.microsoft.com/office/drawing/2017/decorative" val="1"/>
+              </a:ext>
+            </a:extLst>
+          </p:cNvPr>
+          <p:cNvSpPr>
+            <a:spLocks noGrp="1" noRot="1" noChangeAspect="1" noMove="1" noResize="1" noEditPoints="1" noAdjustHandles="1" noChangeArrowheads="1" noChangeShapeType="1" noTextEdit="1"/>
+          </p:cNvSpPr>
+          <p:nvPr>
+            <p:extLst>
+              <p:ext uri="{386F3935-93C4-4BCD-93E2-E3B085C9AB24}">
+                <p16:designElem xmlns:p16="http://schemas.microsoft.com/office/powerpoint/2015/main" val="1"/>
+              </p:ext>
+            </p:extLst>
+          </p:nvPr>
+        </p:nvSpPr>
+        <p:spPr>
+          <a:xfrm>
+            <a:off x="0" y="0"/>
+            <a:ext cx="12191999" cy="6858001"/>
+          </a:xfrm>
+          <a:prstGeom prst="rect">
+            <a:avLst/>
+          </a:prstGeom>
+          <a:solidFill>
+            <a:schemeClr val="tx1"/>
+          </a:solidFill>
+          <a:ln>
+            <a:noFill/>
+          </a:ln>
+        </p:spPr>
+        <p:style>
+          <a:lnRef idx="2">
+            <a:schemeClr val="accent1">
+              <a:shade val="50000"/>
+            </a:schemeClr>
+          </a:lnRef>
+          <a:fillRef idx="1">
+            <a:schemeClr val="accent1"/>
+          </a:fillRef>
+          <a:effectRef idx="0">
+            <a:schemeClr val="accent1"/>
+          </a:effectRef>
+          <a:fontRef idx="minor">
+            <a:schemeClr val="lt1"/>
+          </a:fontRef>
+        </p:style>
+        <p:txBody>
+          <a:bodyPr rtlCol="0" anchor="ctr"/>
+          <a:lstStyle/>
+          <a:p>
+            <a:pPr algn="ctr"/>
+            <a:endParaRPr lang="en-US"/>
+          </a:p>
+        </p:txBody>
+      </p:sp>
+      <p:sp>
+        <p:nvSpPr>
+          <p:cNvPr id="2" name="Título 1">
+            <a:extLst>
+              <a:ext uri="{FF2B5EF4-FFF2-40B4-BE49-F238E27FC236}">
+                <a16:creationId xmlns:a16="http://schemas.microsoft.com/office/drawing/2014/main" id="{59C1FD72-8A77-4329-816E-3226F8AA8A03}"/>
+              </a:ext>
+            </a:extLst>
+          </p:cNvPr>
+          <p:cNvSpPr>
+            <a:spLocks noGrp="1"/>
+          </p:cNvSpPr>
+          <p:nvPr>
+            <p:ph type="title"/>
+          </p:nvPr>
+        </p:nvSpPr>
+        <p:spPr>
+          <a:xfrm>
+            <a:off x="446534" y="4999383"/>
+            <a:ext cx="11293599" cy="952428"/>
+          </a:xfrm>
+        </p:spPr>
+        <p:txBody>
+          <a:bodyPr anchor="ctr">
+            <a:normAutofit/>
+          </a:bodyPr>
+          <a:lstStyle/>
+          <a:p>
+            <a:r>
+              <a:rPr lang="es-MX" dirty="0">
+                <a:solidFill>
+                  <a:schemeClr val="bg1">
+                    <a:lumMod val="85000"/>
+                    <a:lumOff val="15000"/>
+                  </a:schemeClr>
+                </a:solidFill>
+              </a:rPr>
               <a:t>ISR</a:t>
             </a:r>
           </a:p>
         </p:txBody>
       </p:sp>
+      <p:sp>
+        <p:nvSpPr>
+          <p:cNvPr id="17" name="Rectangle 16">
+            <a:extLst>
+              <a:ext uri="{FF2B5EF4-FFF2-40B4-BE49-F238E27FC236}">
+                <a16:creationId xmlns:a16="http://schemas.microsoft.com/office/drawing/2014/main" id="{7937B2BA-7A3F-4338-9F35-A23EE736762E}"/>
+              </a:ext>
+              <a:ext uri="{C183D7F6-B498-43B3-948B-1728B52AA6E4}">
+                <adec:decorative xmlns:adec="http://schemas.microsoft.com/office/drawing/2017/decorative" val="1"/>
+              </a:ext>
+            </a:extLst>
+          </p:cNvPr>
+          <p:cNvSpPr>
+            <a:spLocks noGrp="1" noRot="1" noChangeAspect="1" noMove="1" noResize="1" noEditPoints="1" noAdjustHandles="1" noChangeArrowheads="1" noChangeShapeType="1" noTextEdit="1"/>
+          </p:cNvSpPr>
+          <p:nvPr>
+            <p:extLst>
+              <p:ext uri="{386F3935-93C4-4BCD-93E2-E3B085C9AB24}">
+                <p16:designElem xmlns:p16="http://schemas.microsoft.com/office/powerpoint/2015/main" val="1"/>
+              </p:ext>
+            </p:extLst>
+          </p:nvPr>
+        </p:nvSpPr>
+        <p:spPr>
+          <a:xfrm>
+            <a:off x="446534" y="457201"/>
+            <a:ext cx="11298933" cy="4377032"/>
+          </a:xfrm>
+          <a:prstGeom prst="rect">
+            <a:avLst/>
+          </a:prstGeom>
+          <a:solidFill>
+            <a:srgbClr val="465359"/>
+          </a:solidFill>
+          <a:ln>
+            <a:noFill/>
+          </a:ln>
+          <a:effectLst/>
+        </p:spPr>
+        <p:style>
+          <a:lnRef idx="1">
+            <a:schemeClr val="accent1"/>
+          </a:lnRef>
+          <a:fillRef idx="3">
+            <a:schemeClr val="accent1"/>
+          </a:fillRef>
+          <a:effectRef idx="2">
+            <a:schemeClr val="accent1"/>
+          </a:effectRef>
+          <a:fontRef idx="minor">
+            <a:schemeClr val="lt1"/>
+          </a:fontRef>
+        </p:style>
+      </p:sp>
+      <p:sp>
+        <p:nvSpPr>
+          <p:cNvPr id="19" name="Rectangle 18">
+            <a:extLst>
+              <a:ext uri="{FF2B5EF4-FFF2-40B4-BE49-F238E27FC236}">
+                <a16:creationId xmlns:a16="http://schemas.microsoft.com/office/drawing/2014/main" id="{F677D424-9960-4ACA-BCD2-505B987C4043}"/>
+              </a:ext>
+              <a:ext uri="{C183D7F6-B498-43B3-948B-1728B52AA6E4}">
+                <adec:decorative xmlns:adec="http://schemas.microsoft.com/office/drawing/2017/decorative" val="1"/>
+              </a:ext>
+            </a:extLst>
+          </p:cNvPr>
+          <p:cNvSpPr>
+            <a:spLocks noGrp="1" noRot="1" noChangeAspect="1" noMove="1" noResize="1" noEditPoints="1" noAdjustHandles="1" noChangeArrowheads="1" noChangeShapeType="1" noTextEdit="1"/>
+          </p:cNvSpPr>
+          <p:nvPr>
+            <p:extLst>
+              <p:ext uri="{386F3935-93C4-4BCD-93E2-E3B085C9AB24}">
+                <p16:designElem xmlns:p16="http://schemas.microsoft.com/office/powerpoint/2015/main" val="1"/>
+              </p:ext>
+            </p:extLst>
+          </p:nvPr>
+        </p:nvSpPr>
+        <p:spPr>
+          <a:xfrm>
+            <a:off x="446534" y="6057326"/>
+            <a:ext cx="3703320" cy="94997"/>
+          </a:xfrm>
+          <a:prstGeom prst="rect">
+            <a:avLst/>
+          </a:prstGeom>
+          <a:solidFill>
+            <a:srgbClr val="465359"/>
+          </a:solidFill>
+          <a:ln>
+            <a:noFill/>
+          </a:ln>
+          <a:effectLst/>
+        </p:spPr>
+        <p:style>
+          <a:lnRef idx="1">
+            <a:schemeClr val="accent1"/>
+          </a:lnRef>
+          <a:fillRef idx="3">
+            <a:schemeClr val="accent1"/>
+          </a:fillRef>
+          <a:effectRef idx="2">
+            <a:schemeClr val="accent1"/>
+          </a:effectRef>
+          <a:fontRef idx="minor">
+            <a:schemeClr val="lt1"/>
+          </a:fontRef>
+        </p:style>
+      </p:sp>
+      <p:sp>
+        <p:nvSpPr>
+          <p:cNvPr id="21" name="Rectangle 20">
+            <a:extLst>
+              <a:ext uri="{FF2B5EF4-FFF2-40B4-BE49-F238E27FC236}">
+                <a16:creationId xmlns:a16="http://schemas.microsoft.com/office/drawing/2014/main" id="{534247F3-70BF-4860-A663-2ECA100F9E48}"/>
+              </a:ext>
+              <a:ext uri="{C183D7F6-B498-43B3-948B-1728B52AA6E4}">
+                <adec:decorative xmlns:adec="http://schemas.microsoft.com/office/drawing/2017/decorative" val="1"/>
+              </a:ext>
+            </a:extLst>
+          </p:cNvPr>
+          <p:cNvSpPr>
+            <a:spLocks noGrp="1" noRot="1" noChangeAspect="1" noMove="1" noResize="1" noEditPoints="1" noAdjustHandles="1" noChangeArrowheads="1" noChangeShapeType="1" noTextEdit="1"/>
+          </p:cNvSpPr>
+          <p:nvPr>
+            <p:extLst>
+              <p:ext uri="{386F3935-93C4-4BCD-93E2-E3B085C9AB24}">
+                <p16:designElem xmlns:p16="http://schemas.microsoft.com/office/powerpoint/2015/main" val="1"/>
+              </p:ext>
+            </p:extLst>
+          </p:nvPr>
+        </p:nvSpPr>
+        <p:spPr>
+          <a:xfrm>
+            <a:off x="4241830" y="6057326"/>
+            <a:ext cx="3703320" cy="91440"/>
+          </a:xfrm>
+          <a:prstGeom prst="rect">
+            <a:avLst/>
+          </a:prstGeom>
+          <a:solidFill>
+            <a:schemeClr val="accent1"/>
+          </a:solidFill>
+          <a:ln>
+            <a:noFill/>
+          </a:ln>
+          <a:effectLst/>
+        </p:spPr>
+        <p:style>
+          <a:lnRef idx="1">
+            <a:schemeClr val="accent1"/>
+          </a:lnRef>
+          <a:fillRef idx="3">
+            <a:schemeClr val="accent1"/>
+          </a:fillRef>
+          <a:effectRef idx="2">
+            <a:schemeClr val="accent1"/>
+          </a:effectRef>
+          <a:fontRef idx="minor">
+            <a:schemeClr val="lt1"/>
+          </a:fontRef>
+        </p:style>
+      </p:sp>
+      <p:sp>
+        <p:nvSpPr>
+          <p:cNvPr id="23" name="Rectangle 22">
+            <a:extLst>
+              <a:ext uri="{FF2B5EF4-FFF2-40B4-BE49-F238E27FC236}">
+                <a16:creationId xmlns:a16="http://schemas.microsoft.com/office/drawing/2014/main" id="{E81D5223-6DF2-4751-8B5D-D37B5D98A550}"/>
+              </a:ext>
+              <a:ext uri="{C183D7F6-B498-43B3-948B-1728B52AA6E4}">
+                <adec:decorative xmlns:adec="http://schemas.microsoft.com/office/drawing/2017/decorative" val="1"/>
+              </a:ext>
+            </a:extLst>
+          </p:cNvPr>
+          <p:cNvSpPr>
+            <a:spLocks noGrp="1" noRot="1" noChangeAspect="1" noMove="1" noResize="1" noEditPoints="1" noAdjustHandles="1" noChangeArrowheads="1" noChangeShapeType="1" noTextEdit="1"/>
+          </p:cNvSpPr>
+          <p:nvPr>
+            <p:extLst>
+              <p:ext uri="{386F3935-93C4-4BCD-93E2-E3B085C9AB24}">
+                <p16:designElem xmlns:p16="http://schemas.microsoft.com/office/powerpoint/2015/main" val="1"/>
+              </p:ext>
+            </p:extLst>
+          </p:nvPr>
+        </p:nvSpPr>
+        <p:spPr>
+          <a:xfrm>
+            <a:off x="8042147" y="6053769"/>
+            <a:ext cx="3703320" cy="98554"/>
+          </a:xfrm>
+          <a:prstGeom prst="rect">
+            <a:avLst/>
+          </a:prstGeom>
+          <a:solidFill>
+            <a:srgbClr val="969FA7"/>
+          </a:solidFill>
+          <a:ln>
+            <a:noFill/>
+          </a:ln>
+          <a:effectLst/>
+        </p:spPr>
+        <p:style>
+          <a:lnRef idx="1">
+            <a:schemeClr val="accent1"/>
+          </a:lnRef>
+          <a:fillRef idx="3">
+            <a:schemeClr val="accent1"/>
+          </a:fillRef>
+          <a:effectRef idx="2">
+            <a:schemeClr val="accent1"/>
+          </a:effectRef>
+          <a:fontRef idx="minor">
+            <a:schemeClr val="lt1"/>
+          </a:fontRef>
+        </p:style>
+      </p:sp>
+      <p:sp>
+        <p:nvSpPr>
+          <p:cNvPr id="6" name="CuadroTexto 5">
+            <a:extLst>
+              <a:ext uri="{FF2B5EF4-FFF2-40B4-BE49-F238E27FC236}">
+                <a16:creationId xmlns:a16="http://schemas.microsoft.com/office/drawing/2014/main" id="{90E976CF-EFC5-4CD3-8DE2-902D7DF32D1B}"/>
+              </a:ext>
+            </a:extLst>
+          </p:cNvPr>
+          <p:cNvSpPr txBox="1"/>
+          <p:nvPr/>
+        </p:nvSpPr>
+        <p:spPr>
+          <a:xfrm>
+            <a:off x="4724400" y="3200400"/>
+            <a:ext cx="2743200" cy="369332"/>
+          </a:xfrm>
+          <a:prstGeom prst="rect">
+            <a:avLst/>
+          </a:prstGeom>
+          <a:noFill/>
+        </p:spPr>
+        <p:txBody>
+          <a:bodyPr rot="0" spcFirstLastPara="0" vertOverflow="overflow" horzOverflow="overflow" vert="horz" wrap="square" lIns="91440" tIns="45720" rIns="91440" bIns="45720" numCol="1" spcCol="0" rtlCol="0" fromWordArt="0" anchor="t" anchorCtr="0" forceAA="0" compatLnSpc="1">
+            <a:prstTxWarp prst="textNoShape">
+              <a:avLst/>
+            </a:prstTxWarp>
+            <a:spAutoFit/>
+          </a:bodyPr>
+          <a:lstStyle/>
+          <a:p>
+            <a:endParaRPr lang="en-US"/>
+          </a:p>
+        </p:txBody>
+      </p:sp>
       <p:graphicFrame>
         <p:nvGraphicFramePr>
-          <p:cNvPr id="4" name="Tabla 4">
+          <p:cNvPr id="10" name="Marcador de contenido 9">
             <a:extLst>
               <a:ext uri="{FF2B5EF4-FFF2-40B4-BE49-F238E27FC236}">
-                <a16:creationId xmlns:a16="http://schemas.microsoft.com/office/drawing/2014/main" id="{0D739396-FE2B-4AF4-94B3-D3D1D5635456}"/>
+                <a16:creationId xmlns:a16="http://schemas.microsoft.com/office/drawing/2014/main" id="{102E6F72-F1B3-4B3E-89DB-FDD7F4672BBF}"/>
               </a:ext>
             </a:extLst>
           </p:cNvPr>
@@ -16392,16 +17687,11 @@
           </p:cNvGraphicFramePr>
           <p:nvPr>
             <p:ph idx="1"/>
-            <p:extLst>
-              <p:ext uri="{D42A27DB-BD31-4B8C-83A1-F6EECF244321}">
-                <p14:modId xmlns:p14="http://schemas.microsoft.com/office/powerpoint/2010/main" val="1201839051"/>
-              </p:ext>
-            </p:extLst>
           </p:nvPr>
         </p:nvGraphicFramePr>
         <p:xfrm>
-          <a:off x="581025" y="2341563"/>
-          <a:ext cx="11029948" cy="2123440"/>
+          <a:off x="1090001" y="1309048"/>
+          <a:ext cx="10004655" cy="2715486"/>
         </p:xfrm>
         <a:graphic>
           <a:graphicData uri="http://schemas.openxmlformats.org/drawingml/2006/table">
@@ -16410,327 +17700,603 @@
                 <a:tableStyleId>{5C22544A-7EE6-4342-B048-85BDC9FD1C3A}</a:tableStyleId>
               </a:tblPr>
               <a:tblGrid>
-                <a:gridCol w="2757487">
+                <a:gridCol w="781280">
                   <a:extLst>
                     <a:ext uri="{9D8B030D-6E8A-4147-A177-3AD203B41FA5}">
-                      <a16:colId xmlns:a16="http://schemas.microsoft.com/office/drawing/2014/main" val="2621612829"/>
+                      <a16:colId xmlns:a16="http://schemas.microsoft.com/office/drawing/2014/main" val="3950191906"/>
                     </a:ext>
                   </a:extLst>
                 </a:gridCol>
-                <a:gridCol w="2757487">
+                <a:gridCol w="2987009">
                   <a:extLst>
                     <a:ext uri="{9D8B030D-6E8A-4147-A177-3AD203B41FA5}">
-                      <a16:colId xmlns:a16="http://schemas.microsoft.com/office/drawing/2014/main" val="3581324203"/>
+                      <a16:colId xmlns:a16="http://schemas.microsoft.com/office/drawing/2014/main" val="633181898"/>
                     </a:ext>
                   </a:extLst>
                 </a:gridCol>
-                <a:gridCol w="2757487">
+                <a:gridCol w="2009252">
                   <a:extLst>
                     <a:ext uri="{9D8B030D-6E8A-4147-A177-3AD203B41FA5}">
-                      <a16:colId xmlns:a16="http://schemas.microsoft.com/office/drawing/2014/main" val="1599736636"/>
+                      <a16:colId xmlns:a16="http://schemas.microsoft.com/office/drawing/2014/main" val="2839306002"/>
                     </a:ext>
                   </a:extLst>
                 </a:gridCol>
-                <a:gridCol w="2757487">
+                <a:gridCol w="4227114">
                   <a:extLst>
                     <a:ext uri="{9D8B030D-6E8A-4147-A177-3AD203B41FA5}">
-                      <a16:colId xmlns:a16="http://schemas.microsoft.com/office/drawing/2014/main" val="654084278"/>
+                      <a16:colId xmlns:a16="http://schemas.microsoft.com/office/drawing/2014/main" val="2853611400"/>
                     </a:ext>
                   </a:extLst>
                 </a:gridCol>
               </a:tblGrid>
-              <a:tr h="370840">
+              <a:tr h="452581">
                 <a:tc>
                   <a:txBody>
                     <a:bodyPr/>
                     <a:lstStyle/>
                     <a:p>
+                      <a:pPr algn="l" fontAlgn="auto"/>
                       <a:r>
-                        <a:rPr lang="es-MX"/>
-                        <a:t>Límite inferior</a:t>
+                        <a:rPr lang="es-MX" sz="2000">
+                          <a:effectLst/>
+                        </a:rPr>
+                        <a:t>​</a:t>
                       </a:r>
+                      <a:endParaRPr lang="es-MX" sz="2000" b="1" i="0">
+                        <a:solidFill>
+                          <a:srgbClr val="FFFFFF"/>
+                        </a:solidFill>
+                        <a:effectLst/>
+                        <a:latin typeface="Gill Sans MT" panose="020B0502020104020203" pitchFamily="34" charset="0"/>
+                      </a:endParaRPr>
                     </a:p>
                   </a:txBody>
-                  <a:tcPr/>
+                  <a:tcPr marL="102859" marR="102859" marT="51430" marB="51430" anchor="ctr"/>
                 </a:tc>
                 <a:tc>
                   <a:txBody>
                     <a:bodyPr/>
                     <a:lstStyle/>
                     <a:p>
+                      <a:pPr algn="l" fontAlgn="base"/>
                       <a:r>
-                        <a:rPr lang="es-MX"/>
-                        <a:t>Límite superior</a:t>
+                        <a:rPr lang="es-MX" sz="2000">
+                          <a:effectLst/>
+                        </a:rPr>
+                        <a:t>Tipo​</a:t>
                       </a:r>
+                      <a:endParaRPr lang="es-MX" sz="2000" b="1" i="0">
+                        <a:solidFill>
+                          <a:srgbClr val="FFFFFF"/>
+                        </a:solidFill>
+                        <a:effectLst/>
+                      </a:endParaRPr>
                     </a:p>
                   </a:txBody>
-                  <a:tcPr/>
+                  <a:tcPr marL="102859" marR="102859" marT="51430" marB="51430" anchor="ctr"/>
                 </a:tc>
                 <a:tc>
                   <a:txBody>
                     <a:bodyPr/>
                     <a:lstStyle/>
                     <a:p>
+                      <a:pPr algn="l" fontAlgn="base"/>
                       <a:r>
-                        <a:rPr lang="es-MX"/>
-                        <a:t>Cuota fija</a:t>
+                        <a:rPr lang="es-MX" sz="2000">
+                          <a:effectLst/>
+                        </a:rPr>
+                        <a:t>Plazo​</a:t>
                       </a:r>
+                      <a:endParaRPr lang="es-MX" sz="2000" b="1" i="0">
+                        <a:solidFill>
+                          <a:srgbClr val="FFFFFF"/>
+                        </a:solidFill>
+                        <a:effectLst/>
+                      </a:endParaRPr>
                     </a:p>
                   </a:txBody>
-                  <a:tcPr/>
+                  <a:tcPr marL="102859" marR="102859" marT="51430" marB="51430" anchor="ctr"/>
                 </a:tc>
                 <a:tc>
                   <a:txBody>
                     <a:bodyPr/>
                     <a:lstStyle/>
                     <a:p>
+                      <a:pPr algn="l" fontAlgn="base"/>
                       <a:r>
-                        <a:rPr lang="es-MX"/>
-                        <a:t>%Sobre excedente de límite inferior</a:t>
+                        <a:rPr lang="es-MX" sz="2000">
+                          <a:effectLst/>
+                        </a:rPr>
+                        <a:t>Rendimiento anual​</a:t>
                       </a:r>
+                      <a:endParaRPr lang="es-MX" sz="2000" b="1" i="0">
+                        <a:solidFill>
+                          <a:srgbClr val="FFFFFF"/>
+                        </a:solidFill>
+                        <a:effectLst/>
+                      </a:endParaRPr>
                     </a:p>
                   </a:txBody>
-                  <a:tcPr/>
+                  <a:tcPr marL="102859" marR="102859" marT="51430" marB="51430" anchor="ctr"/>
                 </a:tc>
                 <a:extLst>
                   <a:ext uri="{0D108BD9-81ED-4DB2-BD59-A6C34878D82A}">
-                    <a16:rowId xmlns:a16="http://schemas.microsoft.com/office/drawing/2014/main" val="4103888643"/>
+                    <a16:rowId xmlns:a16="http://schemas.microsoft.com/office/drawing/2014/main" val="47731817"/>
                   </a:ext>
                 </a:extLst>
               </a:tr>
-              <a:tr h="370840">
+              <a:tr h="452581">
                 <a:tc>
                   <a:txBody>
                     <a:bodyPr/>
                     <a:lstStyle/>
                     <a:p>
+                      <a:pPr algn="l" fontAlgn="base"/>
                       <a:r>
-                        <a:rPr lang="es-MX"/>
-                        <a:t>0.01</a:t>
+                        <a:rPr lang="es-MX" sz="2000">
+                          <a:effectLst/>
+                        </a:rPr>
+                        <a:t>1​</a:t>
                       </a:r>
+                      <a:endParaRPr lang="es-MX" sz="2000" b="0" i="0">
+                        <a:solidFill>
+                          <a:srgbClr val="000000"/>
+                        </a:solidFill>
+                        <a:effectLst/>
+                      </a:endParaRPr>
                     </a:p>
                   </a:txBody>
-                  <a:tcPr/>
+                  <a:tcPr marL="102859" marR="102859" marT="51430" marB="51430" anchor="ctr"/>
                 </a:tc>
                 <a:tc>
                   <a:txBody>
                     <a:bodyPr/>
                     <a:lstStyle/>
                     <a:p>
+                      <a:pPr algn="l" fontAlgn="base"/>
                       <a:r>
-                        <a:rPr lang="es-MX"/>
-                        <a:t>6,942.2</a:t>
+                        <a:rPr lang="es-MX" sz="2000">
+                          <a:effectLst/>
+                        </a:rPr>
+                        <a:t>Cete​</a:t>
                       </a:r>
+                      <a:endParaRPr lang="es-MX" sz="2000" b="0" i="0">
+                        <a:solidFill>
+                          <a:srgbClr val="000000"/>
+                        </a:solidFill>
+                        <a:effectLst/>
+                      </a:endParaRPr>
                     </a:p>
                   </a:txBody>
-                  <a:tcPr/>
+                  <a:tcPr marL="102859" marR="102859" marT="51430" marB="51430" anchor="ctr"/>
                 </a:tc>
                 <a:tc>
                   <a:txBody>
                     <a:bodyPr/>
                     <a:lstStyle/>
                     <a:p>
+                      <a:pPr algn="l" fontAlgn="base"/>
                       <a:r>
-                        <a:rPr lang="es-MX"/>
-                        <a:t>0.00</a:t>
+                        <a:rPr lang="es-MX" sz="2000">
+                          <a:effectLst/>
+                        </a:rPr>
+                        <a:t>corto​</a:t>
                       </a:r>
+                      <a:endParaRPr lang="es-MX" sz="2000" b="0" i="0">
+                        <a:solidFill>
+                          <a:srgbClr val="000000"/>
+                        </a:solidFill>
+                        <a:effectLst/>
+                      </a:endParaRPr>
                     </a:p>
                   </a:txBody>
-                  <a:tcPr/>
+                  <a:tcPr marL="102859" marR="102859" marT="51430" marB="51430" anchor="ctr"/>
                 </a:tc>
                 <a:tc>
                   <a:txBody>
                     <a:bodyPr/>
                     <a:lstStyle/>
                     <a:p>
+                      <a:pPr algn="l" fontAlgn="base"/>
                       <a:r>
-                        <a:rPr lang="es-MX"/>
-                        <a:t>1.92</a:t>
+                        <a:rPr lang="es-MX" sz="2000">
+                          <a:effectLst/>
+                        </a:rPr>
+                        <a:t>7.1%​</a:t>
                       </a:r>
+                      <a:endParaRPr lang="es-MX" sz="2000" b="0" i="0">
+                        <a:solidFill>
+                          <a:srgbClr val="000000"/>
+                        </a:solidFill>
+                        <a:effectLst/>
+                      </a:endParaRPr>
                     </a:p>
                   </a:txBody>
-                  <a:tcPr/>
+                  <a:tcPr marL="102859" marR="102859" marT="51430" marB="51430" anchor="ctr"/>
                 </a:tc>
                 <a:extLst>
                   <a:ext uri="{0D108BD9-81ED-4DB2-BD59-A6C34878D82A}">
-                    <a16:rowId xmlns:a16="http://schemas.microsoft.com/office/drawing/2014/main" val="504472296"/>
+                    <a16:rowId xmlns:a16="http://schemas.microsoft.com/office/drawing/2014/main" val="462646653"/>
                   </a:ext>
                 </a:extLst>
               </a:tr>
-              <a:tr h="370840">
+              <a:tr h="452581">
                 <a:tc>
                   <a:txBody>
                     <a:bodyPr/>
                     <a:lstStyle/>
                     <a:p>
+                      <a:pPr algn="l" fontAlgn="base"/>
                       <a:r>
-                        <a:rPr lang="es-MX"/>
-                        <a:t>6,942.21</a:t>
+                        <a:rPr lang="es-MX" sz="2000">
+                          <a:effectLst/>
+                        </a:rPr>
+                        <a:t>2​</a:t>
                       </a:r>
+                      <a:endParaRPr lang="es-MX" sz="2000" b="0" i="0">
+                        <a:solidFill>
+                          <a:srgbClr val="000000"/>
+                        </a:solidFill>
+                        <a:effectLst/>
+                      </a:endParaRPr>
                     </a:p>
                   </a:txBody>
-                  <a:tcPr/>
+                  <a:tcPr marL="102859" marR="102859" marT="51430" marB="51430" anchor="ctr"/>
                 </a:tc>
                 <a:tc>
                   <a:txBody>
                     <a:bodyPr/>
                     <a:lstStyle/>
                     <a:p>
+                      <a:pPr algn="l" fontAlgn="base"/>
                       <a:r>
-                        <a:rPr lang="es-MX"/>
-                        <a:t>58,922.16</a:t>
+                        <a:rPr lang="es-MX" sz="2000">
+                          <a:effectLst/>
+                        </a:rPr>
+                        <a:t>Bono​</a:t>
                       </a:r>
+                      <a:endParaRPr lang="es-MX" sz="2000" b="0" i="0">
+                        <a:solidFill>
+                          <a:srgbClr val="000000"/>
+                        </a:solidFill>
+                        <a:effectLst/>
+                      </a:endParaRPr>
                     </a:p>
                   </a:txBody>
-                  <a:tcPr/>
+                  <a:tcPr marL="102859" marR="102859" marT="51430" marB="51430" anchor="ctr"/>
                 </a:tc>
                 <a:tc>
                   <a:txBody>
                     <a:bodyPr/>
                     <a:lstStyle/>
                     <a:p>
+                      <a:pPr algn="l" fontAlgn="base"/>
                       <a:r>
-                        <a:rPr lang="es-MX"/>
-                        <a:t>133.28</a:t>
+                        <a:rPr lang="es-MX" sz="2000">
+                          <a:effectLst/>
+                        </a:rPr>
+                        <a:t>mediano​</a:t>
                       </a:r>
+                      <a:endParaRPr lang="es-MX" sz="2000" b="0" i="0">
+                        <a:solidFill>
+                          <a:srgbClr val="000000"/>
+                        </a:solidFill>
+                        <a:effectLst/>
+                      </a:endParaRPr>
                     </a:p>
                   </a:txBody>
-                  <a:tcPr/>
+                  <a:tcPr marL="102859" marR="102859" marT="51430" marB="51430" anchor="ctr"/>
                 </a:tc>
                 <a:tc>
                   <a:txBody>
                     <a:bodyPr/>
                     <a:lstStyle/>
                     <a:p>
+                      <a:pPr algn="l" fontAlgn="base"/>
                       <a:r>
-                        <a:rPr lang="es-MX"/>
-                        <a:t>6.40</a:t>
+                        <a:rPr lang="es-MX" sz="2000">
+                          <a:effectLst/>
+                        </a:rPr>
+                        <a:t>6.65%​</a:t>
                       </a:r>
+                      <a:endParaRPr lang="es-MX" sz="2000" b="0" i="0">
+                        <a:solidFill>
+                          <a:srgbClr val="000000"/>
+                        </a:solidFill>
+                        <a:effectLst/>
+                      </a:endParaRPr>
                     </a:p>
                   </a:txBody>
-                  <a:tcPr/>
+                  <a:tcPr marL="102859" marR="102859" marT="51430" marB="51430" anchor="ctr"/>
                 </a:tc>
                 <a:extLst>
                   <a:ext uri="{0D108BD9-81ED-4DB2-BD59-A6C34878D82A}">
-                    <a16:rowId xmlns:a16="http://schemas.microsoft.com/office/drawing/2014/main" val="2105588933"/>
+                    <a16:rowId xmlns:a16="http://schemas.microsoft.com/office/drawing/2014/main" val="346139074"/>
                   </a:ext>
                 </a:extLst>
               </a:tr>
-              <a:tr h="370840">
+              <a:tr h="452581">
                 <a:tc>
                   <a:txBody>
                     <a:bodyPr/>
                     <a:lstStyle/>
                     <a:p>
+                      <a:pPr algn="l" fontAlgn="base"/>
                       <a:r>
-                        <a:rPr lang="es-MX"/>
-                        <a:t>58,922.17</a:t>
+                        <a:rPr lang="es-MX" sz="2000">
+                          <a:effectLst/>
+                        </a:rPr>
+                        <a:t>3​</a:t>
                       </a:r>
+                      <a:endParaRPr lang="es-MX" sz="2000" b="0" i="0">
+                        <a:solidFill>
+                          <a:srgbClr val="000000"/>
+                        </a:solidFill>
+                        <a:effectLst/>
+                      </a:endParaRPr>
                     </a:p>
                   </a:txBody>
-                  <a:tcPr/>
+                  <a:tcPr marL="102859" marR="102859" marT="51430" marB="51430" anchor="ctr"/>
                 </a:tc>
                 <a:tc>
                   <a:txBody>
                     <a:bodyPr/>
                     <a:lstStyle/>
                     <a:p>
+                      <a:pPr algn="l" fontAlgn="base"/>
                       <a:r>
-                        <a:rPr lang="es-MX"/>
-                        <a:t>103,55.44</a:t>
+                        <a:rPr lang="es-MX" sz="2000">
+                          <a:effectLst/>
+                        </a:rPr>
+                        <a:t>Bancario​</a:t>
                       </a:r>
+                      <a:endParaRPr lang="es-MX" sz="2000" b="0" i="0">
+                        <a:solidFill>
+                          <a:srgbClr val="000000"/>
+                        </a:solidFill>
+                        <a:effectLst/>
+                      </a:endParaRPr>
                     </a:p>
                   </a:txBody>
-                  <a:tcPr/>
+                  <a:tcPr marL="102859" marR="102859" marT="51430" marB="51430" anchor="ctr"/>
                 </a:tc>
                 <a:tc>
                   <a:txBody>
                     <a:bodyPr/>
                     <a:lstStyle/>
                     <a:p>
+                      <a:pPr algn="l" fontAlgn="base"/>
                       <a:r>
-                        <a:rPr lang="es-MX"/>
-                        <a:t>3,460.01</a:t>
+                        <a:rPr lang="es-MX" sz="2000">
+                          <a:effectLst/>
+                        </a:rPr>
+                        <a:t>mediano​</a:t>
                       </a:r>
+                      <a:endParaRPr lang="es-MX" sz="2000" b="0" i="0">
+                        <a:solidFill>
+                          <a:srgbClr val="000000"/>
+                        </a:solidFill>
+                        <a:effectLst/>
+                      </a:endParaRPr>
                     </a:p>
                   </a:txBody>
-                  <a:tcPr/>
+                  <a:tcPr marL="102859" marR="102859" marT="51430" marB="51430" anchor="ctr"/>
                 </a:tc>
                 <a:tc>
                   <a:txBody>
                     <a:bodyPr/>
                     <a:lstStyle/>
                     <a:p>
+                      <a:pPr algn="l" fontAlgn="base"/>
                       <a:r>
-                        <a:rPr lang="es-MX"/>
-                        <a:t>10.88</a:t>
+                        <a:rPr lang="es-MX" sz="2000">
+                          <a:effectLst/>
+                        </a:rPr>
+                        <a:t>7.43%​</a:t>
                       </a:r>
+                      <a:endParaRPr lang="es-MX" sz="2000" b="0" i="0">
+                        <a:solidFill>
+                          <a:srgbClr val="000000"/>
+                        </a:solidFill>
+                        <a:effectLst/>
+                      </a:endParaRPr>
                     </a:p>
                   </a:txBody>
-                  <a:tcPr/>
+                  <a:tcPr marL="102859" marR="102859" marT="51430" marB="51430" anchor="ctr"/>
                 </a:tc>
                 <a:extLst>
                   <a:ext uri="{0D108BD9-81ED-4DB2-BD59-A6C34878D82A}">
-                    <a16:rowId xmlns:a16="http://schemas.microsoft.com/office/drawing/2014/main" val="2368280704"/>
+                    <a16:rowId xmlns:a16="http://schemas.microsoft.com/office/drawing/2014/main" val="724087457"/>
                   </a:ext>
                 </a:extLst>
               </a:tr>
-              <a:tr h="370840">
+              <a:tr h="452581">
                 <a:tc>
                   <a:txBody>
                     <a:bodyPr/>
                     <a:lstStyle/>
                     <a:p>
+                      <a:pPr algn="l" fontAlgn="base"/>
                       <a:r>
-                        <a:rPr lang="es-MX"/>
-                        <a:t>103,550.45</a:t>
+                        <a:rPr lang="es-MX" sz="2000">
+                          <a:effectLst/>
+                        </a:rPr>
+                        <a:t>4​</a:t>
                       </a:r>
+                      <a:endParaRPr lang="es-MX" sz="2000" b="0" i="0">
+                        <a:solidFill>
+                          <a:srgbClr val="000000"/>
+                        </a:solidFill>
+                        <a:effectLst/>
+                      </a:endParaRPr>
                     </a:p>
                   </a:txBody>
-                  <a:tcPr/>
+                  <a:tcPr marL="102859" marR="102859" marT="51430" marB="51430" anchor="ctr"/>
                 </a:tc>
                 <a:tc>
                   <a:txBody>
                     <a:bodyPr/>
                     <a:lstStyle/>
                     <a:p>
+                      <a:pPr algn="l" fontAlgn="base"/>
                       <a:r>
-                        <a:rPr lang="es-MX"/>
-                        <a:t>120,372.83</a:t>
+                        <a:rPr lang="es-MX" sz="2000">
+                          <a:effectLst/>
+                        </a:rPr>
+                        <a:t>Fondo privado​</a:t>
                       </a:r>
+                      <a:endParaRPr lang="es-MX" sz="2000" b="0" i="0">
+                        <a:solidFill>
+                          <a:srgbClr val="000000"/>
+                        </a:solidFill>
+                        <a:effectLst/>
+                      </a:endParaRPr>
                     </a:p>
                   </a:txBody>
-                  <a:tcPr/>
+                  <a:tcPr marL="102859" marR="102859" marT="51430" marB="51430" anchor="ctr"/>
                 </a:tc>
                 <a:tc>
                   <a:txBody>
                     <a:bodyPr/>
                     <a:lstStyle/>
                     <a:p>
+                      <a:pPr algn="l" fontAlgn="base"/>
                       <a:r>
-                        <a:rPr lang="es-MX"/>
-                        <a:t>8,315.57</a:t>
+                        <a:rPr lang="es-MX" sz="2000">
+                          <a:effectLst/>
+                        </a:rPr>
+                        <a:t>largo​</a:t>
                       </a:r>
+                      <a:endParaRPr lang="es-MX" sz="2000" b="0" i="0">
+                        <a:solidFill>
+                          <a:srgbClr val="000000"/>
+                        </a:solidFill>
+                        <a:effectLst/>
+                      </a:endParaRPr>
                     </a:p>
                   </a:txBody>
-                  <a:tcPr/>
+                  <a:tcPr marL="102859" marR="102859" marT="51430" marB="51430" anchor="ctr"/>
                 </a:tc>
                 <a:tc>
                   <a:txBody>
                     <a:bodyPr/>
                     <a:lstStyle/>
                     <a:p>
+                      <a:pPr algn="l" fontAlgn="base"/>
                       <a:r>
-                        <a:rPr lang="es-MX"/>
-                        <a:t>16.00</a:t>
+                        <a:rPr lang="es-MX" sz="2000">
+                          <a:effectLst/>
+                        </a:rPr>
+                        <a:t>15.2%​</a:t>
                       </a:r>
+                      <a:endParaRPr lang="es-MX" sz="2000" b="0" i="0">
+                        <a:solidFill>
+                          <a:srgbClr val="000000"/>
+                        </a:solidFill>
+                        <a:effectLst/>
+                      </a:endParaRPr>
                     </a:p>
                   </a:txBody>
-                  <a:tcPr/>
+                  <a:tcPr marL="102859" marR="102859" marT="51430" marB="51430" anchor="ctr"/>
                 </a:tc>
                 <a:extLst>
                   <a:ext uri="{0D108BD9-81ED-4DB2-BD59-A6C34878D82A}">
-                    <a16:rowId xmlns:a16="http://schemas.microsoft.com/office/drawing/2014/main" val="2546701464"/>
+                    <a16:rowId xmlns:a16="http://schemas.microsoft.com/office/drawing/2014/main" val="2549167815"/>
+                  </a:ext>
+                </a:extLst>
+              </a:tr>
+              <a:tr h="452581">
+                <a:tc>
+                  <a:txBody>
+                    <a:bodyPr/>
+                    <a:lstStyle/>
+                    <a:p>
+                      <a:pPr algn="l" fontAlgn="base"/>
+                      <a:r>
+                        <a:rPr lang="es-MX" sz="2000">
+                          <a:effectLst/>
+                        </a:rPr>
+                        <a:t>5​</a:t>
+                      </a:r>
+                      <a:endParaRPr lang="es-MX" sz="2000" b="0" i="0">
+                        <a:solidFill>
+                          <a:srgbClr val="000000"/>
+                        </a:solidFill>
+                        <a:effectLst/>
+                      </a:endParaRPr>
+                    </a:p>
+                  </a:txBody>
+                  <a:tcPr marL="102859" marR="102859" marT="51430" marB="51430" anchor="ctr"/>
+                </a:tc>
+                <a:tc>
+                  <a:txBody>
+                    <a:bodyPr/>
+                    <a:lstStyle/>
+                    <a:p>
+                      <a:pPr algn="l" fontAlgn="base"/>
+                      <a:r>
+                        <a:rPr lang="es-MX" sz="2000">
+                          <a:effectLst/>
+                        </a:rPr>
+                        <a:t>Bono Argentino​</a:t>
+                      </a:r>
+                      <a:endParaRPr lang="es-MX" sz="2000" b="0" i="0">
+                        <a:solidFill>
+                          <a:srgbClr val="000000"/>
+                        </a:solidFill>
+                        <a:effectLst/>
+                      </a:endParaRPr>
+                    </a:p>
+                  </a:txBody>
+                  <a:tcPr marL="102859" marR="102859" marT="51430" marB="51430" anchor="ctr"/>
+                </a:tc>
+                <a:tc>
+                  <a:txBody>
+                    <a:bodyPr/>
+                    <a:lstStyle/>
+                    <a:p>
+                      <a:pPr algn="l" fontAlgn="base"/>
+                      <a:r>
+                        <a:rPr lang="es-MX" sz="2000">
+                          <a:effectLst/>
+                        </a:rPr>
+                        <a:t>corto​</a:t>
+                      </a:r>
+                      <a:endParaRPr lang="es-MX" sz="2000" b="0" i="0">
+                        <a:solidFill>
+                          <a:srgbClr val="000000"/>
+                        </a:solidFill>
+                        <a:effectLst/>
+                      </a:endParaRPr>
+                    </a:p>
+                  </a:txBody>
+                  <a:tcPr marL="102859" marR="102859" marT="51430" marB="51430" anchor="ctr"/>
+                </a:tc>
+                <a:tc>
+                  <a:txBody>
+                    <a:bodyPr/>
+                    <a:lstStyle/>
+                    <a:p>
+                      <a:pPr algn="l" fontAlgn="base"/>
+                      <a:r>
+                        <a:rPr lang="es-MX" sz="2000">
+                          <a:effectLst/>
+                        </a:rPr>
+                        <a:t>23.3%​</a:t>
+                      </a:r>
+                      <a:endParaRPr lang="es-MX" sz="2000" b="0" i="0">
+                        <a:solidFill>
+                          <a:srgbClr val="000000"/>
+                        </a:solidFill>
+                        <a:effectLst/>
+                      </a:endParaRPr>
+                    </a:p>
+                  </a:txBody>
+                  <a:tcPr marL="102859" marR="102859" marT="51430" marB="51430" anchor="ctr"/>
+                </a:tc>
+                <a:extLst>
+                  <a:ext uri="{0D108BD9-81ED-4DB2-BD59-A6C34878D82A}">
+                    <a16:rowId xmlns:a16="http://schemas.microsoft.com/office/drawing/2014/main" val="3209186820"/>
                   </a:ext>
                 </a:extLst>
               </a:tr>
@@ -16741,17 +18307,17 @@
     </p:spTree>
     <p:extLst>
       <p:ext uri="{BB962C8B-B14F-4D97-AF65-F5344CB8AC3E}">
-        <p14:creationId xmlns:p14="http://schemas.microsoft.com/office/powerpoint/2010/main" val="165328463"/>
+        <p14:creationId xmlns:p14="http://schemas.microsoft.com/office/powerpoint/2010/main" val="3039967840"/>
       </p:ext>
     </p:extLst>
   </p:cSld>
   <p:clrMapOvr>
-    <a:masterClrMapping/>
+    <a:overrideClrMapping bg1="dk1" tx1="lt1" bg2="dk2" tx2="lt2" accent1="accent1" accent2="accent2" accent3="accent3" accent4="accent4" accent5="accent5" accent6="accent6" hlink="hlink" folHlink="folHlink"/>
   </p:clrMapOvr>
 </p:sld>
 </file>
 
-<file path=ppt/slides/slide5.xml><?xml version="1.0" encoding="utf-8"?>
+<file path=ppt/slides/slide7.xml><?xml version="1.0" encoding="utf-8"?>
 <p:sld xmlns:a="http://schemas.openxmlformats.org/drawingml/2006/main" xmlns:r="http://schemas.openxmlformats.org/officeDocument/2006/relationships" xmlns:p="http://schemas.openxmlformats.org/presentationml/2006/main">
   <p:cSld>
     <p:bg>
@@ -16862,8 +18428,8 @@
           <a:lstStyle/>
           <a:p>
             <a:r>
-              <a:rPr lang="es-MX"/>
-              <a:t>Instrumentos financiero</a:t>
+              <a:rPr lang="es-MX" dirty="0"/>
+              <a:t>Instrumentos financieros</a:t>
             </a:r>
           </a:p>
         </p:txBody>
@@ -17151,7 +18717,7 @@
 </p:sld>
 </file>
 
-<file path=ppt/slides/slide6.xml><?xml version="1.0" encoding="utf-8"?>
+<file path=ppt/slides/slide8.xml><?xml version="1.0" encoding="utf-8"?>
 <p:sld xmlns:a="http://schemas.openxmlformats.org/drawingml/2006/main" xmlns:r="http://schemas.openxmlformats.org/officeDocument/2006/relationships" xmlns:p="http://schemas.openxmlformats.org/presentationml/2006/main">
   <p:cSld>
     <p:bg>
@@ -17504,7 +19070,7 @@
 </p:sld>
 </file>
 
-<file path=ppt/slides/slide7.xml><?xml version="1.0" encoding="utf-8"?>
+<file path=ppt/slides/slide9.xml><?xml version="1.0" encoding="utf-8"?>
 <p:sld xmlns:a="http://schemas.openxmlformats.org/drawingml/2006/main" xmlns:r="http://schemas.openxmlformats.org/officeDocument/2006/relationships" xmlns:p="http://schemas.openxmlformats.org/presentationml/2006/main">
   <p:cSld>
     <p:bg>
@@ -17888,791 +19454,6 @@
 </p:sld>
 </file>
 
-<file path=ppt/slides/slide8.xml><?xml version="1.0" encoding="utf-8"?>
-<p:sld xmlns:a="http://schemas.openxmlformats.org/drawingml/2006/main" xmlns:r="http://schemas.openxmlformats.org/officeDocument/2006/relationships" xmlns:p="http://schemas.openxmlformats.org/presentationml/2006/main">
-  <p:cSld>
-    <p:bg>
-      <p:bgPr>
-        <a:solidFill>
-          <a:schemeClr val="bg2"/>
-        </a:solidFill>
-        <a:effectLst/>
-      </p:bgPr>
-    </p:bg>
-    <p:spTree>
-      <p:nvGrpSpPr>
-        <p:cNvPr id="1" name=""/>
-        <p:cNvGrpSpPr/>
-        <p:nvPr/>
-      </p:nvGrpSpPr>
-      <p:grpSpPr>
-        <a:xfrm>
-          <a:off x="0" y="0"/>
-          <a:ext cx="0" cy="0"/>
-          <a:chOff x="0" y="0"/>
-          <a:chExt cx="0" cy="0"/>
-        </a:xfrm>
-      </p:grpSpPr>
-      <p:sp>
-        <p:nvSpPr>
-          <p:cNvPr id="8" name="Rectangle 7">
-            <a:extLst>
-              <a:ext uri="{FF2B5EF4-FFF2-40B4-BE49-F238E27FC236}">
-                <a16:creationId xmlns:a16="http://schemas.microsoft.com/office/drawing/2014/main" id="{F92989FB-1024-49B7-BDF1-B3CE27D48623}"/>
-              </a:ext>
-              <a:ext uri="{C183D7F6-B498-43B3-948B-1728B52AA6E4}">
-                <adec:decorative xmlns:adec="http://schemas.microsoft.com/office/drawing/2017/decorative" val="1"/>
-              </a:ext>
-            </a:extLst>
-          </p:cNvPr>
-          <p:cNvSpPr>
-            <a:spLocks noGrp="1" noRot="1" noChangeAspect="1" noMove="1" noResize="1" noEditPoints="1" noAdjustHandles="1" noChangeArrowheads="1" noChangeShapeType="1" noTextEdit="1"/>
-          </p:cNvSpPr>
-          <p:nvPr>
-            <p:extLst>
-              <p:ext uri="{386F3935-93C4-4BCD-93E2-E3B085C9AB24}">
-                <p16:designElem xmlns:p16="http://schemas.microsoft.com/office/powerpoint/2015/main" val="1"/>
-              </p:ext>
-            </p:extLst>
-          </p:nvPr>
-        </p:nvSpPr>
-        <p:spPr>
-          <a:xfrm>
-            <a:off x="0" y="0"/>
-            <a:ext cx="12191999" cy="6858001"/>
-          </a:xfrm>
-          <a:prstGeom prst="rect">
-            <a:avLst/>
-          </a:prstGeom>
-          <a:solidFill>
-            <a:schemeClr val="tx1"/>
-          </a:solidFill>
-          <a:ln>
-            <a:noFill/>
-          </a:ln>
-        </p:spPr>
-        <p:style>
-          <a:lnRef idx="2">
-            <a:schemeClr val="accent1">
-              <a:shade val="50000"/>
-            </a:schemeClr>
-          </a:lnRef>
-          <a:fillRef idx="1">
-            <a:schemeClr val="accent1"/>
-          </a:fillRef>
-          <a:effectRef idx="0">
-            <a:schemeClr val="accent1"/>
-          </a:effectRef>
-          <a:fontRef idx="minor">
-            <a:schemeClr val="lt1"/>
-          </a:fontRef>
-        </p:style>
-        <p:txBody>
-          <a:bodyPr rtlCol="0" anchor="ctr"/>
-          <a:lstStyle/>
-          <a:p>
-            <a:pPr algn="ctr"/>
-            <a:endParaRPr lang="en-US"/>
-          </a:p>
-        </p:txBody>
-      </p:sp>
-      <p:sp>
-        <p:nvSpPr>
-          <p:cNvPr id="2" name="Título 1">
-            <a:extLst>
-              <a:ext uri="{FF2B5EF4-FFF2-40B4-BE49-F238E27FC236}">
-                <a16:creationId xmlns:a16="http://schemas.microsoft.com/office/drawing/2014/main" id="{46988E0A-FFDB-4B35-BF35-1813CB3832EB}"/>
-              </a:ext>
-            </a:extLst>
-          </p:cNvPr>
-          <p:cNvSpPr>
-            <a:spLocks noGrp="1"/>
-          </p:cNvSpPr>
-          <p:nvPr>
-            <p:ph type="title"/>
-          </p:nvPr>
-        </p:nvSpPr>
-        <p:spPr>
-          <a:xfrm>
-            <a:off x="746228" y="1073231"/>
-            <a:ext cx="3054091" cy="4711539"/>
-          </a:xfrm>
-        </p:spPr>
-        <p:txBody>
-          <a:bodyPr anchor="ctr">
-            <a:normAutofit/>
-          </a:bodyPr>
-          <a:lstStyle/>
-          <a:p>
-            <a:r>
-              <a:rPr lang="es-MX" sz="3200">
-                <a:solidFill>
-                  <a:schemeClr val="bg1">
-                    <a:lumMod val="85000"/>
-                    <a:lumOff val="15000"/>
-                  </a:schemeClr>
-                </a:solidFill>
-              </a:rPr>
-              <a:t>Función objetivo</a:t>
-            </a:r>
-          </a:p>
-        </p:txBody>
-      </p:sp>
-      <p:sp>
-        <p:nvSpPr>
-          <p:cNvPr id="10" name="Rectangle 9">
-            <a:extLst>
-              <a:ext uri="{FF2B5EF4-FFF2-40B4-BE49-F238E27FC236}">
-                <a16:creationId xmlns:a16="http://schemas.microsoft.com/office/drawing/2014/main" id="{DFEE959E-BF10-4204-9556-D1707088D445}"/>
-              </a:ext>
-              <a:ext uri="{C183D7F6-B498-43B3-948B-1728B52AA6E4}">
-                <adec:decorative xmlns:adec="http://schemas.microsoft.com/office/drawing/2017/decorative" val="1"/>
-              </a:ext>
-            </a:extLst>
-          </p:cNvPr>
-          <p:cNvSpPr>
-            <a:spLocks noGrp="1" noRot="1" noChangeAspect="1" noMove="1" noResize="1" noEditPoints="1" noAdjustHandles="1" noChangeArrowheads="1" noChangeShapeType="1" noTextEdit="1"/>
-          </p:cNvSpPr>
-          <p:nvPr>
-            <p:extLst>
-              <p:ext uri="{386F3935-93C4-4BCD-93E2-E3B085C9AB24}">
-                <p16:designElem xmlns:p16="http://schemas.microsoft.com/office/powerpoint/2015/main" val="1"/>
-              </p:ext>
-            </p:extLst>
-          </p:nvPr>
-        </p:nvSpPr>
-        <p:spPr>
-          <a:xfrm>
-            <a:off x="446534" y="457200"/>
-            <a:ext cx="3703320" cy="94997"/>
-          </a:xfrm>
-          <a:prstGeom prst="rect">
-            <a:avLst/>
-          </a:prstGeom>
-          <a:solidFill>
-            <a:srgbClr val="465359"/>
-          </a:solidFill>
-          <a:ln>
-            <a:noFill/>
-          </a:ln>
-          <a:effectLst/>
-        </p:spPr>
-        <p:style>
-          <a:lnRef idx="1">
-            <a:schemeClr val="accent1"/>
-          </a:lnRef>
-          <a:fillRef idx="3">
-            <a:schemeClr val="accent1"/>
-          </a:fillRef>
-          <a:effectRef idx="2">
-            <a:schemeClr val="accent1"/>
-          </a:effectRef>
-          <a:fontRef idx="minor">
-            <a:schemeClr val="lt1"/>
-          </a:fontRef>
-        </p:style>
-      </p:sp>
-      <p:sp>
-        <p:nvSpPr>
-          <p:cNvPr id="12" name="Rectangle 11">
-            <a:extLst>
-              <a:ext uri="{FF2B5EF4-FFF2-40B4-BE49-F238E27FC236}">
-                <a16:creationId xmlns:a16="http://schemas.microsoft.com/office/drawing/2014/main" id="{DDD17B6A-CB37-4005-9681-A20AFCDC7822}"/>
-              </a:ext>
-              <a:ext uri="{C183D7F6-B498-43B3-948B-1728B52AA6E4}">
-                <adec:decorative xmlns:adec="http://schemas.microsoft.com/office/drawing/2017/decorative" val="1"/>
-              </a:ext>
-            </a:extLst>
-          </p:cNvPr>
-          <p:cNvSpPr>
-            <a:spLocks noGrp="1" noRot="1" noChangeAspect="1" noMove="1" noResize="1" noEditPoints="1" noAdjustHandles="1" noChangeArrowheads="1" noChangeShapeType="1" noTextEdit="1"/>
-          </p:cNvSpPr>
-          <p:nvPr>
-            <p:extLst>
-              <p:ext uri="{386F3935-93C4-4BCD-93E2-E3B085C9AB24}">
-                <p16:designElem xmlns:p16="http://schemas.microsoft.com/office/powerpoint/2015/main" val="1"/>
-              </p:ext>
-            </p:extLst>
-          </p:nvPr>
-        </p:nvSpPr>
-        <p:spPr>
-          <a:xfrm>
-            <a:off x="4241830" y="457200"/>
-            <a:ext cx="3703320" cy="91440"/>
-          </a:xfrm>
-          <a:prstGeom prst="rect">
-            <a:avLst/>
-          </a:prstGeom>
-          <a:solidFill>
-            <a:schemeClr val="accent1"/>
-          </a:solidFill>
-          <a:ln>
-            <a:noFill/>
-          </a:ln>
-          <a:effectLst/>
-        </p:spPr>
-        <p:style>
-          <a:lnRef idx="1">
-            <a:schemeClr val="accent1"/>
-          </a:lnRef>
-          <a:fillRef idx="3">
-            <a:schemeClr val="accent1"/>
-          </a:fillRef>
-          <a:effectRef idx="2">
-            <a:schemeClr val="accent1"/>
-          </a:effectRef>
-          <a:fontRef idx="minor">
-            <a:schemeClr val="lt1"/>
-          </a:fontRef>
-        </p:style>
-      </p:sp>
-      <p:sp>
-        <p:nvSpPr>
-          <p:cNvPr id="14" name="Rectangle 13">
-            <a:extLst>
-              <a:ext uri="{FF2B5EF4-FFF2-40B4-BE49-F238E27FC236}">
-                <a16:creationId xmlns:a16="http://schemas.microsoft.com/office/drawing/2014/main" id="{3B7BBDE9-DAED-40B0-A640-503C918D1CE3}"/>
-              </a:ext>
-              <a:ext uri="{C183D7F6-B498-43B3-948B-1728B52AA6E4}">
-                <adec:decorative xmlns:adec="http://schemas.microsoft.com/office/drawing/2017/decorative" val="1"/>
-              </a:ext>
-            </a:extLst>
-          </p:cNvPr>
-          <p:cNvSpPr>
-            <a:spLocks noGrp="1" noRot="1" noChangeAspect="1" noMove="1" noResize="1" noEditPoints="1" noAdjustHandles="1" noChangeArrowheads="1" noChangeShapeType="1" noTextEdit="1"/>
-          </p:cNvSpPr>
-          <p:nvPr>
-            <p:extLst>
-              <p:ext uri="{386F3935-93C4-4BCD-93E2-E3B085C9AB24}">
-                <p16:designElem xmlns:p16="http://schemas.microsoft.com/office/powerpoint/2015/main" val="1"/>
-              </p:ext>
-            </p:extLst>
-          </p:nvPr>
-        </p:nvSpPr>
-        <p:spPr>
-          <a:xfrm>
-            <a:off x="8042147" y="453643"/>
-            <a:ext cx="3703320" cy="98554"/>
-          </a:xfrm>
-          <a:prstGeom prst="rect">
-            <a:avLst/>
-          </a:prstGeom>
-          <a:solidFill>
-            <a:srgbClr val="969FA7"/>
-          </a:solidFill>
-          <a:ln>
-            <a:noFill/>
-          </a:ln>
-          <a:effectLst/>
-        </p:spPr>
-        <p:style>
-          <a:lnRef idx="1">
-            <a:schemeClr val="accent1"/>
-          </a:lnRef>
-          <a:fillRef idx="3">
-            <a:schemeClr val="accent1"/>
-          </a:fillRef>
-          <a:effectRef idx="2">
-            <a:schemeClr val="accent1"/>
-          </a:effectRef>
-          <a:fontRef idx="minor">
-            <a:schemeClr val="lt1"/>
-          </a:fontRef>
-        </p:style>
-      </p:sp>
-      <p:sp>
-        <p:nvSpPr>
-          <p:cNvPr id="16" name="Rectangle 15">
-            <a:extLst>
-              <a:ext uri="{FF2B5EF4-FFF2-40B4-BE49-F238E27FC236}">
-                <a16:creationId xmlns:a16="http://schemas.microsoft.com/office/drawing/2014/main" id="{7BC7EA7B-802E-41F4-8926-C4475287AA31}"/>
-              </a:ext>
-              <a:ext uri="{C183D7F6-B498-43B3-948B-1728B52AA6E4}">
-                <adec:decorative xmlns:adec="http://schemas.microsoft.com/office/drawing/2017/decorative" val="1"/>
-              </a:ext>
-            </a:extLst>
-          </p:cNvPr>
-          <p:cNvSpPr>
-            <a:spLocks noGrp="1" noRot="1" noChangeAspect="1" noMove="1" noResize="1" noEditPoints="1" noAdjustHandles="1" noChangeArrowheads="1" noChangeShapeType="1" noTextEdit="1"/>
-          </p:cNvSpPr>
-          <p:nvPr>
-            <p:extLst>
-              <p:ext uri="{386F3935-93C4-4BCD-93E2-E3B085C9AB24}">
-                <p16:designElem xmlns:p16="http://schemas.microsoft.com/office/powerpoint/2015/main" val="1"/>
-              </p:ext>
-            </p:extLst>
-          </p:nvPr>
-        </p:nvSpPr>
-        <p:spPr>
-          <a:xfrm>
-            <a:off x="4246851" y="601200"/>
-            <a:ext cx="7498616" cy="5799599"/>
-          </a:xfrm>
-          <a:prstGeom prst="rect">
-            <a:avLst/>
-          </a:prstGeom>
-          <a:solidFill>
-            <a:srgbClr val="465359"/>
-          </a:solidFill>
-          <a:ln>
-            <a:noFill/>
-          </a:ln>
-          <a:effectLst/>
-        </p:spPr>
-        <p:style>
-          <a:lnRef idx="1">
-            <a:schemeClr val="accent1"/>
-          </a:lnRef>
-          <a:fillRef idx="3">
-            <a:schemeClr val="accent1"/>
-          </a:fillRef>
-          <a:effectRef idx="2">
-            <a:schemeClr val="accent1"/>
-          </a:effectRef>
-          <a:fontRef idx="minor">
-            <a:schemeClr val="lt1"/>
-          </a:fontRef>
-        </p:style>
-      </p:sp>
-      <p:sp>
-        <p:nvSpPr>
-          <p:cNvPr id="3" name="Marcador de contenido 2">
-            <a:extLst>
-              <a:ext uri="{FF2B5EF4-FFF2-40B4-BE49-F238E27FC236}">
-                <a16:creationId xmlns:a16="http://schemas.microsoft.com/office/drawing/2014/main" id="{992482C4-4CE8-4631-9C93-CA3C83D9905E}"/>
-              </a:ext>
-            </a:extLst>
-          </p:cNvPr>
-          <p:cNvSpPr>
-            <a:spLocks noGrp="1"/>
-          </p:cNvSpPr>
-          <p:nvPr>
-            <p:ph idx="1"/>
-          </p:nvPr>
-        </p:nvSpPr>
-        <p:spPr>
-          <a:xfrm>
-            <a:off x="4702629" y="1073231"/>
-            <a:ext cx="6599582" cy="4711539"/>
-          </a:xfrm>
-        </p:spPr>
-        <p:txBody>
-          <a:bodyPr>
-            <a:normAutofit/>
-          </a:bodyPr>
-          <a:lstStyle/>
-          <a:p>
-            <a:pPr marL="305435" indent="-305435"/>
-            <a:r>
-              <a:rPr lang="es-MX" sz="2000">
-                <a:solidFill>
-                  <a:srgbClr val="FFFFFF"/>
-                </a:solidFill>
-                <a:ea typeface="+mn-lt"/>
-                <a:cs typeface="+mn-lt"/>
-              </a:rPr>
-              <a:t>La función objetivo, definida por los datos dados,será:</a:t>
-            </a:r>
-            <a:endParaRPr lang="es-MX" sz="2000">
-              <a:solidFill>
-                <a:srgbClr val="FFFFFF"/>
-              </a:solidFill>
-            </a:endParaRPr>
-          </a:p>
-          <a:p>
-            <a:pPr marL="305435" indent="-305435"/>
-            <a:endParaRPr lang="es-MX" sz="2000">
-              <a:solidFill>
-                <a:srgbClr val="FFFFFF"/>
-              </a:solidFill>
-            </a:endParaRPr>
-          </a:p>
-          <a:p>
-            <a:pPr marL="305435" indent="-305435"/>
-            <a:r>
-              <a:rPr lang="es-MX" sz="2000">
-                <a:solidFill>
-                  <a:srgbClr val="FFFFFF"/>
-                </a:solidFill>
-                <a:ea typeface="+mn-lt"/>
-                <a:cs typeface="+mn-lt"/>
-              </a:rPr>
-              <a:t>0.071X1 + 0.0665X2 + 0.0743X3 + 0.152X4 + 0.233X5</a:t>
-            </a:r>
-            <a:endParaRPr lang="es-MX" sz="2000">
-              <a:solidFill>
-                <a:srgbClr val="FFFFFF"/>
-              </a:solidFill>
-            </a:endParaRPr>
-          </a:p>
-        </p:txBody>
-      </p:sp>
-    </p:spTree>
-    <p:extLst>
-      <p:ext uri="{BB962C8B-B14F-4D97-AF65-F5344CB8AC3E}">
-        <p14:creationId xmlns:p14="http://schemas.microsoft.com/office/powerpoint/2010/main" val="2146254879"/>
-      </p:ext>
-    </p:extLst>
-  </p:cSld>
-  <p:clrMapOvr>
-    <a:overrideClrMapping bg1="dk1" tx1="lt1" bg2="dk2" tx2="lt2" accent1="accent1" accent2="accent2" accent3="accent3" accent4="accent4" accent5="accent5" accent6="accent6" hlink="hlink" folHlink="folHlink"/>
-  </p:clrMapOvr>
-</p:sld>
-</file>
-
-<file path=ppt/slides/slide9.xml><?xml version="1.0" encoding="utf-8"?>
-<p:sld xmlns:a="http://schemas.openxmlformats.org/drawingml/2006/main" xmlns:r="http://schemas.openxmlformats.org/officeDocument/2006/relationships" xmlns:p="http://schemas.openxmlformats.org/presentationml/2006/main">
-  <p:cSld>
-    <p:bg>
-      <p:bgPr>
-        <a:gradFill rotWithShape="1">
-          <a:gsLst>
-            <a:gs pos="0">
-              <a:schemeClr val="bg2">
-                <a:tint val="90000"/>
-                <a:lumMod val="110000"/>
-              </a:schemeClr>
-            </a:gs>
-            <a:gs pos="100000">
-              <a:schemeClr val="bg2">
-                <a:shade val="98000"/>
-                <a:satMod val="110000"/>
-                <a:lumMod val="86000"/>
-              </a:schemeClr>
-            </a:gs>
-          </a:gsLst>
-          <a:path path="circle">
-            <a:fillToRect l="50000" t="50000" r="100000" b="100000"/>
-          </a:path>
-        </a:gradFill>
-        <a:effectLst/>
-      </p:bgPr>
-    </p:bg>
-    <p:spTree>
-      <p:nvGrpSpPr>
-        <p:cNvPr id="1" name=""/>
-        <p:cNvGrpSpPr/>
-        <p:nvPr/>
-      </p:nvGrpSpPr>
-      <p:grpSpPr>
-        <a:xfrm>
-          <a:off x="0" y="0"/>
-          <a:ext cx="0" cy="0"/>
-          <a:chOff x="0" y="0"/>
-          <a:chExt cx="0" cy="0"/>
-        </a:xfrm>
-      </p:grpSpPr>
-      <p:sp>
-        <p:nvSpPr>
-          <p:cNvPr id="10" name="Rectangle 9">
-            <a:extLst>
-              <a:ext uri="{FF2B5EF4-FFF2-40B4-BE49-F238E27FC236}">
-                <a16:creationId xmlns:a16="http://schemas.microsoft.com/office/drawing/2014/main" id="{F92989FB-1024-49B7-BDF1-B3CE27D48623}"/>
-              </a:ext>
-              <a:ext uri="{C183D7F6-B498-43B3-948B-1728B52AA6E4}">
-                <adec:decorative xmlns:adec="http://schemas.microsoft.com/office/drawing/2017/decorative" val="1"/>
-              </a:ext>
-            </a:extLst>
-          </p:cNvPr>
-          <p:cNvSpPr>
-            <a:spLocks noGrp="1" noRot="1" noChangeAspect="1" noMove="1" noResize="1" noEditPoints="1" noAdjustHandles="1" noChangeArrowheads="1" noChangeShapeType="1" noTextEdit="1"/>
-          </p:cNvSpPr>
-          <p:nvPr>
-            <p:extLst>
-              <p:ext uri="{386F3935-93C4-4BCD-93E2-E3B085C9AB24}">
-                <p16:designElem xmlns:p16="http://schemas.microsoft.com/office/powerpoint/2015/main" val="1"/>
-              </p:ext>
-            </p:extLst>
-          </p:nvPr>
-        </p:nvSpPr>
-        <p:spPr>
-          <a:xfrm>
-            <a:off x="0" y="0"/>
-            <a:ext cx="12191999" cy="6858001"/>
-          </a:xfrm>
-          <a:prstGeom prst="rect">
-            <a:avLst/>
-          </a:prstGeom>
-          <a:solidFill>
-            <a:schemeClr val="tx1"/>
-          </a:solidFill>
-          <a:ln>
-            <a:noFill/>
-          </a:ln>
-        </p:spPr>
-        <p:style>
-          <a:lnRef idx="2">
-            <a:schemeClr val="accent1">
-              <a:shade val="50000"/>
-            </a:schemeClr>
-          </a:lnRef>
-          <a:fillRef idx="1">
-            <a:schemeClr val="accent1"/>
-          </a:fillRef>
-          <a:effectRef idx="0">
-            <a:schemeClr val="accent1"/>
-          </a:effectRef>
-          <a:fontRef idx="minor">
-            <a:schemeClr val="lt1"/>
-          </a:fontRef>
-        </p:style>
-        <p:txBody>
-          <a:bodyPr rtlCol="0" anchor="ctr"/>
-          <a:lstStyle/>
-          <a:p>
-            <a:pPr algn="ctr"/>
-            <a:endParaRPr lang="en-US"/>
-          </a:p>
-        </p:txBody>
-      </p:sp>
-      <p:sp>
-        <p:nvSpPr>
-          <p:cNvPr id="2" name="Título 1">
-            <a:extLst>
-              <a:ext uri="{FF2B5EF4-FFF2-40B4-BE49-F238E27FC236}">
-                <a16:creationId xmlns:a16="http://schemas.microsoft.com/office/drawing/2014/main" id="{289CF6DA-C35C-4FA3-99BF-341D66076BE0}"/>
-              </a:ext>
-            </a:extLst>
-          </p:cNvPr>
-          <p:cNvSpPr>
-            <a:spLocks noGrp="1"/>
-          </p:cNvSpPr>
-          <p:nvPr>
-            <p:ph type="title"/>
-          </p:nvPr>
-        </p:nvSpPr>
-        <p:spPr>
-          <a:xfrm>
-            <a:off x="746228" y="1037967"/>
-            <a:ext cx="3054091" cy="4709131"/>
-          </a:xfrm>
-        </p:spPr>
-        <p:txBody>
-          <a:bodyPr anchor="ctr">
-            <a:normAutofit/>
-          </a:bodyPr>
-          <a:lstStyle/>
-          <a:p>
-            <a:r>
-              <a:rPr lang="es-MX">
-                <a:solidFill>
-                  <a:schemeClr val="bg1">
-                    <a:lumMod val="85000"/>
-                    <a:lumOff val="15000"/>
-                  </a:schemeClr>
-                </a:solidFill>
-              </a:rPr>
-              <a:t>Optimizando</a:t>
-            </a:r>
-          </a:p>
-        </p:txBody>
-      </p:sp>
-      <p:sp>
-        <p:nvSpPr>
-          <p:cNvPr id="12" name="Rectangle 11">
-            <a:extLst>
-              <a:ext uri="{FF2B5EF4-FFF2-40B4-BE49-F238E27FC236}">
-                <a16:creationId xmlns:a16="http://schemas.microsoft.com/office/drawing/2014/main" id="{2987D6F4-EC95-4EF1-A8AD-4B70386CEEC7}"/>
-              </a:ext>
-              <a:ext uri="{C183D7F6-B498-43B3-948B-1728B52AA6E4}">
-                <adec:decorative xmlns:adec="http://schemas.microsoft.com/office/drawing/2017/decorative" val="1"/>
-              </a:ext>
-            </a:extLst>
-          </p:cNvPr>
-          <p:cNvSpPr>
-            <a:spLocks noGrp="1" noRot="1" noChangeAspect="1" noMove="1" noResize="1" noEditPoints="1" noAdjustHandles="1" noChangeArrowheads="1" noChangeShapeType="1" noTextEdit="1"/>
-          </p:cNvSpPr>
-          <p:nvPr>
-            <p:extLst>
-              <p:ext uri="{386F3935-93C4-4BCD-93E2-E3B085C9AB24}">
-                <p16:designElem xmlns:p16="http://schemas.microsoft.com/office/powerpoint/2015/main" val="1"/>
-              </p:ext>
-            </p:extLst>
-          </p:nvPr>
-        </p:nvSpPr>
-        <p:spPr>
-          <a:xfrm>
-            <a:off x="446534" y="457200"/>
-            <a:ext cx="3703320" cy="94997"/>
-          </a:xfrm>
-          <a:prstGeom prst="rect">
-            <a:avLst/>
-          </a:prstGeom>
-          <a:solidFill>
-            <a:schemeClr val="accent1"/>
-          </a:solidFill>
-          <a:ln>
-            <a:noFill/>
-          </a:ln>
-          <a:effectLst/>
-        </p:spPr>
-        <p:style>
-          <a:lnRef idx="1">
-            <a:schemeClr val="accent1"/>
-          </a:lnRef>
-          <a:fillRef idx="3">
-            <a:schemeClr val="accent1"/>
-          </a:fillRef>
-          <a:effectRef idx="2">
-            <a:schemeClr val="accent1"/>
-          </a:effectRef>
-          <a:fontRef idx="minor">
-            <a:schemeClr val="lt1"/>
-          </a:fontRef>
-        </p:style>
-      </p:sp>
-      <p:sp>
-        <p:nvSpPr>
-          <p:cNvPr id="14" name="Rectangle 13">
-            <a:extLst>
-              <a:ext uri="{FF2B5EF4-FFF2-40B4-BE49-F238E27FC236}">
-                <a16:creationId xmlns:a16="http://schemas.microsoft.com/office/drawing/2014/main" id="{F5F792DF-9D0A-4DB6-9A9E-7312F5A7E87D}"/>
-              </a:ext>
-              <a:ext uri="{C183D7F6-B498-43B3-948B-1728B52AA6E4}">
-                <adec:decorative xmlns:adec="http://schemas.microsoft.com/office/drawing/2017/decorative" val="1"/>
-              </a:ext>
-            </a:extLst>
-          </p:cNvPr>
-          <p:cNvSpPr>
-            <a:spLocks noGrp="1" noRot="1" noChangeAspect="1" noMove="1" noResize="1" noEditPoints="1" noAdjustHandles="1" noChangeArrowheads="1" noChangeShapeType="1" noTextEdit="1"/>
-          </p:cNvSpPr>
-          <p:nvPr>
-            <p:extLst>
-              <p:ext uri="{386F3935-93C4-4BCD-93E2-E3B085C9AB24}">
-                <p16:designElem xmlns:p16="http://schemas.microsoft.com/office/powerpoint/2015/main" val="1"/>
-              </p:ext>
-            </p:extLst>
-          </p:nvPr>
-        </p:nvSpPr>
-        <p:spPr>
-          <a:xfrm>
-            <a:off x="4241830" y="457200"/>
-            <a:ext cx="7498080" cy="91440"/>
-          </a:xfrm>
-          <a:prstGeom prst="rect">
-            <a:avLst/>
-          </a:prstGeom>
-          <a:solidFill>
-            <a:srgbClr val="465359"/>
-          </a:solidFill>
-          <a:ln>
-            <a:noFill/>
-          </a:ln>
-          <a:effectLst/>
-        </p:spPr>
-        <p:style>
-          <a:lnRef idx="1">
-            <a:schemeClr val="accent1"/>
-          </a:lnRef>
-          <a:fillRef idx="3">
-            <a:schemeClr val="accent1"/>
-          </a:fillRef>
-          <a:effectRef idx="2">
-            <a:schemeClr val="accent1"/>
-          </a:effectRef>
-          <a:fontRef idx="minor">
-            <a:schemeClr val="lt1"/>
-          </a:fontRef>
-        </p:style>
-      </p:sp>
-      <p:sp>
-        <p:nvSpPr>
-          <p:cNvPr id="16" name="Rectangle 15">
-            <a:extLst>
-              <a:ext uri="{FF2B5EF4-FFF2-40B4-BE49-F238E27FC236}">
-                <a16:creationId xmlns:a16="http://schemas.microsoft.com/office/drawing/2014/main" id="{7BC7EA7B-802E-41F4-8926-C4475287AA31}"/>
-              </a:ext>
-              <a:ext uri="{C183D7F6-B498-43B3-948B-1728B52AA6E4}">
-                <adec:decorative xmlns:adec="http://schemas.microsoft.com/office/drawing/2017/decorative" val="1"/>
-              </a:ext>
-            </a:extLst>
-          </p:cNvPr>
-          <p:cNvSpPr>
-            <a:spLocks noGrp="1" noRot="1" noChangeAspect="1" noMove="1" noResize="1" noEditPoints="1" noAdjustHandles="1" noChangeArrowheads="1" noChangeShapeType="1" noTextEdit="1"/>
-          </p:cNvSpPr>
-          <p:nvPr>
-            <p:extLst>
-              <p:ext uri="{386F3935-93C4-4BCD-93E2-E3B085C9AB24}">
-                <p16:designElem xmlns:p16="http://schemas.microsoft.com/office/powerpoint/2015/main" val="1"/>
-              </p:ext>
-            </p:extLst>
-          </p:nvPr>
-        </p:nvSpPr>
-        <p:spPr>
-          <a:xfrm>
-            <a:off x="4246851" y="723898"/>
-            <a:ext cx="7498616" cy="5676901"/>
-          </a:xfrm>
-          <a:prstGeom prst="rect">
-            <a:avLst/>
-          </a:prstGeom>
-          <a:solidFill>
-            <a:srgbClr val="465359"/>
-          </a:solidFill>
-          <a:ln>
-            <a:noFill/>
-          </a:ln>
-          <a:effectLst/>
-        </p:spPr>
-        <p:style>
-          <a:lnRef idx="1">
-            <a:schemeClr val="accent1"/>
-          </a:lnRef>
-          <a:fillRef idx="3">
-            <a:schemeClr val="accent1"/>
-          </a:fillRef>
-          <a:effectRef idx="2">
-            <a:schemeClr val="accent1"/>
-          </a:effectRef>
-          <a:fontRef idx="minor">
-            <a:schemeClr val="lt1"/>
-          </a:fontRef>
-        </p:style>
-      </p:sp>
-      <p:graphicFrame>
-        <p:nvGraphicFramePr>
-          <p:cNvPr id="5" name="Marcador de contenido 2">
-            <a:extLst>
-              <a:ext uri="{FF2B5EF4-FFF2-40B4-BE49-F238E27FC236}">
-                <a16:creationId xmlns:a16="http://schemas.microsoft.com/office/drawing/2014/main" id="{E1001D25-552C-4EED-846C-F4716E3D90F0}"/>
-              </a:ext>
-            </a:extLst>
-          </p:cNvPr>
-          <p:cNvGraphicFramePr>
-            <a:graphicFrameLocks noGrp="1"/>
-          </p:cNvGraphicFramePr>
-          <p:nvPr>
-            <p:ph idx="1"/>
-            <p:extLst>
-              <p:ext uri="{D42A27DB-BD31-4B8C-83A1-F6EECF244321}">
-                <p14:modId xmlns:p14="http://schemas.microsoft.com/office/powerpoint/2010/main" val="4114344623"/>
-              </p:ext>
-            </p:extLst>
-          </p:nvPr>
-        </p:nvGraphicFramePr>
-        <p:xfrm>
-          <a:off x="4598438" y="1207783"/>
-          <a:ext cx="7012370" cy="4709131"/>
-        </p:xfrm>
-        <a:graphic>
-          <a:graphicData uri="http://schemas.openxmlformats.org/drawingml/2006/diagram">
-            <dgm:relIds xmlns:dgm="http://schemas.openxmlformats.org/drawingml/2006/diagram" xmlns:r="http://schemas.openxmlformats.org/officeDocument/2006/relationships" r:dm="rId2" r:lo="rId3" r:qs="rId4" r:cs="rId5"/>
-          </a:graphicData>
-        </a:graphic>
-      </p:graphicFrame>
-    </p:spTree>
-    <p:extLst>
-      <p:ext uri="{BB962C8B-B14F-4D97-AF65-F5344CB8AC3E}">
-        <p14:creationId xmlns:p14="http://schemas.microsoft.com/office/powerpoint/2010/main" val="4164287995"/>
-      </p:ext>
-    </p:extLst>
-  </p:cSld>
-  <p:clrMapOvr>
-    <a:overrideClrMapping bg1="dk1" tx1="lt1" bg2="dk2" tx2="lt2" accent1="accent1" accent2="accent2" accent3="accent3" accent4="accent4" accent5="accent5" accent6="accent6" hlink="hlink" folHlink="folHlink"/>
-  </p:clrMapOvr>
-</p:sld>
-</file>
-
 <file path=ppt/theme/theme1.xml><?xml version="1.0" encoding="utf-8"?>
 <a:theme xmlns:a="http://schemas.openxmlformats.org/drawingml/2006/main" name="DividendVTI">
   <a:themeElements>
